--- a/Assets/游戏设计文档/详细设计方案/详细游戏设计说明书.pptx
+++ b/Assets/游戏设计文档/详细设计方案/详细游戏设计说明书.pptx
@@ -5,7 +5,7 @@
     <p:sldMasterId id="2147483648" r:id="rId1"/>
   </p:sldMasterIdLst>
   <p:notesMasterIdLst>
-    <p:notesMasterId r:id="rId12"/>
+    <p:notesMasterId r:id="rId16"/>
   </p:notesMasterIdLst>
   <p:sldIdLst>
     <p:sldId id="264" r:id="rId3"/>
@@ -17,6 +17,10 @@
     <p:sldId id="260" r:id="rId9"/>
     <p:sldId id="263" r:id="rId10"/>
     <p:sldId id="267" r:id="rId11"/>
+    <p:sldId id="273" r:id="rId12"/>
+    <p:sldId id="275" r:id="rId13"/>
+    <p:sldId id="274" r:id="rId14"/>
+    <p:sldId id="276" r:id="rId15"/>
   </p:sldIdLst>
   <p:sldSz cx="12192000" cy="6858000"/>
   <p:notesSz cx="6858000" cy="9144000"/>
@@ -120,15 +124,19 @@
       <p14:sectionLst xmlns:p14="http://schemas.microsoft.com/office/powerpoint/2010/main">
         <p14:section name="默认节" id="{9ee35a09-c1c2-445d-9555-f61af16a36e3}">
           <p14:sldIdLst>
-            <p14:sldId id="267"/>
             <p14:sldId id="264"/>
             <p14:sldId id="261"/>
             <p14:sldId id="262"/>
+            <p14:sldId id="266"/>
+            <p14:sldId id="263"/>
+            <p14:sldId id="267"/>
+            <p14:sldId id="273"/>
+            <p14:sldId id="275"/>
+            <p14:sldId id="274"/>
+            <p14:sldId id="276"/>
+            <p14:sldId id="260"/>
             <p14:sldId id="265"/>
-            <p14:sldId id="260"/>
-            <p14:sldId id="263"/>
             <p14:sldId id="259"/>
-            <p14:sldId id="266"/>
           </p14:sldIdLst>
         </p14:section>
       </p14:sectionLst>
@@ -3354,6 +3362,6826 @@
           </a:p>
         </p:txBody>
       </p:sp>
+    </p:spTree>
+  </p:cSld>
+  <p:clrMapOvr>
+    <a:masterClrMapping/>
+  </p:clrMapOvr>
+</p:sld>
+</file>
+
+<file path=ppt/slides/slide10.xml><?xml version="1.0" encoding="utf-8"?>
+<p:sld xmlns:a="http://schemas.openxmlformats.org/drawingml/2006/main" xmlns:r="http://schemas.openxmlformats.org/officeDocument/2006/relationships" xmlns:p="http://schemas.openxmlformats.org/presentationml/2006/main">
+  <p:cSld>
+    <p:spTree>
+      <p:nvGrpSpPr>
+        <p:cNvPr id="1" name=""/>
+        <p:cNvGrpSpPr/>
+        <p:nvPr/>
+      </p:nvGrpSpPr>
+      <p:grpSpPr/>
+      <p:sp>
+        <p:nvSpPr>
+          <p:cNvPr id="2" name="标题 1"/>
+          <p:cNvSpPr>
+            <a:spLocks noGrp="1"/>
+          </p:cNvSpPr>
+          <p:nvPr>
+            <p:ph type="title"/>
+          </p:nvPr>
+        </p:nvSpPr>
+        <p:spPr>
+          <a:xfrm>
+            <a:off x="4949825" y="3002280"/>
+            <a:ext cx="2292985" cy="853440"/>
+          </a:xfrm>
+        </p:spPr>
+        <p:txBody>
+          <a:bodyPr/>
+          <a:p>
+            <a:r>
+              <a:rPr lang="zh-CN" altLang="zh-CN" sz="2000"/>
+              <a:t>技能属性介绍</a:t>
+            </a:r>
+            <a:endParaRPr lang="zh-CN" altLang="zh-CN" sz="2000"/>
+          </a:p>
+        </p:txBody>
+      </p:sp>
+    </p:spTree>
+  </p:cSld>
+  <p:clrMapOvr>
+    <a:masterClrMapping/>
+  </p:clrMapOvr>
+</p:sld>
+</file>
+
+<file path=ppt/slides/slide11.xml><?xml version="1.0" encoding="utf-8"?>
+<p:sld xmlns:a="http://schemas.openxmlformats.org/drawingml/2006/main" xmlns:r="http://schemas.openxmlformats.org/officeDocument/2006/relationships" xmlns:p="http://schemas.openxmlformats.org/presentationml/2006/main">
+  <p:cSld>
+    <p:spTree>
+      <p:nvGrpSpPr>
+        <p:cNvPr id="1" name=""/>
+        <p:cNvGrpSpPr/>
+        <p:nvPr/>
+      </p:nvGrpSpPr>
+      <p:grpSpPr/>
+      <p:sp>
+        <p:nvSpPr>
+          <p:cNvPr id="4" name="文本框 3"/>
+          <p:cNvSpPr txBox="1"/>
+          <p:nvPr/>
+        </p:nvSpPr>
+        <p:spPr>
+          <a:xfrm>
+            <a:off x="632460" y="937895"/>
+            <a:ext cx="10717530" cy="922020"/>
+          </a:xfrm>
+          <a:prstGeom prst="rect">
+            <a:avLst/>
+          </a:prstGeom>
+          <a:noFill/>
+        </p:spPr>
+        <p:txBody>
+          <a:bodyPr wrap="square" rtlCol="0">
+            <a:spAutoFit/>
+          </a:bodyPr>
+          <a:p>
+            <a:r>
+              <a:rPr lang="en-US" altLang="zh-CN"/>
+              <a:t>         </a:t>
+            </a:r>
+            <a:r>
+              <a:rPr lang="zh-CN" altLang="en-US"/>
+              <a:t>玩家的技能和属性和插槽类似，玩家可以在篝火（保存点）处根据关卡情况重新分配。比如关卡火系敌人较多，那么就多加火抗，这类提升称为插槽。也有永久升级项目：如最大生命值，最大容弹量等，这类提升称为升级。</a:t>
+            </a:r>
+            <a:endParaRPr lang="en-US" altLang="zh-CN"/>
+          </a:p>
+        </p:txBody>
+      </p:sp>
+    </p:spTree>
+  </p:cSld>
+  <p:clrMapOvr>
+    <a:masterClrMapping/>
+  </p:clrMapOvr>
+</p:sld>
+</file>
+
+<file path=ppt/slides/slide12.xml><?xml version="1.0" encoding="utf-8"?>
+<p:sld xmlns:a="http://schemas.openxmlformats.org/drawingml/2006/main" xmlns:r="http://schemas.openxmlformats.org/officeDocument/2006/relationships" xmlns:p="http://schemas.openxmlformats.org/presentationml/2006/main">
+  <p:cSld>
+    <p:spTree>
+      <p:nvGrpSpPr>
+        <p:cNvPr id="1" name=""/>
+        <p:cNvGrpSpPr/>
+        <p:nvPr/>
+      </p:nvGrpSpPr>
+      <p:grpSpPr/>
+      <p:graphicFrame>
+        <p:nvGraphicFramePr>
+          <p:cNvPr id="4" name="表格 3"/>
+          <p:cNvGraphicFramePr/>
+          <p:nvPr/>
+        </p:nvGraphicFramePr>
+        <p:xfrm>
+          <a:off x="273050" y="1115060"/>
+          <a:ext cx="11657330" cy="2705100"/>
+        </p:xfrm>
+        <a:graphic>
+          <a:graphicData uri="http://schemas.openxmlformats.org/drawingml/2006/table">
+            <a:tbl>
+              <a:tblPr firstRow="1" bandRow="1">
+                <a:tableStyleId>{5C22544A-7EE6-4342-B048-85BDC9FD1C3A}</a:tableStyleId>
+              </a:tblPr>
+              <a:tblGrid>
+                <a:gridCol w="2489200"/>
+                <a:gridCol w="1790700"/>
+                <a:gridCol w="685800"/>
+                <a:gridCol w="685800"/>
+                <a:gridCol w="685800"/>
+                <a:gridCol w="685800"/>
+                <a:gridCol w="685800"/>
+                <a:gridCol w="685800"/>
+                <a:gridCol w="685800"/>
+                <a:gridCol w="685800"/>
+                <a:gridCol w="977900"/>
+                <a:gridCol w="901700"/>
+              </a:tblGrid>
+              <a:tr h="177800">
+                <a:tc>
+                  <a:txBody>
+                    <a:bodyPr/>
+                    <a:p>
+                      <a:pPr indent="0">
+                        <a:buNone/>
+                      </a:pPr>
+                      <a:r>
+                        <a:rPr lang="zh-CN" sz="1200" b="0">
+                          <a:solidFill>
+                            <a:srgbClr val="000000"/>
+                          </a:solidFill>
+                          <a:ea typeface="宋体" panose="02010600030101010101" pitchFamily="2" charset="-122"/>
+                        </a:rPr>
+                        <a:t>角色属性名称(角色共有属性)</a:t>
+                      </a:r>
+                      <a:endParaRPr lang="en-US" altLang="en-US" sz="1200" b="0">
+                        <a:solidFill>
+                          <a:srgbClr val="000000"/>
+                        </a:solidFill>
+                        <a:latin typeface="宋体" panose="02010600030101010101" pitchFamily="2" charset="-122"/>
+                      </a:endParaRPr>
+                    </a:p>
+                  </a:txBody>
+                  <a:tcPr marL="12700" marR="12700" marT="12700" vert="horz" anchor="ctr">
+                    <a:lnL>
+                      <a:noFill/>
+                    </a:lnL>
+                    <a:lnR>
+                      <a:noFill/>
+                    </a:lnR>
+                    <a:lnT cap="flat">
+                      <a:noFill/>
+                    </a:lnT>
+                    <a:lnB cap="flat">
+                      <a:noFill/>
+                    </a:lnB>
+                    <a:lnTlToBr>
+                      <a:noFill/>
+                    </a:lnTlToBr>
+                    <a:lnBlToTr>
+                      <a:noFill/>
+                    </a:lnBlToTr>
+                    <a:noFill/>
+                  </a:tcPr>
+                </a:tc>
+                <a:tc>
+                  <a:txBody>
+                    <a:bodyPr/>
+                    <a:p>
+                      <a:pPr indent="0">
+                        <a:buNone/>
+                      </a:pPr>
+                      <a:r>
+                        <a:rPr lang="zh-CN" sz="1200" b="0">
+                          <a:solidFill>
+                            <a:srgbClr val="000000"/>
+                          </a:solidFill>
+                          <a:ea typeface="宋体" panose="02010600030101010101" pitchFamily="2" charset="-122"/>
+                        </a:rPr>
+                        <a:t>备注</a:t>
+                      </a:r>
+                      <a:endParaRPr lang="en-US" altLang="en-US" sz="1200" b="0">
+                        <a:solidFill>
+                          <a:srgbClr val="000000"/>
+                        </a:solidFill>
+                        <a:latin typeface="宋体" panose="02010600030101010101" pitchFamily="2" charset="-122"/>
+                      </a:endParaRPr>
+                    </a:p>
+                  </a:txBody>
+                  <a:tcPr marL="12700" marR="12700" marT="12700" vert="horz" anchor="ctr">
+                    <a:lnL>
+                      <a:noFill/>
+                    </a:lnL>
+                    <a:lnR>
+                      <a:noFill/>
+                    </a:lnR>
+                    <a:lnT cap="flat">
+                      <a:noFill/>
+                    </a:lnT>
+                    <a:lnB cap="flat">
+                      <a:noFill/>
+                    </a:lnB>
+                    <a:lnTlToBr>
+                      <a:noFill/>
+                    </a:lnTlToBr>
+                    <a:lnBlToTr>
+                      <a:noFill/>
+                    </a:lnBlToTr>
+                    <a:noFill/>
+                  </a:tcPr>
+                </a:tc>
+                <a:tc>
+                  <a:txBody>
+                    <a:bodyPr/>
+                    <a:p>
+                      <a:pPr indent="0">
+                        <a:buNone/>
+                      </a:pPr>
+                      <a:endParaRPr lang="en-US" altLang="en-US" sz="1200" b="0">
+                        <a:solidFill>
+                          <a:srgbClr val="000000"/>
+                        </a:solidFill>
+                        <a:latin typeface="宋体" panose="02010600030101010101" pitchFamily="2" charset="-122"/>
+                      </a:endParaRPr>
+                    </a:p>
+                  </a:txBody>
+                  <a:tcPr marL="12700" marR="12700" marT="12700" vert="horz" anchor="ctr">
+                    <a:lnL>
+                      <a:noFill/>
+                    </a:lnL>
+                    <a:lnR>
+                      <a:noFill/>
+                    </a:lnR>
+                    <a:lnT cap="flat">
+                      <a:noFill/>
+                    </a:lnT>
+                    <a:lnB cap="flat">
+                      <a:noFill/>
+                    </a:lnB>
+                    <a:lnTlToBr>
+                      <a:noFill/>
+                    </a:lnTlToBr>
+                    <a:lnBlToTr>
+                      <a:noFill/>
+                    </a:lnBlToTr>
+                    <a:noFill/>
+                  </a:tcPr>
+                </a:tc>
+                <a:tc>
+                  <a:txBody>
+                    <a:bodyPr/>
+                    <a:p>
+                      <a:pPr indent="0">
+                        <a:buNone/>
+                      </a:pPr>
+                      <a:endParaRPr lang="en-US" altLang="en-US" sz="1200" b="0">
+                        <a:solidFill>
+                          <a:srgbClr val="000000"/>
+                        </a:solidFill>
+                        <a:latin typeface="宋体" panose="02010600030101010101" pitchFamily="2" charset="-122"/>
+                      </a:endParaRPr>
+                    </a:p>
+                  </a:txBody>
+                  <a:tcPr marL="12700" marR="12700" marT="12700" vert="horz" anchor="ctr">
+                    <a:lnL>
+                      <a:noFill/>
+                    </a:lnL>
+                    <a:lnR>
+                      <a:noFill/>
+                    </a:lnR>
+                    <a:lnT cap="flat">
+                      <a:noFill/>
+                    </a:lnT>
+                    <a:lnB cap="flat">
+                      <a:noFill/>
+                    </a:lnB>
+                    <a:lnTlToBr>
+                      <a:noFill/>
+                    </a:lnTlToBr>
+                    <a:lnBlToTr>
+                      <a:noFill/>
+                    </a:lnBlToTr>
+                    <a:noFill/>
+                  </a:tcPr>
+                </a:tc>
+                <a:tc>
+                  <a:txBody>
+                    <a:bodyPr/>
+                    <a:p>
+                      <a:pPr indent="0">
+                        <a:buNone/>
+                      </a:pPr>
+                      <a:endParaRPr lang="en-US" altLang="en-US" sz="1200" b="0">
+                        <a:solidFill>
+                          <a:srgbClr val="000000"/>
+                        </a:solidFill>
+                        <a:latin typeface="宋体" panose="02010600030101010101" pitchFamily="2" charset="-122"/>
+                      </a:endParaRPr>
+                    </a:p>
+                  </a:txBody>
+                  <a:tcPr marL="12700" marR="12700" marT="12700" vert="horz" anchor="ctr">
+                    <a:lnL>
+                      <a:noFill/>
+                    </a:lnL>
+                    <a:lnR>
+                      <a:noFill/>
+                    </a:lnR>
+                    <a:lnT cap="flat">
+                      <a:noFill/>
+                    </a:lnT>
+                    <a:lnB cap="flat">
+                      <a:noFill/>
+                    </a:lnB>
+                    <a:lnTlToBr>
+                      <a:noFill/>
+                    </a:lnTlToBr>
+                    <a:lnBlToTr>
+                      <a:noFill/>
+                    </a:lnBlToTr>
+                    <a:noFill/>
+                  </a:tcPr>
+                </a:tc>
+                <a:tc>
+                  <a:txBody>
+                    <a:bodyPr/>
+                    <a:p>
+                      <a:pPr indent="0">
+                        <a:buNone/>
+                      </a:pPr>
+                      <a:endParaRPr lang="en-US" altLang="en-US" sz="1200" b="0">
+                        <a:solidFill>
+                          <a:srgbClr val="000000"/>
+                        </a:solidFill>
+                        <a:latin typeface="宋体" panose="02010600030101010101" pitchFamily="2" charset="-122"/>
+                      </a:endParaRPr>
+                    </a:p>
+                  </a:txBody>
+                  <a:tcPr marL="12700" marR="12700" marT="12700" vert="horz" anchor="ctr">
+                    <a:lnL>
+                      <a:noFill/>
+                    </a:lnL>
+                    <a:lnR>
+                      <a:noFill/>
+                    </a:lnR>
+                    <a:lnT cap="flat">
+                      <a:noFill/>
+                    </a:lnT>
+                    <a:lnB cap="flat">
+                      <a:noFill/>
+                    </a:lnB>
+                    <a:lnTlToBr>
+                      <a:noFill/>
+                    </a:lnTlToBr>
+                    <a:lnBlToTr>
+                      <a:noFill/>
+                    </a:lnBlToTr>
+                    <a:noFill/>
+                  </a:tcPr>
+                </a:tc>
+                <a:tc>
+                  <a:txBody>
+                    <a:bodyPr/>
+                    <a:p>
+                      <a:pPr indent="0">
+                        <a:buNone/>
+                      </a:pPr>
+                      <a:endParaRPr lang="en-US" altLang="en-US" sz="1200" b="0">
+                        <a:solidFill>
+                          <a:srgbClr val="000000"/>
+                        </a:solidFill>
+                        <a:latin typeface="宋体" panose="02010600030101010101" pitchFamily="2" charset="-122"/>
+                      </a:endParaRPr>
+                    </a:p>
+                  </a:txBody>
+                  <a:tcPr marL="12700" marR="12700" marT="12700" vert="horz" anchor="ctr">
+                    <a:lnL>
+                      <a:noFill/>
+                    </a:lnL>
+                    <a:lnR>
+                      <a:noFill/>
+                    </a:lnR>
+                    <a:lnT cap="flat">
+                      <a:noFill/>
+                    </a:lnT>
+                    <a:lnB cap="flat">
+                      <a:noFill/>
+                    </a:lnB>
+                    <a:lnTlToBr>
+                      <a:noFill/>
+                    </a:lnTlToBr>
+                    <a:lnBlToTr>
+                      <a:noFill/>
+                    </a:lnBlToTr>
+                    <a:noFill/>
+                  </a:tcPr>
+                </a:tc>
+                <a:tc>
+                  <a:txBody>
+                    <a:bodyPr/>
+                    <a:p>
+                      <a:pPr indent="0">
+                        <a:buNone/>
+                      </a:pPr>
+                      <a:endParaRPr lang="en-US" altLang="en-US" sz="1200" b="0">
+                        <a:solidFill>
+                          <a:srgbClr val="000000"/>
+                        </a:solidFill>
+                        <a:latin typeface="宋体" panose="02010600030101010101" pitchFamily="2" charset="-122"/>
+                      </a:endParaRPr>
+                    </a:p>
+                  </a:txBody>
+                  <a:tcPr marL="12700" marR="12700" marT="12700" vert="horz" anchor="ctr">
+                    <a:lnL>
+                      <a:noFill/>
+                    </a:lnL>
+                    <a:lnR>
+                      <a:noFill/>
+                    </a:lnR>
+                    <a:lnT cap="flat">
+                      <a:noFill/>
+                    </a:lnT>
+                    <a:lnB cap="flat">
+                      <a:noFill/>
+                    </a:lnB>
+                    <a:lnTlToBr>
+                      <a:noFill/>
+                    </a:lnTlToBr>
+                    <a:lnBlToTr>
+                      <a:noFill/>
+                    </a:lnBlToTr>
+                    <a:noFill/>
+                  </a:tcPr>
+                </a:tc>
+                <a:tc>
+                  <a:txBody>
+                    <a:bodyPr/>
+                    <a:p>
+                      <a:pPr indent="0">
+                        <a:buNone/>
+                      </a:pPr>
+                      <a:endParaRPr lang="en-US" altLang="en-US" sz="1200" b="0">
+                        <a:solidFill>
+                          <a:srgbClr val="000000"/>
+                        </a:solidFill>
+                        <a:latin typeface="宋体" panose="02010600030101010101" pitchFamily="2" charset="-122"/>
+                      </a:endParaRPr>
+                    </a:p>
+                  </a:txBody>
+                  <a:tcPr marL="12700" marR="12700" marT="12700" vert="horz" anchor="ctr">
+                    <a:lnL>
+                      <a:noFill/>
+                    </a:lnL>
+                    <a:lnR>
+                      <a:noFill/>
+                    </a:lnR>
+                    <a:lnT cap="flat">
+                      <a:noFill/>
+                    </a:lnT>
+                    <a:lnB cap="flat">
+                      <a:noFill/>
+                    </a:lnB>
+                    <a:lnTlToBr>
+                      <a:noFill/>
+                    </a:lnTlToBr>
+                    <a:lnBlToTr>
+                      <a:noFill/>
+                    </a:lnBlToTr>
+                    <a:noFill/>
+                  </a:tcPr>
+                </a:tc>
+                <a:tc>
+                  <a:txBody>
+                    <a:bodyPr/>
+                    <a:p>
+                      <a:pPr indent="0">
+                        <a:buNone/>
+                      </a:pPr>
+                      <a:endParaRPr lang="en-US" altLang="en-US" sz="1200" b="0">
+                        <a:solidFill>
+                          <a:srgbClr val="000000"/>
+                        </a:solidFill>
+                        <a:latin typeface="宋体" panose="02010600030101010101" pitchFamily="2" charset="-122"/>
+                      </a:endParaRPr>
+                    </a:p>
+                  </a:txBody>
+                  <a:tcPr marL="12700" marR="12700" marT="12700" vert="horz" anchor="ctr">
+                    <a:lnL>
+                      <a:noFill/>
+                    </a:lnL>
+                    <a:lnR>
+                      <a:noFill/>
+                    </a:lnR>
+                    <a:lnT cap="flat">
+                      <a:noFill/>
+                    </a:lnT>
+                    <a:lnB cap="flat">
+                      <a:noFill/>
+                    </a:lnB>
+                    <a:lnTlToBr>
+                      <a:noFill/>
+                    </a:lnTlToBr>
+                    <a:lnBlToTr>
+                      <a:noFill/>
+                    </a:lnBlToTr>
+                    <a:noFill/>
+                  </a:tcPr>
+                </a:tc>
+                <a:tc>
+                  <a:txBody>
+                    <a:bodyPr/>
+                    <a:p>
+                      <a:pPr indent="0">
+                        <a:buNone/>
+                      </a:pPr>
+                      <a:endParaRPr lang="en-US" altLang="en-US" sz="1200" b="0">
+                        <a:solidFill>
+                          <a:srgbClr val="000000"/>
+                        </a:solidFill>
+                        <a:latin typeface="宋体" panose="02010600030101010101" pitchFamily="2" charset="-122"/>
+                      </a:endParaRPr>
+                    </a:p>
+                  </a:txBody>
+                  <a:tcPr marL="12700" marR="12700" marT="12700" vert="horz" anchor="ctr">
+                    <a:lnL>
+                      <a:noFill/>
+                    </a:lnL>
+                    <a:lnR>
+                      <a:noFill/>
+                    </a:lnR>
+                    <a:lnT cap="flat">
+                      <a:noFill/>
+                    </a:lnT>
+                    <a:lnB cap="flat">
+                      <a:noFill/>
+                    </a:lnB>
+                    <a:lnTlToBr>
+                      <a:noFill/>
+                    </a:lnTlToBr>
+                    <a:lnBlToTr>
+                      <a:noFill/>
+                    </a:lnBlToTr>
+                    <a:noFill/>
+                  </a:tcPr>
+                </a:tc>
+                <a:tc>
+                  <a:txBody>
+                    <a:bodyPr/>
+                    <a:p>
+                      <a:pPr indent="0">
+                        <a:buNone/>
+                      </a:pPr>
+                      <a:endParaRPr lang="en-US" altLang="en-US" sz="1200" b="0">
+                        <a:solidFill>
+                          <a:srgbClr val="000000"/>
+                        </a:solidFill>
+                        <a:latin typeface="宋体" panose="02010600030101010101" pitchFamily="2" charset="-122"/>
+                      </a:endParaRPr>
+                    </a:p>
+                  </a:txBody>
+                  <a:tcPr marL="12700" marR="12700" marT="12700" vert="horz" anchor="ctr">
+                    <a:lnL>
+                      <a:noFill/>
+                    </a:lnL>
+                    <a:lnR cap="flat">
+                      <a:noFill/>
+                    </a:lnR>
+                    <a:lnT cap="flat">
+                      <a:noFill/>
+                    </a:lnT>
+                    <a:lnB cap="flat">
+                      <a:noFill/>
+                    </a:lnB>
+                    <a:lnTlToBr>
+                      <a:noFill/>
+                    </a:lnTlToBr>
+                    <a:lnBlToTr>
+                      <a:noFill/>
+                    </a:lnBlToTr>
+                    <a:noFill/>
+                  </a:tcPr>
+                </a:tc>
+              </a:tr>
+              <a:tr h="177800">
+                <a:tc>
+                  <a:txBody>
+                    <a:bodyPr/>
+                    <a:p>
+                      <a:pPr indent="0">
+                        <a:buNone/>
+                      </a:pPr>
+                      <a:r>
+                        <a:rPr lang="zh-CN" sz="1200" b="0">
+                          <a:solidFill>
+                            <a:srgbClr val="000000"/>
+                          </a:solidFill>
+                          <a:ea typeface="宋体" panose="02010600030101010101" pitchFamily="2" charset="-122"/>
+                        </a:rPr>
+                        <a:t>生命值（current_health）</a:t>
+                      </a:r>
+                      <a:endParaRPr lang="en-US" altLang="en-US" sz="1200" b="0">
+                        <a:solidFill>
+                          <a:srgbClr val="000000"/>
+                        </a:solidFill>
+                        <a:latin typeface="宋体" panose="02010600030101010101" pitchFamily="2" charset="-122"/>
+                      </a:endParaRPr>
+                    </a:p>
+                  </a:txBody>
+                  <a:tcPr marL="12700" marR="12700" marT="12700" vert="horz" anchor="ctr">
+                    <a:lnL>
+                      <a:noFill/>
+                    </a:lnL>
+                    <a:lnR>
+                      <a:noFill/>
+                    </a:lnR>
+                    <a:lnT cap="flat">
+                      <a:noFill/>
+                    </a:lnT>
+                    <a:lnB cap="flat">
+                      <a:noFill/>
+                    </a:lnB>
+                    <a:lnTlToBr>
+                      <a:noFill/>
+                    </a:lnTlToBr>
+                    <a:lnBlToTr>
+                      <a:noFill/>
+                    </a:lnBlToTr>
+                    <a:noFill/>
+                  </a:tcPr>
+                </a:tc>
+                <a:tc>
+                  <a:txBody>
+                    <a:bodyPr/>
+                    <a:p>
+                      <a:pPr indent="0">
+                        <a:buNone/>
+                      </a:pPr>
+                      <a:endParaRPr lang="zh-CN" altLang="en-US"/>
+                    </a:p>
+                  </a:txBody>
+                  <a:tcPr marL="12700" marR="12700" marT="12700" vert="horz" anchor="ctr">
+                    <a:lnL>
+                      <a:noFill/>
+                    </a:lnL>
+                    <a:lnR>
+                      <a:noFill/>
+                    </a:lnR>
+                    <a:lnT cap="flat">
+                      <a:noFill/>
+                    </a:lnT>
+                    <a:lnB cap="flat">
+                      <a:noFill/>
+                    </a:lnB>
+                    <a:lnTlToBr>
+                      <a:noFill/>
+                    </a:lnTlToBr>
+                    <a:lnBlToTr>
+                      <a:noFill/>
+                    </a:lnBlToTr>
+                    <a:noFill/>
+                  </a:tcPr>
+                </a:tc>
+                <a:tc>
+                  <a:txBody>
+                    <a:bodyPr/>
+                    <a:p>
+                      <a:pPr indent="0">
+                        <a:buNone/>
+                      </a:pPr>
+                      <a:endParaRPr lang="zh-CN" altLang="en-US"/>
+                    </a:p>
+                  </a:txBody>
+                  <a:tcPr marL="12700" marR="12700" marT="12700" vert="horz" anchor="ctr">
+                    <a:lnL>
+                      <a:noFill/>
+                    </a:lnL>
+                    <a:lnR>
+                      <a:noFill/>
+                    </a:lnR>
+                    <a:lnT cap="flat">
+                      <a:noFill/>
+                    </a:lnT>
+                    <a:lnB cap="flat">
+                      <a:noFill/>
+                    </a:lnB>
+                    <a:lnTlToBr>
+                      <a:noFill/>
+                    </a:lnTlToBr>
+                    <a:lnBlToTr>
+                      <a:noFill/>
+                    </a:lnBlToTr>
+                    <a:noFill/>
+                  </a:tcPr>
+                </a:tc>
+                <a:tc>
+                  <a:txBody>
+                    <a:bodyPr/>
+                    <a:p>
+                      <a:pPr indent="0">
+                        <a:buNone/>
+                      </a:pPr>
+                      <a:endParaRPr lang="zh-CN" altLang="en-US"/>
+                    </a:p>
+                  </a:txBody>
+                  <a:tcPr marL="12700" marR="12700" marT="12700" vert="horz" anchor="ctr">
+                    <a:lnL>
+                      <a:noFill/>
+                    </a:lnL>
+                    <a:lnR>
+                      <a:noFill/>
+                    </a:lnR>
+                    <a:lnT cap="flat">
+                      <a:noFill/>
+                    </a:lnT>
+                    <a:lnB cap="flat">
+                      <a:noFill/>
+                    </a:lnB>
+                    <a:lnTlToBr>
+                      <a:noFill/>
+                    </a:lnTlToBr>
+                    <a:lnBlToTr>
+                      <a:noFill/>
+                    </a:lnBlToTr>
+                    <a:noFill/>
+                  </a:tcPr>
+                </a:tc>
+                <a:tc>
+                  <a:txBody>
+                    <a:bodyPr/>
+                    <a:p>
+                      <a:pPr indent="0">
+                        <a:buNone/>
+                      </a:pPr>
+                      <a:endParaRPr lang="zh-CN" altLang="en-US"/>
+                    </a:p>
+                  </a:txBody>
+                  <a:tcPr marL="12700" marR="12700" marT="12700" vert="horz" anchor="ctr">
+                    <a:lnL>
+                      <a:noFill/>
+                    </a:lnL>
+                    <a:lnR>
+                      <a:noFill/>
+                    </a:lnR>
+                    <a:lnT cap="flat">
+                      <a:noFill/>
+                    </a:lnT>
+                    <a:lnB cap="flat">
+                      <a:noFill/>
+                    </a:lnB>
+                    <a:lnTlToBr>
+                      <a:noFill/>
+                    </a:lnTlToBr>
+                    <a:lnBlToTr>
+                      <a:noFill/>
+                    </a:lnBlToTr>
+                    <a:noFill/>
+                  </a:tcPr>
+                </a:tc>
+                <a:tc>
+                  <a:txBody>
+                    <a:bodyPr/>
+                    <a:p>
+                      <a:pPr indent="0">
+                        <a:buNone/>
+                      </a:pPr>
+                      <a:endParaRPr lang="zh-CN" altLang="en-US"/>
+                    </a:p>
+                  </a:txBody>
+                  <a:tcPr marL="12700" marR="12700" marT="12700" vert="horz" anchor="ctr">
+                    <a:lnL>
+                      <a:noFill/>
+                    </a:lnL>
+                    <a:lnR>
+                      <a:noFill/>
+                    </a:lnR>
+                    <a:lnT cap="flat">
+                      <a:noFill/>
+                    </a:lnT>
+                    <a:lnB cap="flat">
+                      <a:noFill/>
+                    </a:lnB>
+                    <a:lnTlToBr>
+                      <a:noFill/>
+                    </a:lnTlToBr>
+                    <a:lnBlToTr>
+                      <a:noFill/>
+                    </a:lnBlToTr>
+                    <a:noFill/>
+                  </a:tcPr>
+                </a:tc>
+                <a:tc>
+                  <a:txBody>
+                    <a:bodyPr/>
+                    <a:p>
+                      <a:pPr indent="0">
+                        <a:buNone/>
+                      </a:pPr>
+                      <a:endParaRPr lang="zh-CN" altLang="en-US"/>
+                    </a:p>
+                  </a:txBody>
+                  <a:tcPr marL="12700" marR="12700" marT="12700" vert="horz" anchor="ctr">
+                    <a:lnL>
+                      <a:noFill/>
+                    </a:lnL>
+                    <a:lnR>
+                      <a:noFill/>
+                    </a:lnR>
+                    <a:lnT cap="flat">
+                      <a:noFill/>
+                    </a:lnT>
+                    <a:lnB cap="flat">
+                      <a:noFill/>
+                    </a:lnB>
+                    <a:lnTlToBr>
+                      <a:noFill/>
+                    </a:lnTlToBr>
+                    <a:lnBlToTr>
+                      <a:noFill/>
+                    </a:lnBlToTr>
+                    <a:noFill/>
+                  </a:tcPr>
+                </a:tc>
+                <a:tc>
+                  <a:txBody>
+                    <a:bodyPr/>
+                    <a:p>
+                      <a:pPr indent="0">
+                        <a:buNone/>
+                      </a:pPr>
+                      <a:endParaRPr lang="zh-CN" altLang="en-US"/>
+                    </a:p>
+                  </a:txBody>
+                  <a:tcPr marL="12700" marR="12700" marT="12700" vert="horz" anchor="ctr">
+                    <a:lnL>
+                      <a:noFill/>
+                    </a:lnL>
+                    <a:lnR>
+                      <a:noFill/>
+                    </a:lnR>
+                    <a:lnT cap="flat">
+                      <a:noFill/>
+                    </a:lnT>
+                    <a:lnB cap="flat">
+                      <a:noFill/>
+                    </a:lnB>
+                    <a:lnTlToBr>
+                      <a:noFill/>
+                    </a:lnTlToBr>
+                    <a:lnBlToTr>
+                      <a:noFill/>
+                    </a:lnBlToTr>
+                    <a:noFill/>
+                  </a:tcPr>
+                </a:tc>
+                <a:tc>
+                  <a:txBody>
+                    <a:bodyPr/>
+                    <a:p>
+                      <a:pPr indent="0">
+                        <a:buNone/>
+                      </a:pPr>
+                      <a:endParaRPr lang="zh-CN" altLang="en-US"/>
+                    </a:p>
+                  </a:txBody>
+                  <a:tcPr marL="12700" marR="12700" marT="12700" vert="horz" anchor="ctr">
+                    <a:lnL>
+                      <a:noFill/>
+                    </a:lnL>
+                    <a:lnR>
+                      <a:noFill/>
+                    </a:lnR>
+                    <a:lnT cap="flat">
+                      <a:noFill/>
+                    </a:lnT>
+                    <a:lnB cap="flat">
+                      <a:noFill/>
+                    </a:lnB>
+                    <a:lnTlToBr>
+                      <a:noFill/>
+                    </a:lnTlToBr>
+                    <a:lnBlToTr>
+                      <a:noFill/>
+                    </a:lnBlToTr>
+                    <a:noFill/>
+                  </a:tcPr>
+                </a:tc>
+                <a:tc>
+                  <a:txBody>
+                    <a:bodyPr/>
+                    <a:p>
+                      <a:pPr indent="0">
+                        <a:buNone/>
+                      </a:pPr>
+                      <a:endParaRPr lang="zh-CN" altLang="en-US"/>
+                    </a:p>
+                  </a:txBody>
+                  <a:tcPr marL="12700" marR="12700" marT="12700" vert="horz" anchor="ctr">
+                    <a:lnL>
+                      <a:noFill/>
+                    </a:lnL>
+                    <a:lnR>
+                      <a:noFill/>
+                    </a:lnR>
+                    <a:lnT cap="flat">
+                      <a:noFill/>
+                    </a:lnT>
+                    <a:lnB cap="flat">
+                      <a:noFill/>
+                    </a:lnB>
+                    <a:lnTlToBr>
+                      <a:noFill/>
+                    </a:lnTlToBr>
+                    <a:lnBlToTr>
+                      <a:noFill/>
+                    </a:lnBlToTr>
+                    <a:noFill/>
+                  </a:tcPr>
+                </a:tc>
+                <a:tc>
+                  <a:txBody>
+                    <a:bodyPr/>
+                    <a:p>
+                      <a:pPr indent="0">
+                        <a:buNone/>
+                      </a:pPr>
+                      <a:endParaRPr lang="zh-CN" altLang="en-US"/>
+                    </a:p>
+                  </a:txBody>
+                  <a:tcPr marL="12700" marR="12700" marT="12700" vert="horz" anchor="ctr">
+                    <a:lnL>
+                      <a:noFill/>
+                    </a:lnL>
+                    <a:lnR>
+                      <a:noFill/>
+                    </a:lnR>
+                    <a:lnT cap="flat">
+                      <a:noFill/>
+                    </a:lnT>
+                    <a:lnB cap="flat">
+                      <a:noFill/>
+                    </a:lnB>
+                    <a:lnTlToBr>
+                      <a:noFill/>
+                    </a:lnTlToBr>
+                    <a:lnBlToTr>
+                      <a:noFill/>
+                    </a:lnBlToTr>
+                    <a:noFill/>
+                  </a:tcPr>
+                </a:tc>
+                <a:tc>
+                  <a:txBody>
+                    <a:bodyPr/>
+                    <a:p>
+                      <a:pPr indent="0">
+                        <a:buNone/>
+                      </a:pPr>
+                      <a:endParaRPr lang="zh-CN" altLang="en-US"/>
+                    </a:p>
+                  </a:txBody>
+                  <a:tcPr marL="12700" marR="12700" marT="12700" vert="horz" anchor="ctr">
+                    <a:lnL>
+                      <a:noFill/>
+                    </a:lnL>
+                    <a:lnR cap="flat">
+                      <a:noFill/>
+                    </a:lnR>
+                    <a:lnT cap="flat">
+                      <a:noFill/>
+                    </a:lnT>
+                    <a:lnB cap="flat">
+                      <a:noFill/>
+                    </a:lnB>
+                    <a:lnTlToBr>
+                      <a:noFill/>
+                    </a:lnTlToBr>
+                    <a:lnBlToTr>
+                      <a:noFill/>
+                    </a:lnBlToTr>
+                    <a:noFill/>
+                  </a:tcPr>
+                </a:tc>
+              </a:tr>
+              <a:tr h="177800">
+                <a:tc>
+                  <a:txBody>
+                    <a:bodyPr/>
+                    <a:p>
+                      <a:pPr indent="0">
+                        <a:buNone/>
+                      </a:pPr>
+                      <a:r>
+                        <a:rPr lang="zh-CN" sz="1200" b="0">
+                          <a:solidFill>
+                            <a:srgbClr val="000000"/>
+                          </a:solidFill>
+                          <a:ea typeface="宋体" panose="02010600030101010101" pitchFamily="2" charset="-122"/>
+                        </a:rPr>
+                        <a:t>最大生命值（max_health）</a:t>
+                      </a:r>
+                      <a:endParaRPr lang="en-US" altLang="en-US" sz="1200" b="0">
+                        <a:solidFill>
+                          <a:srgbClr val="000000"/>
+                        </a:solidFill>
+                        <a:latin typeface="宋体" panose="02010600030101010101" pitchFamily="2" charset="-122"/>
+                      </a:endParaRPr>
+                    </a:p>
+                  </a:txBody>
+                  <a:tcPr marL="12700" marR="12700" marT="12700" vert="horz" anchor="ctr">
+                    <a:lnL>
+                      <a:noFill/>
+                    </a:lnL>
+                    <a:lnR>
+                      <a:noFill/>
+                    </a:lnR>
+                    <a:lnT cap="flat">
+                      <a:noFill/>
+                    </a:lnT>
+                    <a:lnB cap="flat">
+                      <a:noFill/>
+                    </a:lnB>
+                    <a:lnTlToBr>
+                      <a:noFill/>
+                    </a:lnTlToBr>
+                    <a:lnBlToTr>
+                      <a:noFill/>
+                    </a:lnBlToTr>
+                    <a:noFill/>
+                  </a:tcPr>
+                </a:tc>
+                <a:tc>
+                  <a:txBody>
+                    <a:bodyPr/>
+                    <a:p>
+                      <a:pPr indent="0">
+                        <a:buNone/>
+                      </a:pPr>
+                      <a:endParaRPr lang="zh-CN" altLang="en-US"/>
+                    </a:p>
+                  </a:txBody>
+                  <a:tcPr marL="12700" marR="12700" marT="12700" vert="horz" anchor="ctr">
+                    <a:lnL>
+                      <a:noFill/>
+                    </a:lnL>
+                    <a:lnR>
+                      <a:noFill/>
+                    </a:lnR>
+                    <a:lnT cap="flat">
+                      <a:noFill/>
+                    </a:lnT>
+                    <a:lnB cap="flat">
+                      <a:noFill/>
+                    </a:lnB>
+                    <a:lnTlToBr>
+                      <a:noFill/>
+                    </a:lnTlToBr>
+                    <a:lnBlToTr>
+                      <a:noFill/>
+                    </a:lnBlToTr>
+                    <a:noFill/>
+                  </a:tcPr>
+                </a:tc>
+                <a:tc>
+                  <a:txBody>
+                    <a:bodyPr/>
+                    <a:p>
+                      <a:pPr indent="0">
+                        <a:buNone/>
+                      </a:pPr>
+                      <a:endParaRPr lang="zh-CN" altLang="en-US"/>
+                    </a:p>
+                  </a:txBody>
+                  <a:tcPr marL="12700" marR="12700" marT="12700" vert="horz" anchor="ctr">
+                    <a:lnL>
+                      <a:noFill/>
+                    </a:lnL>
+                    <a:lnR>
+                      <a:noFill/>
+                    </a:lnR>
+                    <a:lnT cap="flat">
+                      <a:noFill/>
+                    </a:lnT>
+                    <a:lnB cap="flat">
+                      <a:noFill/>
+                    </a:lnB>
+                    <a:lnTlToBr>
+                      <a:noFill/>
+                    </a:lnTlToBr>
+                    <a:lnBlToTr>
+                      <a:noFill/>
+                    </a:lnBlToTr>
+                    <a:noFill/>
+                  </a:tcPr>
+                </a:tc>
+                <a:tc>
+                  <a:txBody>
+                    <a:bodyPr/>
+                    <a:p>
+                      <a:pPr indent="0">
+                        <a:buNone/>
+                      </a:pPr>
+                      <a:endParaRPr lang="zh-CN" altLang="en-US"/>
+                    </a:p>
+                  </a:txBody>
+                  <a:tcPr marL="12700" marR="12700" marT="12700" vert="horz" anchor="ctr">
+                    <a:lnL>
+                      <a:noFill/>
+                    </a:lnL>
+                    <a:lnR>
+                      <a:noFill/>
+                    </a:lnR>
+                    <a:lnT cap="flat">
+                      <a:noFill/>
+                    </a:lnT>
+                    <a:lnB cap="flat">
+                      <a:noFill/>
+                    </a:lnB>
+                    <a:lnTlToBr>
+                      <a:noFill/>
+                    </a:lnTlToBr>
+                    <a:lnBlToTr>
+                      <a:noFill/>
+                    </a:lnBlToTr>
+                    <a:noFill/>
+                  </a:tcPr>
+                </a:tc>
+                <a:tc>
+                  <a:txBody>
+                    <a:bodyPr/>
+                    <a:p>
+                      <a:pPr indent="0">
+                        <a:buNone/>
+                      </a:pPr>
+                      <a:endParaRPr lang="zh-CN" altLang="en-US"/>
+                    </a:p>
+                  </a:txBody>
+                  <a:tcPr marL="12700" marR="12700" marT="12700" vert="horz" anchor="ctr">
+                    <a:lnL>
+                      <a:noFill/>
+                    </a:lnL>
+                    <a:lnR>
+                      <a:noFill/>
+                    </a:lnR>
+                    <a:lnT cap="flat">
+                      <a:noFill/>
+                    </a:lnT>
+                    <a:lnB cap="flat">
+                      <a:noFill/>
+                    </a:lnB>
+                    <a:lnTlToBr>
+                      <a:noFill/>
+                    </a:lnTlToBr>
+                    <a:lnBlToTr>
+                      <a:noFill/>
+                    </a:lnBlToTr>
+                    <a:noFill/>
+                  </a:tcPr>
+                </a:tc>
+                <a:tc>
+                  <a:txBody>
+                    <a:bodyPr/>
+                    <a:p>
+                      <a:pPr indent="0">
+                        <a:buNone/>
+                      </a:pPr>
+                      <a:endParaRPr lang="zh-CN" altLang="en-US"/>
+                    </a:p>
+                  </a:txBody>
+                  <a:tcPr marL="12700" marR="12700" marT="12700" vert="horz" anchor="ctr">
+                    <a:lnL>
+                      <a:noFill/>
+                    </a:lnL>
+                    <a:lnR>
+                      <a:noFill/>
+                    </a:lnR>
+                    <a:lnT cap="flat">
+                      <a:noFill/>
+                    </a:lnT>
+                    <a:lnB cap="flat">
+                      <a:noFill/>
+                    </a:lnB>
+                    <a:lnTlToBr>
+                      <a:noFill/>
+                    </a:lnTlToBr>
+                    <a:lnBlToTr>
+                      <a:noFill/>
+                    </a:lnBlToTr>
+                    <a:noFill/>
+                  </a:tcPr>
+                </a:tc>
+                <a:tc>
+                  <a:txBody>
+                    <a:bodyPr/>
+                    <a:p>
+                      <a:pPr indent="0">
+                        <a:buNone/>
+                      </a:pPr>
+                      <a:endParaRPr lang="zh-CN" altLang="en-US"/>
+                    </a:p>
+                  </a:txBody>
+                  <a:tcPr marL="12700" marR="12700" marT="12700" vert="horz" anchor="ctr">
+                    <a:lnL>
+                      <a:noFill/>
+                    </a:lnL>
+                    <a:lnR>
+                      <a:noFill/>
+                    </a:lnR>
+                    <a:lnT cap="flat">
+                      <a:noFill/>
+                    </a:lnT>
+                    <a:lnB cap="flat">
+                      <a:noFill/>
+                    </a:lnB>
+                    <a:lnTlToBr>
+                      <a:noFill/>
+                    </a:lnTlToBr>
+                    <a:lnBlToTr>
+                      <a:noFill/>
+                    </a:lnBlToTr>
+                    <a:noFill/>
+                  </a:tcPr>
+                </a:tc>
+                <a:tc>
+                  <a:txBody>
+                    <a:bodyPr/>
+                    <a:p>
+                      <a:pPr indent="0">
+                        <a:buNone/>
+                      </a:pPr>
+                      <a:endParaRPr lang="zh-CN" altLang="en-US"/>
+                    </a:p>
+                  </a:txBody>
+                  <a:tcPr marL="12700" marR="12700" marT="12700" vert="horz" anchor="ctr">
+                    <a:lnL>
+                      <a:noFill/>
+                    </a:lnL>
+                    <a:lnR>
+                      <a:noFill/>
+                    </a:lnR>
+                    <a:lnT cap="flat">
+                      <a:noFill/>
+                    </a:lnT>
+                    <a:lnB cap="flat">
+                      <a:noFill/>
+                    </a:lnB>
+                    <a:lnTlToBr>
+                      <a:noFill/>
+                    </a:lnTlToBr>
+                    <a:lnBlToTr>
+                      <a:noFill/>
+                    </a:lnBlToTr>
+                    <a:noFill/>
+                  </a:tcPr>
+                </a:tc>
+                <a:tc>
+                  <a:txBody>
+                    <a:bodyPr/>
+                    <a:p>
+                      <a:pPr indent="0">
+                        <a:buNone/>
+                      </a:pPr>
+                      <a:endParaRPr lang="zh-CN" altLang="en-US"/>
+                    </a:p>
+                  </a:txBody>
+                  <a:tcPr marL="12700" marR="12700" marT="12700" vert="horz" anchor="ctr">
+                    <a:lnL>
+                      <a:noFill/>
+                    </a:lnL>
+                    <a:lnR>
+                      <a:noFill/>
+                    </a:lnR>
+                    <a:lnT cap="flat">
+                      <a:noFill/>
+                    </a:lnT>
+                    <a:lnB cap="flat">
+                      <a:noFill/>
+                    </a:lnB>
+                    <a:lnTlToBr>
+                      <a:noFill/>
+                    </a:lnTlToBr>
+                    <a:lnBlToTr>
+                      <a:noFill/>
+                    </a:lnBlToTr>
+                    <a:noFill/>
+                  </a:tcPr>
+                </a:tc>
+                <a:tc>
+                  <a:txBody>
+                    <a:bodyPr/>
+                    <a:p>
+                      <a:pPr indent="0">
+                        <a:buNone/>
+                      </a:pPr>
+                      <a:endParaRPr lang="zh-CN" altLang="en-US"/>
+                    </a:p>
+                  </a:txBody>
+                  <a:tcPr marL="12700" marR="12700" marT="12700" vert="horz" anchor="ctr">
+                    <a:lnL>
+                      <a:noFill/>
+                    </a:lnL>
+                    <a:lnR>
+                      <a:noFill/>
+                    </a:lnR>
+                    <a:lnT cap="flat">
+                      <a:noFill/>
+                    </a:lnT>
+                    <a:lnB cap="flat">
+                      <a:noFill/>
+                    </a:lnB>
+                    <a:lnTlToBr>
+                      <a:noFill/>
+                    </a:lnTlToBr>
+                    <a:lnBlToTr>
+                      <a:noFill/>
+                    </a:lnBlToTr>
+                    <a:noFill/>
+                  </a:tcPr>
+                </a:tc>
+                <a:tc>
+                  <a:txBody>
+                    <a:bodyPr/>
+                    <a:p>
+                      <a:pPr indent="0">
+                        <a:buNone/>
+                      </a:pPr>
+                      <a:endParaRPr lang="zh-CN" altLang="en-US"/>
+                    </a:p>
+                  </a:txBody>
+                  <a:tcPr marL="12700" marR="12700" marT="12700" vert="horz" anchor="ctr">
+                    <a:lnL>
+                      <a:noFill/>
+                    </a:lnL>
+                    <a:lnR>
+                      <a:noFill/>
+                    </a:lnR>
+                    <a:lnT cap="flat">
+                      <a:noFill/>
+                    </a:lnT>
+                    <a:lnB cap="flat">
+                      <a:noFill/>
+                    </a:lnB>
+                    <a:lnTlToBr>
+                      <a:noFill/>
+                    </a:lnTlToBr>
+                    <a:lnBlToTr>
+                      <a:noFill/>
+                    </a:lnBlToTr>
+                    <a:noFill/>
+                  </a:tcPr>
+                </a:tc>
+                <a:tc>
+                  <a:txBody>
+                    <a:bodyPr/>
+                    <a:p>
+                      <a:pPr indent="0">
+                        <a:buNone/>
+                      </a:pPr>
+                      <a:endParaRPr lang="zh-CN" altLang="en-US"/>
+                    </a:p>
+                  </a:txBody>
+                  <a:tcPr marL="12700" marR="12700" marT="12700" vert="horz" anchor="ctr">
+                    <a:lnL>
+                      <a:noFill/>
+                    </a:lnL>
+                    <a:lnR cap="flat">
+                      <a:noFill/>
+                    </a:lnR>
+                    <a:lnT cap="flat">
+                      <a:noFill/>
+                    </a:lnT>
+                    <a:lnB cap="flat">
+                      <a:noFill/>
+                    </a:lnB>
+                    <a:lnTlToBr>
+                      <a:noFill/>
+                    </a:lnTlToBr>
+                    <a:lnBlToTr>
+                      <a:noFill/>
+                    </a:lnBlToTr>
+                    <a:noFill/>
+                  </a:tcPr>
+                </a:tc>
+              </a:tr>
+              <a:tr h="177800">
+                <a:tc>
+                  <a:txBody>
+                    <a:bodyPr/>
+                    <a:p>
+                      <a:pPr indent="0">
+                        <a:buNone/>
+                      </a:pPr>
+                      <a:r>
+                        <a:rPr lang="zh-CN" sz="1200" b="0">
+                          <a:solidFill>
+                            <a:srgbClr val="000000"/>
+                          </a:solidFill>
+                          <a:ea typeface="宋体" panose="02010600030101010101" pitchFamily="2" charset="-122"/>
+                        </a:rPr>
+                        <a:t>物理攻击力（atk）</a:t>
+                      </a:r>
+                      <a:endParaRPr lang="en-US" altLang="en-US" sz="1200" b="0">
+                        <a:solidFill>
+                          <a:srgbClr val="000000"/>
+                        </a:solidFill>
+                        <a:latin typeface="宋体" panose="02010600030101010101" pitchFamily="2" charset="-122"/>
+                      </a:endParaRPr>
+                    </a:p>
+                  </a:txBody>
+                  <a:tcPr marL="12700" marR="12700" marT="12700" vert="horz" anchor="ctr">
+                    <a:lnL>
+                      <a:noFill/>
+                    </a:lnL>
+                    <a:lnR>
+                      <a:noFill/>
+                    </a:lnR>
+                    <a:lnT cap="flat">
+                      <a:noFill/>
+                    </a:lnT>
+                    <a:lnB cap="flat">
+                      <a:noFill/>
+                    </a:lnB>
+                    <a:lnTlToBr>
+                      <a:noFill/>
+                    </a:lnTlToBr>
+                    <a:lnBlToTr>
+                      <a:noFill/>
+                    </a:lnBlToTr>
+                    <a:noFill/>
+                  </a:tcPr>
+                </a:tc>
+                <a:tc>
+                  <a:txBody>
+                    <a:bodyPr/>
+                    <a:p>
+                      <a:pPr indent="0">
+                        <a:buNone/>
+                      </a:pPr>
+                      <a:endParaRPr lang="zh-CN" altLang="en-US"/>
+                    </a:p>
+                  </a:txBody>
+                  <a:tcPr marL="12700" marR="12700" marT="12700" vert="horz" anchor="ctr">
+                    <a:lnL>
+                      <a:noFill/>
+                    </a:lnL>
+                    <a:lnR>
+                      <a:noFill/>
+                    </a:lnR>
+                    <a:lnT cap="flat">
+                      <a:noFill/>
+                    </a:lnT>
+                    <a:lnB cap="flat">
+                      <a:noFill/>
+                    </a:lnB>
+                    <a:lnTlToBr>
+                      <a:noFill/>
+                    </a:lnTlToBr>
+                    <a:lnBlToTr>
+                      <a:noFill/>
+                    </a:lnBlToTr>
+                    <a:noFill/>
+                  </a:tcPr>
+                </a:tc>
+                <a:tc>
+                  <a:txBody>
+                    <a:bodyPr/>
+                    <a:p>
+                      <a:pPr indent="0">
+                        <a:buNone/>
+                      </a:pPr>
+                      <a:endParaRPr lang="zh-CN" altLang="en-US"/>
+                    </a:p>
+                  </a:txBody>
+                  <a:tcPr marL="12700" marR="12700" marT="12700" vert="horz" anchor="ctr">
+                    <a:lnL>
+                      <a:noFill/>
+                    </a:lnL>
+                    <a:lnR>
+                      <a:noFill/>
+                    </a:lnR>
+                    <a:lnT cap="flat">
+                      <a:noFill/>
+                    </a:lnT>
+                    <a:lnB cap="flat">
+                      <a:noFill/>
+                    </a:lnB>
+                    <a:lnTlToBr>
+                      <a:noFill/>
+                    </a:lnTlToBr>
+                    <a:lnBlToTr>
+                      <a:noFill/>
+                    </a:lnBlToTr>
+                    <a:noFill/>
+                  </a:tcPr>
+                </a:tc>
+                <a:tc>
+                  <a:txBody>
+                    <a:bodyPr/>
+                    <a:p>
+                      <a:pPr indent="0">
+                        <a:buNone/>
+                      </a:pPr>
+                      <a:endParaRPr lang="zh-CN" altLang="en-US"/>
+                    </a:p>
+                  </a:txBody>
+                  <a:tcPr marL="12700" marR="12700" marT="12700" vert="horz" anchor="ctr">
+                    <a:lnL>
+                      <a:noFill/>
+                    </a:lnL>
+                    <a:lnR>
+                      <a:noFill/>
+                    </a:lnR>
+                    <a:lnT cap="flat">
+                      <a:noFill/>
+                    </a:lnT>
+                    <a:lnB cap="flat">
+                      <a:noFill/>
+                    </a:lnB>
+                    <a:lnTlToBr>
+                      <a:noFill/>
+                    </a:lnTlToBr>
+                    <a:lnBlToTr>
+                      <a:noFill/>
+                    </a:lnBlToTr>
+                    <a:noFill/>
+                  </a:tcPr>
+                </a:tc>
+                <a:tc>
+                  <a:txBody>
+                    <a:bodyPr/>
+                    <a:p>
+                      <a:pPr indent="0">
+                        <a:buNone/>
+                      </a:pPr>
+                      <a:endParaRPr lang="zh-CN" altLang="en-US"/>
+                    </a:p>
+                  </a:txBody>
+                  <a:tcPr marL="12700" marR="12700" marT="12700" vert="horz" anchor="ctr">
+                    <a:lnL>
+                      <a:noFill/>
+                    </a:lnL>
+                    <a:lnR>
+                      <a:noFill/>
+                    </a:lnR>
+                    <a:lnT cap="flat">
+                      <a:noFill/>
+                    </a:lnT>
+                    <a:lnB cap="flat">
+                      <a:noFill/>
+                    </a:lnB>
+                    <a:lnTlToBr>
+                      <a:noFill/>
+                    </a:lnTlToBr>
+                    <a:lnBlToTr>
+                      <a:noFill/>
+                    </a:lnBlToTr>
+                    <a:noFill/>
+                  </a:tcPr>
+                </a:tc>
+                <a:tc>
+                  <a:txBody>
+                    <a:bodyPr/>
+                    <a:p>
+                      <a:pPr indent="0">
+                        <a:buNone/>
+                      </a:pPr>
+                      <a:endParaRPr lang="zh-CN" altLang="en-US"/>
+                    </a:p>
+                  </a:txBody>
+                  <a:tcPr marL="12700" marR="12700" marT="12700" vert="horz" anchor="ctr">
+                    <a:lnL>
+                      <a:noFill/>
+                    </a:lnL>
+                    <a:lnR>
+                      <a:noFill/>
+                    </a:lnR>
+                    <a:lnT cap="flat">
+                      <a:noFill/>
+                    </a:lnT>
+                    <a:lnB cap="flat">
+                      <a:noFill/>
+                    </a:lnB>
+                    <a:lnTlToBr>
+                      <a:noFill/>
+                    </a:lnTlToBr>
+                    <a:lnBlToTr>
+                      <a:noFill/>
+                    </a:lnBlToTr>
+                    <a:noFill/>
+                  </a:tcPr>
+                </a:tc>
+                <a:tc>
+                  <a:txBody>
+                    <a:bodyPr/>
+                    <a:p>
+                      <a:pPr indent="0">
+                        <a:buNone/>
+                      </a:pPr>
+                      <a:endParaRPr lang="zh-CN" altLang="en-US"/>
+                    </a:p>
+                  </a:txBody>
+                  <a:tcPr marL="12700" marR="12700" marT="12700" vert="horz" anchor="ctr">
+                    <a:lnL>
+                      <a:noFill/>
+                    </a:lnL>
+                    <a:lnR>
+                      <a:noFill/>
+                    </a:lnR>
+                    <a:lnT cap="flat">
+                      <a:noFill/>
+                    </a:lnT>
+                    <a:lnB cap="flat">
+                      <a:noFill/>
+                    </a:lnB>
+                    <a:lnTlToBr>
+                      <a:noFill/>
+                    </a:lnTlToBr>
+                    <a:lnBlToTr>
+                      <a:noFill/>
+                    </a:lnBlToTr>
+                    <a:noFill/>
+                  </a:tcPr>
+                </a:tc>
+                <a:tc>
+                  <a:txBody>
+                    <a:bodyPr/>
+                    <a:p>
+                      <a:pPr indent="0">
+                        <a:buNone/>
+                      </a:pPr>
+                      <a:endParaRPr lang="zh-CN" altLang="en-US"/>
+                    </a:p>
+                  </a:txBody>
+                  <a:tcPr marL="12700" marR="12700" marT="12700" vert="horz" anchor="ctr">
+                    <a:lnL>
+                      <a:noFill/>
+                    </a:lnL>
+                    <a:lnR>
+                      <a:noFill/>
+                    </a:lnR>
+                    <a:lnT cap="flat">
+                      <a:noFill/>
+                    </a:lnT>
+                    <a:lnB cap="flat">
+                      <a:noFill/>
+                    </a:lnB>
+                    <a:lnTlToBr>
+                      <a:noFill/>
+                    </a:lnTlToBr>
+                    <a:lnBlToTr>
+                      <a:noFill/>
+                    </a:lnBlToTr>
+                    <a:noFill/>
+                  </a:tcPr>
+                </a:tc>
+                <a:tc>
+                  <a:txBody>
+                    <a:bodyPr/>
+                    <a:p>
+                      <a:pPr indent="0">
+                        <a:buNone/>
+                      </a:pPr>
+                      <a:endParaRPr lang="zh-CN" altLang="en-US"/>
+                    </a:p>
+                  </a:txBody>
+                  <a:tcPr marL="12700" marR="12700" marT="12700" vert="horz" anchor="ctr">
+                    <a:lnL>
+                      <a:noFill/>
+                    </a:lnL>
+                    <a:lnR>
+                      <a:noFill/>
+                    </a:lnR>
+                    <a:lnT cap="flat">
+                      <a:noFill/>
+                    </a:lnT>
+                    <a:lnB cap="flat">
+                      <a:noFill/>
+                    </a:lnB>
+                    <a:lnTlToBr>
+                      <a:noFill/>
+                    </a:lnTlToBr>
+                    <a:lnBlToTr>
+                      <a:noFill/>
+                    </a:lnBlToTr>
+                    <a:noFill/>
+                  </a:tcPr>
+                </a:tc>
+                <a:tc>
+                  <a:txBody>
+                    <a:bodyPr/>
+                    <a:p>
+                      <a:pPr indent="0">
+                        <a:buNone/>
+                      </a:pPr>
+                      <a:endParaRPr lang="zh-CN" altLang="en-US"/>
+                    </a:p>
+                  </a:txBody>
+                  <a:tcPr marL="12700" marR="12700" marT="12700" vert="horz" anchor="ctr">
+                    <a:lnL>
+                      <a:noFill/>
+                    </a:lnL>
+                    <a:lnR>
+                      <a:noFill/>
+                    </a:lnR>
+                    <a:lnT cap="flat">
+                      <a:noFill/>
+                    </a:lnT>
+                    <a:lnB cap="flat">
+                      <a:noFill/>
+                    </a:lnB>
+                    <a:lnTlToBr>
+                      <a:noFill/>
+                    </a:lnTlToBr>
+                    <a:lnBlToTr>
+                      <a:noFill/>
+                    </a:lnBlToTr>
+                    <a:noFill/>
+                  </a:tcPr>
+                </a:tc>
+                <a:tc>
+                  <a:txBody>
+                    <a:bodyPr/>
+                    <a:p>
+                      <a:pPr indent="0">
+                        <a:buNone/>
+                      </a:pPr>
+                      <a:endParaRPr lang="zh-CN" altLang="en-US"/>
+                    </a:p>
+                  </a:txBody>
+                  <a:tcPr marL="12700" marR="12700" marT="12700" vert="horz" anchor="ctr">
+                    <a:lnL>
+                      <a:noFill/>
+                    </a:lnL>
+                    <a:lnR>
+                      <a:noFill/>
+                    </a:lnR>
+                    <a:lnT cap="flat">
+                      <a:noFill/>
+                    </a:lnT>
+                    <a:lnB cap="flat">
+                      <a:noFill/>
+                    </a:lnB>
+                    <a:lnTlToBr>
+                      <a:noFill/>
+                    </a:lnTlToBr>
+                    <a:lnBlToTr>
+                      <a:noFill/>
+                    </a:lnBlToTr>
+                    <a:noFill/>
+                  </a:tcPr>
+                </a:tc>
+                <a:tc>
+                  <a:txBody>
+                    <a:bodyPr/>
+                    <a:p>
+                      <a:pPr indent="0">
+                        <a:buNone/>
+                      </a:pPr>
+                      <a:endParaRPr lang="zh-CN" altLang="en-US"/>
+                    </a:p>
+                  </a:txBody>
+                  <a:tcPr marL="12700" marR="12700" marT="12700" vert="horz" anchor="ctr">
+                    <a:lnL>
+                      <a:noFill/>
+                    </a:lnL>
+                    <a:lnR cap="flat">
+                      <a:noFill/>
+                    </a:lnR>
+                    <a:lnT cap="flat">
+                      <a:noFill/>
+                    </a:lnT>
+                    <a:lnB cap="flat">
+                      <a:noFill/>
+                    </a:lnB>
+                    <a:lnTlToBr>
+                      <a:noFill/>
+                    </a:lnTlToBr>
+                    <a:lnBlToTr>
+                      <a:noFill/>
+                    </a:lnBlToTr>
+                    <a:noFill/>
+                  </a:tcPr>
+                </a:tc>
+              </a:tr>
+              <a:tr h="177800">
+                <a:tc>
+                  <a:txBody>
+                    <a:bodyPr/>
+                    <a:p>
+                      <a:pPr indent="0">
+                        <a:buNone/>
+                      </a:pPr>
+                      <a:r>
+                        <a:rPr lang="zh-CN" sz="1200" b="0">
+                          <a:solidFill>
+                            <a:srgbClr val="000000"/>
+                          </a:solidFill>
+                          <a:ea typeface="宋体" panose="02010600030101010101" pitchFamily="2" charset="-122"/>
+                        </a:rPr>
+                        <a:t>物理防御力（def）</a:t>
+                      </a:r>
+                      <a:endParaRPr lang="en-US" altLang="en-US" sz="1200" b="0">
+                        <a:solidFill>
+                          <a:srgbClr val="000000"/>
+                        </a:solidFill>
+                        <a:latin typeface="宋体" panose="02010600030101010101" pitchFamily="2" charset="-122"/>
+                      </a:endParaRPr>
+                    </a:p>
+                  </a:txBody>
+                  <a:tcPr marL="12700" marR="12700" marT="12700" vert="horz" anchor="ctr">
+                    <a:lnL>
+                      <a:noFill/>
+                    </a:lnL>
+                    <a:lnR>
+                      <a:noFill/>
+                    </a:lnR>
+                    <a:lnT cap="flat">
+                      <a:noFill/>
+                    </a:lnT>
+                    <a:lnB cap="flat">
+                      <a:noFill/>
+                    </a:lnB>
+                    <a:lnTlToBr>
+                      <a:noFill/>
+                    </a:lnTlToBr>
+                    <a:lnBlToTr>
+                      <a:noFill/>
+                    </a:lnBlToTr>
+                    <a:noFill/>
+                  </a:tcPr>
+                </a:tc>
+                <a:tc>
+                  <a:txBody>
+                    <a:bodyPr/>
+                    <a:p>
+                      <a:pPr indent="0">
+                        <a:buNone/>
+                      </a:pPr>
+                      <a:endParaRPr lang="zh-CN" altLang="en-US"/>
+                    </a:p>
+                  </a:txBody>
+                  <a:tcPr marL="12700" marR="12700" marT="12700" vert="horz" anchor="ctr">
+                    <a:lnL>
+                      <a:noFill/>
+                    </a:lnL>
+                    <a:lnR>
+                      <a:noFill/>
+                    </a:lnR>
+                    <a:lnT cap="flat">
+                      <a:noFill/>
+                    </a:lnT>
+                    <a:lnB cap="flat">
+                      <a:noFill/>
+                    </a:lnB>
+                    <a:lnTlToBr>
+                      <a:noFill/>
+                    </a:lnTlToBr>
+                    <a:lnBlToTr>
+                      <a:noFill/>
+                    </a:lnBlToTr>
+                    <a:noFill/>
+                  </a:tcPr>
+                </a:tc>
+                <a:tc>
+                  <a:txBody>
+                    <a:bodyPr/>
+                    <a:p>
+                      <a:pPr indent="0">
+                        <a:buNone/>
+                      </a:pPr>
+                      <a:endParaRPr lang="zh-CN" altLang="en-US"/>
+                    </a:p>
+                  </a:txBody>
+                  <a:tcPr marL="12700" marR="12700" marT="12700" vert="horz" anchor="ctr">
+                    <a:lnL>
+                      <a:noFill/>
+                    </a:lnL>
+                    <a:lnR>
+                      <a:noFill/>
+                    </a:lnR>
+                    <a:lnT cap="flat">
+                      <a:noFill/>
+                    </a:lnT>
+                    <a:lnB cap="flat">
+                      <a:noFill/>
+                    </a:lnB>
+                    <a:lnTlToBr>
+                      <a:noFill/>
+                    </a:lnTlToBr>
+                    <a:lnBlToTr>
+                      <a:noFill/>
+                    </a:lnBlToTr>
+                    <a:noFill/>
+                  </a:tcPr>
+                </a:tc>
+                <a:tc>
+                  <a:txBody>
+                    <a:bodyPr/>
+                    <a:p>
+                      <a:pPr indent="0">
+                        <a:buNone/>
+                      </a:pPr>
+                      <a:endParaRPr lang="zh-CN" altLang="en-US"/>
+                    </a:p>
+                  </a:txBody>
+                  <a:tcPr marL="12700" marR="12700" marT="12700" vert="horz" anchor="ctr">
+                    <a:lnL>
+                      <a:noFill/>
+                    </a:lnL>
+                    <a:lnR>
+                      <a:noFill/>
+                    </a:lnR>
+                    <a:lnT cap="flat">
+                      <a:noFill/>
+                    </a:lnT>
+                    <a:lnB cap="flat">
+                      <a:noFill/>
+                    </a:lnB>
+                    <a:lnTlToBr>
+                      <a:noFill/>
+                    </a:lnTlToBr>
+                    <a:lnBlToTr>
+                      <a:noFill/>
+                    </a:lnBlToTr>
+                    <a:noFill/>
+                  </a:tcPr>
+                </a:tc>
+                <a:tc>
+                  <a:txBody>
+                    <a:bodyPr/>
+                    <a:p>
+                      <a:pPr indent="0">
+                        <a:buNone/>
+                      </a:pPr>
+                      <a:endParaRPr lang="zh-CN" altLang="en-US"/>
+                    </a:p>
+                  </a:txBody>
+                  <a:tcPr marL="12700" marR="12700" marT="12700" vert="horz" anchor="ctr">
+                    <a:lnL>
+                      <a:noFill/>
+                    </a:lnL>
+                    <a:lnR>
+                      <a:noFill/>
+                    </a:lnR>
+                    <a:lnT cap="flat">
+                      <a:noFill/>
+                    </a:lnT>
+                    <a:lnB cap="flat">
+                      <a:noFill/>
+                    </a:lnB>
+                    <a:lnTlToBr>
+                      <a:noFill/>
+                    </a:lnTlToBr>
+                    <a:lnBlToTr>
+                      <a:noFill/>
+                    </a:lnBlToTr>
+                    <a:noFill/>
+                  </a:tcPr>
+                </a:tc>
+                <a:tc>
+                  <a:txBody>
+                    <a:bodyPr/>
+                    <a:p>
+                      <a:pPr indent="0">
+                        <a:buNone/>
+                      </a:pPr>
+                      <a:endParaRPr lang="zh-CN" altLang="en-US"/>
+                    </a:p>
+                  </a:txBody>
+                  <a:tcPr marL="12700" marR="12700" marT="12700" vert="horz" anchor="ctr">
+                    <a:lnL>
+                      <a:noFill/>
+                    </a:lnL>
+                    <a:lnR>
+                      <a:noFill/>
+                    </a:lnR>
+                    <a:lnT cap="flat">
+                      <a:noFill/>
+                    </a:lnT>
+                    <a:lnB cap="flat">
+                      <a:noFill/>
+                    </a:lnB>
+                    <a:lnTlToBr>
+                      <a:noFill/>
+                    </a:lnTlToBr>
+                    <a:lnBlToTr>
+                      <a:noFill/>
+                    </a:lnBlToTr>
+                    <a:noFill/>
+                  </a:tcPr>
+                </a:tc>
+                <a:tc>
+                  <a:txBody>
+                    <a:bodyPr/>
+                    <a:p>
+                      <a:pPr indent="0">
+                        <a:buNone/>
+                      </a:pPr>
+                      <a:endParaRPr lang="zh-CN" altLang="en-US"/>
+                    </a:p>
+                  </a:txBody>
+                  <a:tcPr marL="12700" marR="12700" marT="12700" vert="horz" anchor="ctr">
+                    <a:lnL>
+                      <a:noFill/>
+                    </a:lnL>
+                    <a:lnR>
+                      <a:noFill/>
+                    </a:lnR>
+                    <a:lnT cap="flat">
+                      <a:noFill/>
+                    </a:lnT>
+                    <a:lnB cap="flat">
+                      <a:noFill/>
+                    </a:lnB>
+                    <a:lnTlToBr>
+                      <a:noFill/>
+                    </a:lnTlToBr>
+                    <a:lnBlToTr>
+                      <a:noFill/>
+                    </a:lnBlToTr>
+                    <a:noFill/>
+                  </a:tcPr>
+                </a:tc>
+                <a:tc>
+                  <a:txBody>
+                    <a:bodyPr/>
+                    <a:p>
+                      <a:pPr indent="0">
+                        <a:buNone/>
+                      </a:pPr>
+                      <a:endParaRPr lang="zh-CN" altLang="en-US"/>
+                    </a:p>
+                  </a:txBody>
+                  <a:tcPr marL="12700" marR="12700" marT="12700" vert="horz" anchor="ctr">
+                    <a:lnL>
+                      <a:noFill/>
+                    </a:lnL>
+                    <a:lnR>
+                      <a:noFill/>
+                    </a:lnR>
+                    <a:lnT cap="flat">
+                      <a:noFill/>
+                    </a:lnT>
+                    <a:lnB cap="flat">
+                      <a:noFill/>
+                    </a:lnB>
+                    <a:lnTlToBr>
+                      <a:noFill/>
+                    </a:lnTlToBr>
+                    <a:lnBlToTr>
+                      <a:noFill/>
+                    </a:lnBlToTr>
+                    <a:noFill/>
+                  </a:tcPr>
+                </a:tc>
+                <a:tc>
+                  <a:txBody>
+                    <a:bodyPr/>
+                    <a:p>
+                      <a:pPr indent="0">
+                        <a:buNone/>
+                      </a:pPr>
+                      <a:endParaRPr lang="zh-CN" altLang="en-US"/>
+                    </a:p>
+                  </a:txBody>
+                  <a:tcPr marL="12700" marR="12700" marT="12700" vert="horz" anchor="ctr">
+                    <a:lnL>
+                      <a:noFill/>
+                    </a:lnL>
+                    <a:lnR>
+                      <a:noFill/>
+                    </a:lnR>
+                    <a:lnT cap="flat">
+                      <a:noFill/>
+                    </a:lnT>
+                    <a:lnB cap="flat">
+                      <a:noFill/>
+                    </a:lnB>
+                    <a:lnTlToBr>
+                      <a:noFill/>
+                    </a:lnTlToBr>
+                    <a:lnBlToTr>
+                      <a:noFill/>
+                    </a:lnBlToTr>
+                    <a:noFill/>
+                  </a:tcPr>
+                </a:tc>
+                <a:tc>
+                  <a:txBody>
+                    <a:bodyPr/>
+                    <a:p>
+                      <a:pPr indent="0">
+                        <a:buNone/>
+                      </a:pPr>
+                      <a:endParaRPr lang="zh-CN" altLang="en-US"/>
+                    </a:p>
+                  </a:txBody>
+                  <a:tcPr marL="12700" marR="12700" marT="12700" vert="horz" anchor="ctr">
+                    <a:lnL>
+                      <a:noFill/>
+                    </a:lnL>
+                    <a:lnR>
+                      <a:noFill/>
+                    </a:lnR>
+                    <a:lnT cap="flat">
+                      <a:noFill/>
+                    </a:lnT>
+                    <a:lnB cap="flat">
+                      <a:noFill/>
+                    </a:lnB>
+                    <a:lnTlToBr>
+                      <a:noFill/>
+                    </a:lnTlToBr>
+                    <a:lnBlToTr>
+                      <a:noFill/>
+                    </a:lnBlToTr>
+                    <a:noFill/>
+                  </a:tcPr>
+                </a:tc>
+                <a:tc>
+                  <a:txBody>
+                    <a:bodyPr/>
+                    <a:p>
+                      <a:pPr indent="0">
+                        <a:buNone/>
+                      </a:pPr>
+                      <a:endParaRPr lang="zh-CN" altLang="en-US"/>
+                    </a:p>
+                  </a:txBody>
+                  <a:tcPr marL="12700" marR="12700" marT="12700" vert="horz" anchor="ctr">
+                    <a:lnL>
+                      <a:noFill/>
+                    </a:lnL>
+                    <a:lnR>
+                      <a:noFill/>
+                    </a:lnR>
+                    <a:lnT cap="flat">
+                      <a:noFill/>
+                    </a:lnT>
+                    <a:lnB cap="flat">
+                      <a:noFill/>
+                    </a:lnB>
+                    <a:lnTlToBr>
+                      <a:noFill/>
+                    </a:lnTlToBr>
+                    <a:lnBlToTr>
+                      <a:noFill/>
+                    </a:lnBlToTr>
+                    <a:noFill/>
+                  </a:tcPr>
+                </a:tc>
+                <a:tc>
+                  <a:txBody>
+                    <a:bodyPr/>
+                    <a:p>
+                      <a:pPr indent="0">
+                        <a:buNone/>
+                      </a:pPr>
+                      <a:endParaRPr lang="zh-CN" altLang="en-US"/>
+                    </a:p>
+                  </a:txBody>
+                  <a:tcPr marL="12700" marR="12700" marT="12700" vert="horz" anchor="ctr">
+                    <a:lnL>
+                      <a:noFill/>
+                    </a:lnL>
+                    <a:lnR cap="flat">
+                      <a:noFill/>
+                    </a:lnR>
+                    <a:lnT cap="flat">
+                      <a:noFill/>
+                    </a:lnT>
+                    <a:lnB cap="flat">
+                      <a:noFill/>
+                    </a:lnB>
+                    <a:lnTlToBr>
+                      <a:noFill/>
+                    </a:lnTlToBr>
+                    <a:lnBlToTr>
+                      <a:noFill/>
+                    </a:lnBlToTr>
+                    <a:noFill/>
+                  </a:tcPr>
+                </a:tc>
+              </a:tr>
+              <a:tr h="177800">
+                <a:tc>
+                  <a:txBody>
+                    <a:bodyPr/>
+                    <a:p>
+                      <a:pPr indent="0">
+                        <a:buNone/>
+                      </a:pPr>
+                      <a:r>
+                        <a:rPr lang="zh-CN" sz="1200" b="0">
+                          <a:solidFill>
+                            <a:srgbClr val="000000"/>
+                          </a:solidFill>
+                          <a:ea typeface="宋体" panose="02010600030101010101" pitchFamily="2" charset="-122"/>
+                        </a:rPr>
+                        <a:t>火抗性%（antiFire）</a:t>
+                      </a:r>
+                      <a:endParaRPr lang="en-US" altLang="en-US" sz="1200" b="0">
+                        <a:solidFill>
+                          <a:srgbClr val="000000"/>
+                        </a:solidFill>
+                        <a:latin typeface="宋体" panose="02010600030101010101" pitchFamily="2" charset="-122"/>
+                      </a:endParaRPr>
+                    </a:p>
+                  </a:txBody>
+                  <a:tcPr marL="12700" marR="12700" marT="12700" vert="horz" anchor="ctr">
+                    <a:lnL>
+                      <a:noFill/>
+                    </a:lnL>
+                    <a:lnR>
+                      <a:noFill/>
+                    </a:lnR>
+                    <a:lnT cap="flat">
+                      <a:noFill/>
+                    </a:lnT>
+                    <a:lnB cap="flat">
+                      <a:noFill/>
+                    </a:lnB>
+                    <a:lnTlToBr>
+                      <a:noFill/>
+                    </a:lnTlToBr>
+                    <a:lnBlToTr>
+                      <a:noFill/>
+                    </a:lnBlToTr>
+                    <a:noFill/>
+                  </a:tcPr>
+                </a:tc>
+                <a:tc>
+                  <a:txBody>
+                    <a:bodyPr/>
+                    <a:p>
+                      <a:pPr indent="0">
+                        <a:buNone/>
+                      </a:pPr>
+                      <a:r>
+                        <a:rPr lang="zh-CN" sz="1200" b="0">
+                          <a:solidFill>
+                            <a:srgbClr val="000000"/>
+                          </a:solidFill>
+                          <a:ea typeface="宋体" panose="02010600030101010101" pitchFamily="2" charset="-122"/>
+                        </a:rPr>
+                        <a:t>这是百分数</a:t>
+                      </a:r>
+                      <a:endParaRPr lang="en-US" altLang="en-US" sz="1200" b="0">
+                        <a:solidFill>
+                          <a:srgbClr val="000000"/>
+                        </a:solidFill>
+                        <a:latin typeface="宋体" panose="02010600030101010101" pitchFamily="2" charset="-122"/>
+                      </a:endParaRPr>
+                    </a:p>
+                  </a:txBody>
+                  <a:tcPr marL="12700" marR="12700" marT="12700" vert="horz" anchor="ctr">
+                    <a:lnL>
+                      <a:noFill/>
+                    </a:lnL>
+                    <a:lnR>
+                      <a:noFill/>
+                    </a:lnR>
+                    <a:lnT cap="flat">
+                      <a:noFill/>
+                    </a:lnT>
+                    <a:lnB cap="flat">
+                      <a:noFill/>
+                    </a:lnB>
+                    <a:lnTlToBr>
+                      <a:noFill/>
+                    </a:lnTlToBr>
+                    <a:lnBlToTr>
+                      <a:noFill/>
+                    </a:lnBlToTr>
+                    <a:noFill/>
+                  </a:tcPr>
+                </a:tc>
+                <a:tc>
+                  <a:txBody>
+                    <a:bodyPr/>
+                    <a:p>
+                      <a:pPr indent="0">
+                        <a:buNone/>
+                      </a:pPr>
+                      <a:endParaRPr lang="zh-CN" altLang="en-US"/>
+                    </a:p>
+                  </a:txBody>
+                  <a:tcPr marL="12700" marR="12700" marT="12700" vert="horz" anchor="ctr">
+                    <a:lnL>
+                      <a:noFill/>
+                    </a:lnL>
+                    <a:lnR>
+                      <a:noFill/>
+                    </a:lnR>
+                    <a:lnT cap="flat">
+                      <a:noFill/>
+                    </a:lnT>
+                    <a:lnB cap="flat">
+                      <a:noFill/>
+                    </a:lnB>
+                    <a:lnTlToBr>
+                      <a:noFill/>
+                    </a:lnTlToBr>
+                    <a:lnBlToTr>
+                      <a:noFill/>
+                    </a:lnBlToTr>
+                    <a:noFill/>
+                  </a:tcPr>
+                </a:tc>
+                <a:tc>
+                  <a:txBody>
+                    <a:bodyPr/>
+                    <a:p>
+                      <a:pPr indent="0">
+                        <a:buNone/>
+                      </a:pPr>
+                      <a:endParaRPr lang="zh-CN" altLang="en-US"/>
+                    </a:p>
+                  </a:txBody>
+                  <a:tcPr marL="12700" marR="12700" marT="12700" vert="horz" anchor="ctr">
+                    <a:lnL>
+                      <a:noFill/>
+                    </a:lnL>
+                    <a:lnR>
+                      <a:noFill/>
+                    </a:lnR>
+                    <a:lnT cap="flat">
+                      <a:noFill/>
+                    </a:lnT>
+                    <a:lnB cap="flat">
+                      <a:noFill/>
+                    </a:lnB>
+                    <a:lnTlToBr>
+                      <a:noFill/>
+                    </a:lnTlToBr>
+                    <a:lnBlToTr>
+                      <a:noFill/>
+                    </a:lnBlToTr>
+                    <a:noFill/>
+                  </a:tcPr>
+                </a:tc>
+                <a:tc>
+                  <a:txBody>
+                    <a:bodyPr/>
+                    <a:p>
+                      <a:pPr indent="0">
+                        <a:buNone/>
+                      </a:pPr>
+                      <a:endParaRPr lang="zh-CN" altLang="en-US"/>
+                    </a:p>
+                  </a:txBody>
+                  <a:tcPr marL="12700" marR="12700" marT="12700" vert="horz" anchor="ctr">
+                    <a:lnL>
+                      <a:noFill/>
+                    </a:lnL>
+                    <a:lnR>
+                      <a:noFill/>
+                    </a:lnR>
+                    <a:lnT cap="flat">
+                      <a:noFill/>
+                    </a:lnT>
+                    <a:lnB cap="flat">
+                      <a:noFill/>
+                    </a:lnB>
+                    <a:lnTlToBr>
+                      <a:noFill/>
+                    </a:lnTlToBr>
+                    <a:lnBlToTr>
+                      <a:noFill/>
+                    </a:lnBlToTr>
+                    <a:noFill/>
+                  </a:tcPr>
+                </a:tc>
+                <a:tc>
+                  <a:txBody>
+                    <a:bodyPr/>
+                    <a:p>
+                      <a:pPr indent="0">
+                        <a:buNone/>
+                      </a:pPr>
+                      <a:endParaRPr lang="zh-CN" altLang="en-US"/>
+                    </a:p>
+                  </a:txBody>
+                  <a:tcPr marL="12700" marR="12700" marT="12700" vert="horz" anchor="ctr">
+                    <a:lnL>
+                      <a:noFill/>
+                    </a:lnL>
+                    <a:lnR>
+                      <a:noFill/>
+                    </a:lnR>
+                    <a:lnT cap="flat">
+                      <a:noFill/>
+                    </a:lnT>
+                    <a:lnB cap="flat">
+                      <a:noFill/>
+                    </a:lnB>
+                    <a:lnTlToBr>
+                      <a:noFill/>
+                    </a:lnTlToBr>
+                    <a:lnBlToTr>
+                      <a:noFill/>
+                    </a:lnBlToTr>
+                    <a:noFill/>
+                  </a:tcPr>
+                </a:tc>
+                <a:tc>
+                  <a:txBody>
+                    <a:bodyPr/>
+                    <a:p>
+                      <a:pPr indent="0">
+                        <a:buNone/>
+                      </a:pPr>
+                      <a:endParaRPr lang="zh-CN" altLang="en-US"/>
+                    </a:p>
+                  </a:txBody>
+                  <a:tcPr marL="12700" marR="12700" marT="12700" vert="horz" anchor="ctr">
+                    <a:lnL>
+                      <a:noFill/>
+                    </a:lnL>
+                    <a:lnR>
+                      <a:noFill/>
+                    </a:lnR>
+                    <a:lnT cap="flat">
+                      <a:noFill/>
+                    </a:lnT>
+                    <a:lnB cap="flat">
+                      <a:noFill/>
+                    </a:lnB>
+                    <a:lnTlToBr>
+                      <a:noFill/>
+                    </a:lnTlToBr>
+                    <a:lnBlToTr>
+                      <a:noFill/>
+                    </a:lnBlToTr>
+                    <a:noFill/>
+                  </a:tcPr>
+                </a:tc>
+                <a:tc>
+                  <a:txBody>
+                    <a:bodyPr/>
+                    <a:p>
+                      <a:pPr indent="0">
+                        <a:buNone/>
+                      </a:pPr>
+                      <a:endParaRPr lang="zh-CN" altLang="en-US"/>
+                    </a:p>
+                  </a:txBody>
+                  <a:tcPr marL="12700" marR="12700" marT="12700" vert="horz" anchor="ctr">
+                    <a:lnL>
+                      <a:noFill/>
+                    </a:lnL>
+                    <a:lnR>
+                      <a:noFill/>
+                    </a:lnR>
+                    <a:lnT cap="flat">
+                      <a:noFill/>
+                    </a:lnT>
+                    <a:lnB cap="flat">
+                      <a:noFill/>
+                    </a:lnB>
+                    <a:lnTlToBr>
+                      <a:noFill/>
+                    </a:lnTlToBr>
+                    <a:lnBlToTr>
+                      <a:noFill/>
+                    </a:lnBlToTr>
+                    <a:noFill/>
+                  </a:tcPr>
+                </a:tc>
+                <a:tc>
+                  <a:txBody>
+                    <a:bodyPr/>
+                    <a:p>
+                      <a:pPr indent="0">
+                        <a:buNone/>
+                      </a:pPr>
+                      <a:endParaRPr lang="zh-CN" altLang="en-US"/>
+                    </a:p>
+                  </a:txBody>
+                  <a:tcPr marL="12700" marR="12700" marT="12700" vert="horz" anchor="ctr">
+                    <a:lnL>
+                      <a:noFill/>
+                    </a:lnL>
+                    <a:lnR>
+                      <a:noFill/>
+                    </a:lnR>
+                    <a:lnT cap="flat">
+                      <a:noFill/>
+                    </a:lnT>
+                    <a:lnB cap="flat">
+                      <a:noFill/>
+                    </a:lnB>
+                    <a:lnTlToBr>
+                      <a:noFill/>
+                    </a:lnTlToBr>
+                    <a:lnBlToTr>
+                      <a:noFill/>
+                    </a:lnBlToTr>
+                    <a:noFill/>
+                  </a:tcPr>
+                </a:tc>
+                <a:tc>
+                  <a:txBody>
+                    <a:bodyPr/>
+                    <a:p>
+                      <a:pPr indent="0">
+                        <a:buNone/>
+                      </a:pPr>
+                      <a:endParaRPr lang="zh-CN" altLang="en-US"/>
+                    </a:p>
+                  </a:txBody>
+                  <a:tcPr marL="12700" marR="12700" marT="12700" vert="horz" anchor="ctr">
+                    <a:lnL>
+                      <a:noFill/>
+                    </a:lnL>
+                    <a:lnR>
+                      <a:noFill/>
+                    </a:lnR>
+                    <a:lnT cap="flat">
+                      <a:noFill/>
+                    </a:lnT>
+                    <a:lnB cap="flat">
+                      <a:noFill/>
+                    </a:lnB>
+                    <a:lnTlToBr>
+                      <a:noFill/>
+                    </a:lnTlToBr>
+                    <a:lnBlToTr>
+                      <a:noFill/>
+                    </a:lnBlToTr>
+                    <a:noFill/>
+                  </a:tcPr>
+                </a:tc>
+                <a:tc>
+                  <a:txBody>
+                    <a:bodyPr/>
+                    <a:p>
+                      <a:pPr indent="0">
+                        <a:buNone/>
+                      </a:pPr>
+                      <a:endParaRPr lang="zh-CN" altLang="en-US"/>
+                    </a:p>
+                  </a:txBody>
+                  <a:tcPr marL="12700" marR="12700" marT="12700" vert="horz" anchor="ctr">
+                    <a:lnL>
+                      <a:noFill/>
+                    </a:lnL>
+                    <a:lnR>
+                      <a:noFill/>
+                    </a:lnR>
+                    <a:lnT cap="flat">
+                      <a:noFill/>
+                    </a:lnT>
+                    <a:lnB cap="flat">
+                      <a:noFill/>
+                    </a:lnB>
+                    <a:lnTlToBr>
+                      <a:noFill/>
+                    </a:lnTlToBr>
+                    <a:lnBlToTr>
+                      <a:noFill/>
+                    </a:lnBlToTr>
+                    <a:noFill/>
+                  </a:tcPr>
+                </a:tc>
+                <a:tc>
+                  <a:txBody>
+                    <a:bodyPr/>
+                    <a:p>
+                      <a:pPr indent="0">
+                        <a:buNone/>
+                      </a:pPr>
+                      <a:endParaRPr lang="zh-CN" altLang="en-US"/>
+                    </a:p>
+                  </a:txBody>
+                  <a:tcPr marL="12700" marR="12700" marT="12700" vert="horz" anchor="ctr">
+                    <a:lnL>
+                      <a:noFill/>
+                    </a:lnL>
+                    <a:lnR cap="flat">
+                      <a:noFill/>
+                    </a:lnR>
+                    <a:lnT cap="flat">
+                      <a:noFill/>
+                    </a:lnT>
+                    <a:lnB cap="flat">
+                      <a:noFill/>
+                    </a:lnB>
+                    <a:lnTlToBr>
+                      <a:noFill/>
+                    </a:lnTlToBr>
+                    <a:lnBlToTr>
+                      <a:noFill/>
+                    </a:lnBlToTr>
+                    <a:noFill/>
+                  </a:tcPr>
+                </a:tc>
+              </a:tr>
+              <a:tr h="177800">
+                <a:tc>
+                  <a:txBody>
+                    <a:bodyPr/>
+                    <a:p>
+                      <a:pPr indent="0">
+                        <a:buNone/>
+                      </a:pPr>
+                      <a:r>
+                        <a:rPr lang="zh-CN" sz="1200" b="0">
+                          <a:solidFill>
+                            <a:srgbClr val="000000"/>
+                          </a:solidFill>
+                          <a:ea typeface="宋体" panose="02010600030101010101" pitchFamily="2" charset="-122"/>
+                        </a:rPr>
+                        <a:t>电抗性%（antiLightning）</a:t>
+                      </a:r>
+                      <a:endParaRPr lang="en-US" altLang="en-US" sz="1200" b="0">
+                        <a:solidFill>
+                          <a:srgbClr val="000000"/>
+                        </a:solidFill>
+                        <a:latin typeface="宋体" panose="02010600030101010101" pitchFamily="2" charset="-122"/>
+                      </a:endParaRPr>
+                    </a:p>
+                  </a:txBody>
+                  <a:tcPr marL="12700" marR="12700" marT="12700" vert="horz" anchor="ctr">
+                    <a:lnL>
+                      <a:noFill/>
+                    </a:lnL>
+                    <a:lnR>
+                      <a:noFill/>
+                    </a:lnR>
+                    <a:lnT cap="flat">
+                      <a:noFill/>
+                    </a:lnT>
+                    <a:lnB cap="flat">
+                      <a:noFill/>
+                    </a:lnB>
+                    <a:lnTlToBr>
+                      <a:noFill/>
+                    </a:lnTlToBr>
+                    <a:lnBlToTr>
+                      <a:noFill/>
+                    </a:lnBlToTr>
+                    <a:noFill/>
+                  </a:tcPr>
+                </a:tc>
+                <a:tc>
+                  <a:txBody>
+                    <a:bodyPr/>
+                    <a:p>
+                      <a:pPr indent="0">
+                        <a:buNone/>
+                      </a:pPr>
+                      <a:r>
+                        <a:rPr lang="zh-CN" sz="1200" b="0">
+                          <a:solidFill>
+                            <a:srgbClr val="000000"/>
+                          </a:solidFill>
+                          <a:ea typeface="宋体" panose="02010600030101010101" pitchFamily="2" charset="-122"/>
+                        </a:rPr>
+                        <a:t>这是百分数</a:t>
+                      </a:r>
+                      <a:endParaRPr lang="en-US" altLang="en-US" sz="1200" b="0">
+                        <a:solidFill>
+                          <a:srgbClr val="000000"/>
+                        </a:solidFill>
+                        <a:latin typeface="宋体" panose="02010600030101010101" pitchFamily="2" charset="-122"/>
+                      </a:endParaRPr>
+                    </a:p>
+                  </a:txBody>
+                  <a:tcPr marL="12700" marR="12700" marT="12700" vert="horz" anchor="ctr">
+                    <a:lnL>
+                      <a:noFill/>
+                    </a:lnL>
+                    <a:lnR>
+                      <a:noFill/>
+                    </a:lnR>
+                    <a:lnT cap="flat">
+                      <a:noFill/>
+                    </a:lnT>
+                    <a:lnB cap="flat">
+                      <a:noFill/>
+                    </a:lnB>
+                    <a:lnTlToBr>
+                      <a:noFill/>
+                    </a:lnTlToBr>
+                    <a:lnBlToTr>
+                      <a:noFill/>
+                    </a:lnBlToTr>
+                    <a:noFill/>
+                  </a:tcPr>
+                </a:tc>
+                <a:tc>
+                  <a:txBody>
+                    <a:bodyPr/>
+                    <a:p>
+                      <a:pPr indent="0">
+                        <a:buNone/>
+                      </a:pPr>
+                      <a:endParaRPr lang="zh-CN" altLang="en-US"/>
+                    </a:p>
+                  </a:txBody>
+                  <a:tcPr marL="12700" marR="12700" marT="12700" vert="horz" anchor="ctr">
+                    <a:lnL>
+                      <a:noFill/>
+                    </a:lnL>
+                    <a:lnR>
+                      <a:noFill/>
+                    </a:lnR>
+                    <a:lnT cap="flat">
+                      <a:noFill/>
+                    </a:lnT>
+                    <a:lnB cap="flat">
+                      <a:noFill/>
+                    </a:lnB>
+                    <a:lnTlToBr>
+                      <a:noFill/>
+                    </a:lnTlToBr>
+                    <a:lnBlToTr>
+                      <a:noFill/>
+                    </a:lnBlToTr>
+                    <a:noFill/>
+                  </a:tcPr>
+                </a:tc>
+                <a:tc>
+                  <a:txBody>
+                    <a:bodyPr/>
+                    <a:p>
+                      <a:pPr indent="0">
+                        <a:buNone/>
+                      </a:pPr>
+                      <a:endParaRPr lang="zh-CN" altLang="en-US"/>
+                    </a:p>
+                  </a:txBody>
+                  <a:tcPr marL="12700" marR="12700" marT="12700" vert="horz" anchor="ctr">
+                    <a:lnL>
+                      <a:noFill/>
+                    </a:lnL>
+                    <a:lnR>
+                      <a:noFill/>
+                    </a:lnR>
+                    <a:lnT cap="flat">
+                      <a:noFill/>
+                    </a:lnT>
+                    <a:lnB cap="flat">
+                      <a:noFill/>
+                    </a:lnB>
+                    <a:lnTlToBr>
+                      <a:noFill/>
+                    </a:lnTlToBr>
+                    <a:lnBlToTr>
+                      <a:noFill/>
+                    </a:lnBlToTr>
+                    <a:noFill/>
+                  </a:tcPr>
+                </a:tc>
+                <a:tc>
+                  <a:txBody>
+                    <a:bodyPr/>
+                    <a:p>
+                      <a:pPr indent="0">
+                        <a:buNone/>
+                      </a:pPr>
+                      <a:endParaRPr lang="zh-CN" altLang="en-US"/>
+                    </a:p>
+                  </a:txBody>
+                  <a:tcPr marL="12700" marR="12700" marT="12700" vert="horz" anchor="ctr">
+                    <a:lnL>
+                      <a:noFill/>
+                    </a:lnL>
+                    <a:lnR>
+                      <a:noFill/>
+                    </a:lnR>
+                    <a:lnT cap="flat">
+                      <a:noFill/>
+                    </a:lnT>
+                    <a:lnB cap="flat">
+                      <a:noFill/>
+                    </a:lnB>
+                    <a:lnTlToBr>
+                      <a:noFill/>
+                    </a:lnTlToBr>
+                    <a:lnBlToTr>
+                      <a:noFill/>
+                    </a:lnBlToTr>
+                    <a:noFill/>
+                  </a:tcPr>
+                </a:tc>
+                <a:tc>
+                  <a:txBody>
+                    <a:bodyPr/>
+                    <a:p>
+                      <a:pPr indent="0">
+                        <a:buNone/>
+                      </a:pPr>
+                      <a:endParaRPr lang="zh-CN" altLang="en-US"/>
+                    </a:p>
+                  </a:txBody>
+                  <a:tcPr marL="12700" marR="12700" marT="12700" vert="horz" anchor="ctr">
+                    <a:lnL>
+                      <a:noFill/>
+                    </a:lnL>
+                    <a:lnR>
+                      <a:noFill/>
+                    </a:lnR>
+                    <a:lnT cap="flat">
+                      <a:noFill/>
+                    </a:lnT>
+                    <a:lnB cap="flat">
+                      <a:noFill/>
+                    </a:lnB>
+                    <a:lnTlToBr>
+                      <a:noFill/>
+                    </a:lnTlToBr>
+                    <a:lnBlToTr>
+                      <a:noFill/>
+                    </a:lnBlToTr>
+                    <a:noFill/>
+                  </a:tcPr>
+                </a:tc>
+                <a:tc>
+                  <a:txBody>
+                    <a:bodyPr/>
+                    <a:p>
+                      <a:pPr indent="0">
+                        <a:buNone/>
+                      </a:pPr>
+                      <a:endParaRPr lang="zh-CN" altLang="en-US"/>
+                    </a:p>
+                  </a:txBody>
+                  <a:tcPr marL="12700" marR="12700" marT="12700" vert="horz" anchor="ctr">
+                    <a:lnL>
+                      <a:noFill/>
+                    </a:lnL>
+                    <a:lnR>
+                      <a:noFill/>
+                    </a:lnR>
+                    <a:lnT cap="flat">
+                      <a:noFill/>
+                    </a:lnT>
+                    <a:lnB cap="flat">
+                      <a:noFill/>
+                    </a:lnB>
+                    <a:lnTlToBr>
+                      <a:noFill/>
+                    </a:lnTlToBr>
+                    <a:lnBlToTr>
+                      <a:noFill/>
+                    </a:lnBlToTr>
+                    <a:noFill/>
+                  </a:tcPr>
+                </a:tc>
+                <a:tc>
+                  <a:txBody>
+                    <a:bodyPr/>
+                    <a:p>
+                      <a:pPr indent="0">
+                        <a:buNone/>
+                      </a:pPr>
+                      <a:endParaRPr lang="zh-CN" altLang="en-US"/>
+                    </a:p>
+                  </a:txBody>
+                  <a:tcPr marL="12700" marR="12700" marT="12700" vert="horz" anchor="ctr">
+                    <a:lnL>
+                      <a:noFill/>
+                    </a:lnL>
+                    <a:lnR>
+                      <a:noFill/>
+                    </a:lnR>
+                    <a:lnT cap="flat">
+                      <a:noFill/>
+                    </a:lnT>
+                    <a:lnB cap="flat">
+                      <a:noFill/>
+                    </a:lnB>
+                    <a:lnTlToBr>
+                      <a:noFill/>
+                    </a:lnTlToBr>
+                    <a:lnBlToTr>
+                      <a:noFill/>
+                    </a:lnBlToTr>
+                    <a:noFill/>
+                  </a:tcPr>
+                </a:tc>
+                <a:tc>
+                  <a:txBody>
+                    <a:bodyPr/>
+                    <a:p>
+                      <a:pPr indent="0">
+                        <a:buNone/>
+                      </a:pPr>
+                      <a:endParaRPr lang="zh-CN" altLang="en-US"/>
+                    </a:p>
+                  </a:txBody>
+                  <a:tcPr marL="12700" marR="12700" marT="12700" vert="horz" anchor="ctr">
+                    <a:lnL>
+                      <a:noFill/>
+                    </a:lnL>
+                    <a:lnR>
+                      <a:noFill/>
+                    </a:lnR>
+                    <a:lnT cap="flat">
+                      <a:noFill/>
+                    </a:lnT>
+                    <a:lnB cap="flat">
+                      <a:noFill/>
+                    </a:lnB>
+                    <a:lnTlToBr>
+                      <a:noFill/>
+                    </a:lnTlToBr>
+                    <a:lnBlToTr>
+                      <a:noFill/>
+                    </a:lnBlToTr>
+                    <a:noFill/>
+                  </a:tcPr>
+                </a:tc>
+                <a:tc>
+                  <a:txBody>
+                    <a:bodyPr/>
+                    <a:p>
+                      <a:pPr indent="0">
+                        <a:buNone/>
+                      </a:pPr>
+                      <a:endParaRPr lang="zh-CN" altLang="en-US"/>
+                    </a:p>
+                  </a:txBody>
+                  <a:tcPr marL="12700" marR="12700" marT="12700" vert="horz" anchor="ctr">
+                    <a:lnL>
+                      <a:noFill/>
+                    </a:lnL>
+                    <a:lnR>
+                      <a:noFill/>
+                    </a:lnR>
+                    <a:lnT cap="flat">
+                      <a:noFill/>
+                    </a:lnT>
+                    <a:lnB cap="flat">
+                      <a:noFill/>
+                    </a:lnB>
+                    <a:lnTlToBr>
+                      <a:noFill/>
+                    </a:lnTlToBr>
+                    <a:lnBlToTr>
+                      <a:noFill/>
+                    </a:lnBlToTr>
+                    <a:noFill/>
+                  </a:tcPr>
+                </a:tc>
+                <a:tc>
+                  <a:txBody>
+                    <a:bodyPr/>
+                    <a:p>
+                      <a:pPr indent="0">
+                        <a:buNone/>
+                      </a:pPr>
+                      <a:endParaRPr lang="zh-CN" altLang="en-US"/>
+                    </a:p>
+                  </a:txBody>
+                  <a:tcPr marL="12700" marR="12700" marT="12700" vert="horz" anchor="ctr">
+                    <a:lnL>
+                      <a:noFill/>
+                    </a:lnL>
+                    <a:lnR>
+                      <a:noFill/>
+                    </a:lnR>
+                    <a:lnT cap="flat">
+                      <a:noFill/>
+                    </a:lnT>
+                    <a:lnB cap="flat">
+                      <a:noFill/>
+                    </a:lnB>
+                    <a:lnTlToBr>
+                      <a:noFill/>
+                    </a:lnTlToBr>
+                    <a:lnBlToTr>
+                      <a:noFill/>
+                    </a:lnBlToTr>
+                    <a:noFill/>
+                  </a:tcPr>
+                </a:tc>
+                <a:tc>
+                  <a:txBody>
+                    <a:bodyPr/>
+                    <a:p>
+                      <a:pPr indent="0">
+                        <a:buNone/>
+                      </a:pPr>
+                      <a:endParaRPr lang="zh-CN" altLang="en-US"/>
+                    </a:p>
+                  </a:txBody>
+                  <a:tcPr marL="12700" marR="12700" marT="12700" vert="horz" anchor="ctr">
+                    <a:lnL>
+                      <a:noFill/>
+                    </a:lnL>
+                    <a:lnR cap="flat">
+                      <a:noFill/>
+                    </a:lnR>
+                    <a:lnT cap="flat">
+                      <a:noFill/>
+                    </a:lnT>
+                    <a:lnB cap="flat">
+                      <a:noFill/>
+                    </a:lnB>
+                    <a:lnTlToBr>
+                      <a:noFill/>
+                    </a:lnTlToBr>
+                    <a:lnBlToTr>
+                      <a:noFill/>
+                    </a:lnBlToTr>
+                    <a:noFill/>
+                  </a:tcPr>
+                </a:tc>
+              </a:tr>
+              <a:tr h="177800">
+                <a:tc>
+                  <a:txBody>
+                    <a:bodyPr/>
+                    <a:p>
+                      <a:pPr indent="0">
+                        <a:buNone/>
+                      </a:pPr>
+                      <a:r>
+                        <a:rPr lang="zh-CN" sz="1200" b="0">
+                          <a:solidFill>
+                            <a:srgbClr val="000000"/>
+                          </a:solidFill>
+                          <a:ea typeface="宋体" panose="02010600030101010101" pitchFamily="2" charset="-122"/>
+                        </a:rPr>
+                        <a:t>水抗性%(antiWater)</a:t>
+                      </a:r>
+                      <a:endParaRPr lang="en-US" altLang="en-US" sz="1200" b="0">
+                        <a:solidFill>
+                          <a:srgbClr val="000000"/>
+                        </a:solidFill>
+                        <a:latin typeface="宋体" panose="02010600030101010101" pitchFamily="2" charset="-122"/>
+                      </a:endParaRPr>
+                    </a:p>
+                  </a:txBody>
+                  <a:tcPr marL="12700" marR="12700" marT="12700" vert="horz" anchor="ctr">
+                    <a:lnL>
+                      <a:noFill/>
+                    </a:lnL>
+                    <a:lnR>
+                      <a:noFill/>
+                    </a:lnR>
+                    <a:lnT cap="flat">
+                      <a:noFill/>
+                    </a:lnT>
+                    <a:lnB cap="flat">
+                      <a:noFill/>
+                    </a:lnB>
+                    <a:lnTlToBr>
+                      <a:noFill/>
+                    </a:lnTlToBr>
+                    <a:lnBlToTr>
+                      <a:noFill/>
+                    </a:lnBlToTr>
+                    <a:noFill/>
+                  </a:tcPr>
+                </a:tc>
+                <a:tc>
+                  <a:txBody>
+                    <a:bodyPr/>
+                    <a:p>
+                      <a:pPr indent="0">
+                        <a:buNone/>
+                      </a:pPr>
+                      <a:r>
+                        <a:rPr lang="zh-CN" sz="1200" b="0">
+                          <a:solidFill>
+                            <a:srgbClr val="000000"/>
+                          </a:solidFill>
+                          <a:ea typeface="宋体" panose="02010600030101010101" pitchFamily="2" charset="-122"/>
+                        </a:rPr>
+                        <a:t>这是百分数</a:t>
+                      </a:r>
+                      <a:endParaRPr lang="en-US" altLang="en-US" sz="1200" b="0">
+                        <a:solidFill>
+                          <a:srgbClr val="000000"/>
+                        </a:solidFill>
+                        <a:latin typeface="宋体" panose="02010600030101010101" pitchFamily="2" charset="-122"/>
+                      </a:endParaRPr>
+                    </a:p>
+                  </a:txBody>
+                  <a:tcPr marL="12700" marR="12700" marT="12700" vert="horz" anchor="ctr">
+                    <a:lnL>
+                      <a:noFill/>
+                    </a:lnL>
+                    <a:lnR>
+                      <a:noFill/>
+                    </a:lnR>
+                    <a:lnT cap="flat">
+                      <a:noFill/>
+                    </a:lnT>
+                    <a:lnB cap="flat">
+                      <a:noFill/>
+                    </a:lnB>
+                    <a:lnTlToBr>
+                      <a:noFill/>
+                    </a:lnTlToBr>
+                    <a:lnBlToTr>
+                      <a:noFill/>
+                    </a:lnBlToTr>
+                    <a:noFill/>
+                  </a:tcPr>
+                </a:tc>
+                <a:tc>
+                  <a:txBody>
+                    <a:bodyPr/>
+                    <a:p>
+                      <a:pPr indent="0">
+                        <a:buNone/>
+                      </a:pPr>
+                      <a:endParaRPr lang="zh-CN" altLang="en-US"/>
+                    </a:p>
+                  </a:txBody>
+                  <a:tcPr marL="12700" marR="12700" marT="12700" vert="horz" anchor="ctr">
+                    <a:lnL>
+                      <a:noFill/>
+                    </a:lnL>
+                    <a:lnR>
+                      <a:noFill/>
+                    </a:lnR>
+                    <a:lnT cap="flat">
+                      <a:noFill/>
+                    </a:lnT>
+                    <a:lnB cap="flat">
+                      <a:noFill/>
+                    </a:lnB>
+                    <a:lnTlToBr>
+                      <a:noFill/>
+                    </a:lnTlToBr>
+                    <a:lnBlToTr>
+                      <a:noFill/>
+                    </a:lnBlToTr>
+                    <a:noFill/>
+                  </a:tcPr>
+                </a:tc>
+                <a:tc>
+                  <a:txBody>
+                    <a:bodyPr/>
+                    <a:p>
+                      <a:pPr indent="0">
+                        <a:buNone/>
+                      </a:pPr>
+                      <a:endParaRPr lang="zh-CN" altLang="en-US"/>
+                    </a:p>
+                  </a:txBody>
+                  <a:tcPr marL="12700" marR="12700" marT="12700" vert="horz" anchor="ctr">
+                    <a:lnL>
+                      <a:noFill/>
+                    </a:lnL>
+                    <a:lnR>
+                      <a:noFill/>
+                    </a:lnR>
+                    <a:lnT cap="flat">
+                      <a:noFill/>
+                    </a:lnT>
+                    <a:lnB cap="flat">
+                      <a:noFill/>
+                    </a:lnB>
+                    <a:lnTlToBr>
+                      <a:noFill/>
+                    </a:lnTlToBr>
+                    <a:lnBlToTr>
+                      <a:noFill/>
+                    </a:lnBlToTr>
+                    <a:noFill/>
+                  </a:tcPr>
+                </a:tc>
+                <a:tc>
+                  <a:txBody>
+                    <a:bodyPr/>
+                    <a:p>
+                      <a:pPr indent="0">
+                        <a:buNone/>
+                      </a:pPr>
+                      <a:endParaRPr lang="zh-CN" altLang="en-US"/>
+                    </a:p>
+                  </a:txBody>
+                  <a:tcPr marL="12700" marR="12700" marT="12700" vert="horz" anchor="ctr">
+                    <a:lnL>
+                      <a:noFill/>
+                    </a:lnL>
+                    <a:lnR>
+                      <a:noFill/>
+                    </a:lnR>
+                    <a:lnT cap="flat">
+                      <a:noFill/>
+                    </a:lnT>
+                    <a:lnB cap="flat">
+                      <a:noFill/>
+                    </a:lnB>
+                    <a:lnTlToBr>
+                      <a:noFill/>
+                    </a:lnTlToBr>
+                    <a:lnBlToTr>
+                      <a:noFill/>
+                    </a:lnBlToTr>
+                    <a:noFill/>
+                  </a:tcPr>
+                </a:tc>
+                <a:tc>
+                  <a:txBody>
+                    <a:bodyPr/>
+                    <a:p>
+                      <a:pPr indent="0">
+                        <a:buNone/>
+                      </a:pPr>
+                      <a:endParaRPr lang="zh-CN" altLang="en-US"/>
+                    </a:p>
+                  </a:txBody>
+                  <a:tcPr marL="12700" marR="12700" marT="12700" vert="horz" anchor="ctr">
+                    <a:lnL>
+                      <a:noFill/>
+                    </a:lnL>
+                    <a:lnR>
+                      <a:noFill/>
+                    </a:lnR>
+                    <a:lnT cap="flat">
+                      <a:noFill/>
+                    </a:lnT>
+                    <a:lnB cap="flat">
+                      <a:noFill/>
+                    </a:lnB>
+                    <a:lnTlToBr>
+                      <a:noFill/>
+                    </a:lnTlToBr>
+                    <a:lnBlToTr>
+                      <a:noFill/>
+                    </a:lnBlToTr>
+                    <a:noFill/>
+                  </a:tcPr>
+                </a:tc>
+                <a:tc>
+                  <a:txBody>
+                    <a:bodyPr/>
+                    <a:p>
+                      <a:pPr indent="0">
+                        <a:buNone/>
+                      </a:pPr>
+                      <a:endParaRPr lang="zh-CN" altLang="en-US"/>
+                    </a:p>
+                  </a:txBody>
+                  <a:tcPr marL="12700" marR="12700" marT="12700" vert="horz" anchor="ctr">
+                    <a:lnL>
+                      <a:noFill/>
+                    </a:lnL>
+                    <a:lnR>
+                      <a:noFill/>
+                    </a:lnR>
+                    <a:lnT cap="flat">
+                      <a:noFill/>
+                    </a:lnT>
+                    <a:lnB cap="flat">
+                      <a:noFill/>
+                    </a:lnB>
+                    <a:lnTlToBr>
+                      <a:noFill/>
+                    </a:lnTlToBr>
+                    <a:lnBlToTr>
+                      <a:noFill/>
+                    </a:lnBlToTr>
+                    <a:noFill/>
+                  </a:tcPr>
+                </a:tc>
+                <a:tc>
+                  <a:txBody>
+                    <a:bodyPr/>
+                    <a:p>
+                      <a:pPr indent="0">
+                        <a:buNone/>
+                      </a:pPr>
+                      <a:endParaRPr lang="zh-CN" altLang="en-US"/>
+                    </a:p>
+                  </a:txBody>
+                  <a:tcPr marL="12700" marR="12700" marT="12700" vert="horz" anchor="ctr">
+                    <a:lnL>
+                      <a:noFill/>
+                    </a:lnL>
+                    <a:lnR>
+                      <a:noFill/>
+                    </a:lnR>
+                    <a:lnT cap="flat">
+                      <a:noFill/>
+                    </a:lnT>
+                    <a:lnB cap="flat">
+                      <a:noFill/>
+                    </a:lnB>
+                    <a:lnTlToBr>
+                      <a:noFill/>
+                    </a:lnTlToBr>
+                    <a:lnBlToTr>
+                      <a:noFill/>
+                    </a:lnBlToTr>
+                    <a:noFill/>
+                  </a:tcPr>
+                </a:tc>
+                <a:tc>
+                  <a:txBody>
+                    <a:bodyPr/>
+                    <a:p>
+                      <a:pPr indent="0">
+                        <a:buNone/>
+                      </a:pPr>
+                      <a:endParaRPr lang="zh-CN" altLang="en-US"/>
+                    </a:p>
+                  </a:txBody>
+                  <a:tcPr marL="12700" marR="12700" marT="12700" vert="horz" anchor="ctr">
+                    <a:lnL>
+                      <a:noFill/>
+                    </a:lnL>
+                    <a:lnR>
+                      <a:noFill/>
+                    </a:lnR>
+                    <a:lnT cap="flat">
+                      <a:noFill/>
+                    </a:lnT>
+                    <a:lnB cap="flat">
+                      <a:noFill/>
+                    </a:lnB>
+                    <a:lnTlToBr>
+                      <a:noFill/>
+                    </a:lnTlToBr>
+                    <a:lnBlToTr>
+                      <a:noFill/>
+                    </a:lnBlToTr>
+                    <a:noFill/>
+                  </a:tcPr>
+                </a:tc>
+                <a:tc>
+                  <a:txBody>
+                    <a:bodyPr/>
+                    <a:p>
+                      <a:pPr indent="0">
+                        <a:buNone/>
+                      </a:pPr>
+                      <a:endParaRPr lang="zh-CN" altLang="en-US"/>
+                    </a:p>
+                  </a:txBody>
+                  <a:tcPr marL="12700" marR="12700" marT="12700" vert="horz" anchor="ctr">
+                    <a:lnL>
+                      <a:noFill/>
+                    </a:lnL>
+                    <a:lnR>
+                      <a:noFill/>
+                    </a:lnR>
+                    <a:lnT cap="flat">
+                      <a:noFill/>
+                    </a:lnT>
+                    <a:lnB cap="flat">
+                      <a:noFill/>
+                    </a:lnB>
+                    <a:lnTlToBr>
+                      <a:noFill/>
+                    </a:lnTlToBr>
+                    <a:lnBlToTr>
+                      <a:noFill/>
+                    </a:lnBlToTr>
+                    <a:noFill/>
+                  </a:tcPr>
+                </a:tc>
+                <a:tc>
+                  <a:txBody>
+                    <a:bodyPr/>
+                    <a:p>
+                      <a:pPr indent="0">
+                        <a:buNone/>
+                      </a:pPr>
+                      <a:endParaRPr lang="zh-CN" altLang="en-US"/>
+                    </a:p>
+                  </a:txBody>
+                  <a:tcPr marL="12700" marR="12700" marT="12700" vert="horz" anchor="ctr">
+                    <a:lnL>
+                      <a:noFill/>
+                    </a:lnL>
+                    <a:lnR>
+                      <a:noFill/>
+                    </a:lnR>
+                    <a:lnT cap="flat">
+                      <a:noFill/>
+                    </a:lnT>
+                    <a:lnB cap="flat">
+                      <a:noFill/>
+                    </a:lnB>
+                    <a:lnTlToBr>
+                      <a:noFill/>
+                    </a:lnTlToBr>
+                    <a:lnBlToTr>
+                      <a:noFill/>
+                    </a:lnBlToTr>
+                    <a:noFill/>
+                  </a:tcPr>
+                </a:tc>
+                <a:tc>
+                  <a:txBody>
+                    <a:bodyPr/>
+                    <a:p>
+                      <a:pPr indent="0">
+                        <a:buNone/>
+                      </a:pPr>
+                      <a:endParaRPr lang="zh-CN" altLang="en-US"/>
+                    </a:p>
+                  </a:txBody>
+                  <a:tcPr marL="12700" marR="12700" marT="12700" vert="horz" anchor="ctr">
+                    <a:lnL>
+                      <a:noFill/>
+                    </a:lnL>
+                    <a:lnR cap="flat">
+                      <a:noFill/>
+                    </a:lnR>
+                    <a:lnT cap="flat">
+                      <a:noFill/>
+                    </a:lnT>
+                    <a:lnB cap="flat">
+                      <a:noFill/>
+                    </a:lnB>
+                    <a:lnTlToBr>
+                      <a:noFill/>
+                    </a:lnTlToBr>
+                    <a:lnBlToTr>
+                      <a:noFill/>
+                    </a:lnBlToTr>
+                    <a:noFill/>
+                  </a:tcPr>
+                </a:tc>
+              </a:tr>
+              <a:tr h="177800">
+                <a:tc>
+                  <a:txBody>
+                    <a:bodyPr/>
+                    <a:p>
+                      <a:pPr indent="0">
+                        <a:buNone/>
+                      </a:pPr>
+                      <a:r>
+                        <a:rPr lang="zh-CN" sz="1200" b="0">
+                          <a:solidFill>
+                            <a:srgbClr val="000000"/>
+                          </a:solidFill>
+                          <a:ea typeface="宋体" panose="02010600030101010101" pitchFamily="2" charset="-122"/>
+                        </a:rPr>
+                        <a:t>火元素伤害（fireDamage)</a:t>
+                      </a:r>
+                      <a:endParaRPr lang="en-US" altLang="en-US" sz="1200" b="0">
+                        <a:solidFill>
+                          <a:srgbClr val="000000"/>
+                        </a:solidFill>
+                        <a:latin typeface="宋体" panose="02010600030101010101" pitchFamily="2" charset="-122"/>
+                      </a:endParaRPr>
+                    </a:p>
+                  </a:txBody>
+                  <a:tcPr marL="12700" marR="12700" marT="12700" vert="horz" anchor="ctr">
+                    <a:lnL>
+                      <a:noFill/>
+                    </a:lnL>
+                    <a:lnR>
+                      <a:noFill/>
+                    </a:lnR>
+                    <a:lnT cap="flat">
+                      <a:noFill/>
+                    </a:lnT>
+                    <a:lnB cap="flat">
+                      <a:noFill/>
+                    </a:lnB>
+                    <a:lnTlToBr>
+                      <a:noFill/>
+                    </a:lnTlToBr>
+                    <a:lnBlToTr>
+                      <a:noFill/>
+                    </a:lnBlToTr>
+                    <a:noFill/>
+                  </a:tcPr>
+                </a:tc>
+                <a:tc>
+                  <a:txBody>
+                    <a:bodyPr/>
+                    <a:p>
+                      <a:pPr indent="0">
+                        <a:buNone/>
+                      </a:pPr>
+                      <a:endParaRPr lang="zh-CN" altLang="en-US"/>
+                    </a:p>
+                  </a:txBody>
+                  <a:tcPr marL="12700" marR="12700" marT="12700" vert="horz" anchor="ctr">
+                    <a:lnL>
+                      <a:noFill/>
+                    </a:lnL>
+                    <a:lnR>
+                      <a:noFill/>
+                    </a:lnR>
+                    <a:lnT cap="flat">
+                      <a:noFill/>
+                    </a:lnT>
+                    <a:lnB cap="flat">
+                      <a:noFill/>
+                    </a:lnB>
+                    <a:lnTlToBr>
+                      <a:noFill/>
+                    </a:lnTlToBr>
+                    <a:lnBlToTr>
+                      <a:noFill/>
+                    </a:lnBlToTr>
+                    <a:noFill/>
+                  </a:tcPr>
+                </a:tc>
+                <a:tc>
+                  <a:txBody>
+                    <a:bodyPr/>
+                    <a:p>
+                      <a:pPr indent="0">
+                        <a:buNone/>
+                      </a:pPr>
+                      <a:endParaRPr lang="zh-CN" altLang="en-US"/>
+                    </a:p>
+                  </a:txBody>
+                  <a:tcPr marL="12700" marR="12700" marT="12700" vert="horz" anchor="ctr">
+                    <a:lnL>
+                      <a:noFill/>
+                    </a:lnL>
+                    <a:lnR>
+                      <a:noFill/>
+                    </a:lnR>
+                    <a:lnT cap="flat">
+                      <a:noFill/>
+                    </a:lnT>
+                    <a:lnB cap="flat">
+                      <a:noFill/>
+                    </a:lnB>
+                    <a:lnTlToBr>
+                      <a:noFill/>
+                    </a:lnTlToBr>
+                    <a:lnBlToTr>
+                      <a:noFill/>
+                    </a:lnBlToTr>
+                    <a:noFill/>
+                  </a:tcPr>
+                </a:tc>
+                <a:tc>
+                  <a:txBody>
+                    <a:bodyPr/>
+                    <a:p>
+                      <a:pPr indent="0">
+                        <a:buNone/>
+                      </a:pPr>
+                      <a:endParaRPr lang="zh-CN" altLang="en-US"/>
+                    </a:p>
+                  </a:txBody>
+                  <a:tcPr marL="12700" marR="12700" marT="12700" vert="horz" anchor="ctr">
+                    <a:lnL>
+                      <a:noFill/>
+                    </a:lnL>
+                    <a:lnR>
+                      <a:noFill/>
+                    </a:lnR>
+                    <a:lnT cap="flat">
+                      <a:noFill/>
+                    </a:lnT>
+                    <a:lnB cap="flat">
+                      <a:noFill/>
+                    </a:lnB>
+                    <a:lnTlToBr>
+                      <a:noFill/>
+                    </a:lnTlToBr>
+                    <a:lnBlToTr>
+                      <a:noFill/>
+                    </a:lnBlToTr>
+                    <a:noFill/>
+                  </a:tcPr>
+                </a:tc>
+                <a:tc>
+                  <a:txBody>
+                    <a:bodyPr/>
+                    <a:p>
+                      <a:pPr indent="0">
+                        <a:buNone/>
+                      </a:pPr>
+                      <a:endParaRPr lang="zh-CN" altLang="en-US"/>
+                    </a:p>
+                  </a:txBody>
+                  <a:tcPr marL="12700" marR="12700" marT="12700" vert="horz" anchor="ctr">
+                    <a:lnL>
+                      <a:noFill/>
+                    </a:lnL>
+                    <a:lnR>
+                      <a:noFill/>
+                    </a:lnR>
+                    <a:lnT cap="flat">
+                      <a:noFill/>
+                    </a:lnT>
+                    <a:lnB cap="flat">
+                      <a:noFill/>
+                    </a:lnB>
+                    <a:lnTlToBr>
+                      <a:noFill/>
+                    </a:lnTlToBr>
+                    <a:lnBlToTr>
+                      <a:noFill/>
+                    </a:lnBlToTr>
+                    <a:noFill/>
+                  </a:tcPr>
+                </a:tc>
+                <a:tc>
+                  <a:txBody>
+                    <a:bodyPr/>
+                    <a:p>
+                      <a:pPr indent="0">
+                        <a:buNone/>
+                      </a:pPr>
+                      <a:endParaRPr lang="zh-CN" altLang="en-US"/>
+                    </a:p>
+                  </a:txBody>
+                  <a:tcPr marL="12700" marR="12700" marT="12700" vert="horz" anchor="ctr">
+                    <a:lnL>
+                      <a:noFill/>
+                    </a:lnL>
+                    <a:lnR>
+                      <a:noFill/>
+                    </a:lnR>
+                    <a:lnT cap="flat">
+                      <a:noFill/>
+                    </a:lnT>
+                    <a:lnB cap="flat">
+                      <a:noFill/>
+                    </a:lnB>
+                    <a:lnTlToBr>
+                      <a:noFill/>
+                    </a:lnTlToBr>
+                    <a:lnBlToTr>
+                      <a:noFill/>
+                    </a:lnBlToTr>
+                    <a:noFill/>
+                  </a:tcPr>
+                </a:tc>
+                <a:tc>
+                  <a:txBody>
+                    <a:bodyPr/>
+                    <a:p>
+                      <a:pPr indent="0">
+                        <a:buNone/>
+                      </a:pPr>
+                      <a:endParaRPr lang="zh-CN" altLang="en-US"/>
+                    </a:p>
+                  </a:txBody>
+                  <a:tcPr marL="12700" marR="12700" marT="12700" vert="horz" anchor="ctr">
+                    <a:lnL>
+                      <a:noFill/>
+                    </a:lnL>
+                    <a:lnR>
+                      <a:noFill/>
+                    </a:lnR>
+                    <a:lnT cap="flat">
+                      <a:noFill/>
+                    </a:lnT>
+                    <a:lnB cap="flat">
+                      <a:noFill/>
+                    </a:lnB>
+                    <a:lnTlToBr>
+                      <a:noFill/>
+                    </a:lnTlToBr>
+                    <a:lnBlToTr>
+                      <a:noFill/>
+                    </a:lnBlToTr>
+                    <a:noFill/>
+                  </a:tcPr>
+                </a:tc>
+                <a:tc>
+                  <a:txBody>
+                    <a:bodyPr/>
+                    <a:p>
+                      <a:pPr indent="0">
+                        <a:buNone/>
+                      </a:pPr>
+                      <a:endParaRPr lang="zh-CN" altLang="en-US"/>
+                    </a:p>
+                  </a:txBody>
+                  <a:tcPr marL="12700" marR="12700" marT="12700" vert="horz" anchor="ctr">
+                    <a:lnL>
+                      <a:noFill/>
+                    </a:lnL>
+                    <a:lnR>
+                      <a:noFill/>
+                    </a:lnR>
+                    <a:lnT cap="flat">
+                      <a:noFill/>
+                    </a:lnT>
+                    <a:lnB cap="flat">
+                      <a:noFill/>
+                    </a:lnB>
+                    <a:lnTlToBr>
+                      <a:noFill/>
+                    </a:lnTlToBr>
+                    <a:lnBlToTr>
+                      <a:noFill/>
+                    </a:lnBlToTr>
+                    <a:noFill/>
+                  </a:tcPr>
+                </a:tc>
+                <a:tc>
+                  <a:txBody>
+                    <a:bodyPr/>
+                    <a:p>
+                      <a:pPr indent="0">
+                        <a:buNone/>
+                      </a:pPr>
+                      <a:endParaRPr lang="zh-CN" altLang="en-US"/>
+                    </a:p>
+                  </a:txBody>
+                  <a:tcPr marL="12700" marR="12700" marT="12700" vert="horz" anchor="ctr">
+                    <a:lnL>
+                      <a:noFill/>
+                    </a:lnL>
+                    <a:lnR>
+                      <a:noFill/>
+                    </a:lnR>
+                    <a:lnT cap="flat">
+                      <a:noFill/>
+                    </a:lnT>
+                    <a:lnB cap="flat">
+                      <a:noFill/>
+                    </a:lnB>
+                    <a:lnTlToBr>
+                      <a:noFill/>
+                    </a:lnTlToBr>
+                    <a:lnBlToTr>
+                      <a:noFill/>
+                    </a:lnBlToTr>
+                    <a:noFill/>
+                  </a:tcPr>
+                </a:tc>
+                <a:tc>
+                  <a:txBody>
+                    <a:bodyPr/>
+                    <a:p>
+                      <a:pPr indent="0">
+                        <a:buNone/>
+                      </a:pPr>
+                      <a:endParaRPr lang="zh-CN" altLang="en-US"/>
+                    </a:p>
+                  </a:txBody>
+                  <a:tcPr marL="12700" marR="12700" marT="12700" vert="horz" anchor="ctr">
+                    <a:lnL>
+                      <a:noFill/>
+                    </a:lnL>
+                    <a:lnR>
+                      <a:noFill/>
+                    </a:lnR>
+                    <a:lnT cap="flat">
+                      <a:noFill/>
+                    </a:lnT>
+                    <a:lnB cap="flat">
+                      <a:noFill/>
+                    </a:lnB>
+                    <a:lnTlToBr>
+                      <a:noFill/>
+                    </a:lnTlToBr>
+                    <a:lnBlToTr>
+                      <a:noFill/>
+                    </a:lnBlToTr>
+                    <a:noFill/>
+                  </a:tcPr>
+                </a:tc>
+                <a:tc>
+                  <a:txBody>
+                    <a:bodyPr/>
+                    <a:p>
+                      <a:pPr indent="0">
+                        <a:buNone/>
+                      </a:pPr>
+                      <a:endParaRPr lang="zh-CN" altLang="en-US"/>
+                    </a:p>
+                  </a:txBody>
+                  <a:tcPr marL="12700" marR="12700" marT="12700" vert="horz" anchor="ctr">
+                    <a:lnL>
+                      <a:noFill/>
+                    </a:lnL>
+                    <a:lnR>
+                      <a:noFill/>
+                    </a:lnR>
+                    <a:lnT cap="flat">
+                      <a:noFill/>
+                    </a:lnT>
+                    <a:lnB cap="flat">
+                      <a:noFill/>
+                    </a:lnB>
+                    <a:lnTlToBr>
+                      <a:noFill/>
+                    </a:lnTlToBr>
+                    <a:lnBlToTr>
+                      <a:noFill/>
+                    </a:lnBlToTr>
+                    <a:noFill/>
+                  </a:tcPr>
+                </a:tc>
+                <a:tc>
+                  <a:txBody>
+                    <a:bodyPr/>
+                    <a:p>
+                      <a:pPr indent="0">
+                        <a:buNone/>
+                      </a:pPr>
+                      <a:endParaRPr lang="zh-CN" altLang="en-US"/>
+                    </a:p>
+                  </a:txBody>
+                  <a:tcPr marL="12700" marR="12700" marT="12700" vert="horz" anchor="ctr">
+                    <a:lnL>
+                      <a:noFill/>
+                    </a:lnL>
+                    <a:lnR cap="flat">
+                      <a:noFill/>
+                    </a:lnR>
+                    <a:lnT cap="flat">
+                      <a:noFill/>
+                    </a:lnT>
+                    <a:lnB cap="flat">
+                      <a:noFill/>
+                    </a:lnB>
+                    <a:lnTlToBr>
+                      <a:noFill/>
+                    </a:lnTlToBr>
+                    <a:lnBlToTr>
+                      <a:noFill/>
+                    </a:lnBlToTr>
+                    <a:noFill/>
+                  </a:tcPr>
+                </a:tc>
+              </a:tr>
+              <a:tr h="177800">
+                <a:tc>
+                  <a:txBody>
+                    <a:bodyPr/>
+                    <a:p>
+                      <a:pPr indent="0">
+                        <a:buNone/>
+                      </a:pPr>
+                      <a:r>
+                        <a:rPr lang="zh-CN" sz="1200" b="0">
+                          <a:solidFill>
+                            <a:srgbClr val="000000"/>
+                          </a:solidFill>
+                          <a:ea typeface="宋体" panose="02010600030101010101" pitchFamily="2" charset="-122"/>
+                        </a:rPr>
+                        <a:t>水元素伤害（waterDamage）</a:t>
+                      </a:r>
+                      <a:endParaRPr lang="en-US" altLang="en-US" sz="1200" b="0">
+                        <a:solidFill>
+                          <a:srgbClr val="000000"/>
+                        </a:solidFill>
+                        <a:latin typeface="宋体" panose="02010600030101010101" pitchFamily="2" charset="-122"/>
+                      </a:endParaRPr>
+                    </a:p>
+                  </a:txBody>
+                  <a:tcPr marL="12700" marR="12700" marT="12700" vert="horz" anchor="ctr">
+                    <a:lnL>
+                      <a:noFill/>
+                    </a:lnL>
+                    <a:lnR>
+                      <a:noFill/>
+                    </a:lnR>
+                    <a:lnT cap="flat">
+                      <a:noFill/>
+                    </a:lnT>
+                    <a:lnB cap="flat">
+                      <a:noFill/>
+                    </a:lnB>
+                    <a:lnTlToBr>
+                      <a:noFill/>
+                    </a:lnTlToBr>
+                    <a:lnBlToTr>
+                      <a:noFill/>
+                    </a:lnBlToTr>
+                    <a:noFill/>
+                  </a:tcPr>
+                </a:tc>
+                <a:tc>
+                  <a:txBody>
+                    <a:bodyPr/>
+                    <a:p>
+                      <a:pPr indent="0">
+                        <a:buNone/>
+                      </a:pPr>
+                      <a:endParaRPr lang="zh-CN" altLang="en-US"/>
+                    </a:p>
+                  </a:txBody>
+                  <a:tcPr marL="12700" marR="12700" marT="12700" vert="horz" anchor="ctr">
+                    <a:lnL>
+                      <a:noFill/>
+                    </a:lnL>
+                    <a:lnR>
+                      <a:noFill/>
+                    </a:lnR>
+                    <a:lnT cap="flat">
+                      <a:noFill/>
+                    </a:lnT>
+                    <a:lnB cap="flat">
+                      <a:noFill/>
+                    </a:lnB>
+                    <a:lnTlToBr>
+                      <a:noFill/>
+                    </a:lnTlToBr>
+                    <a:lnBlToTr>
+                      <a:noFill/>
+                    </a:lnBlToTr>
+                    <a:noFill/>
+                  </a:tcPr>
+                </a:tc>
+                <a:tc>
+                  <a:txBody>
+                    <a:bodyPr/>
+                    <a:p>
+                      <a:pPr indent="0">
+                        <a:buNone/>
+                      </a:pPr>
+                      <a:endParaRPr lang="zh-CN" altLang="en-US"/>
+                    </a:p>
+                  </a:txBody>
+                  <a:tcPr marL="12700" marR="12700" marT="12700" vert="horz" anchor="ctr">
+                    <a:lnL>
+                      <a:noFill/>
+                    </a:lnL>
+                    <a:lnR>
+                      <a:noFill/>
+                    </a:lnR>
+                    <a:lnT cap="flat">
+                      <a:noFill/>
+                    </a:lnT>
+                    <a:lnB cap="flat">
+                      <a:noFill/>
+                    </a:lnB>
+                    <a:lnTlToBr>
+                      <a:noFill/>
+                    </a:lnTlToBr>
+                    <a:lnBlToTr>
+                      <a:noFill/>
+                    </a:lnBlToTr>
+                    <a:noFill/>
+                  </a:tcPr>
+                </a:tc>
+                <a:tc>
+                  <a:txBody>
+                    <a:bodyPr/>
+                    <a:p>
+                      <a:pPr indent="0">
+                        <a:buNone/>
+                      </a:pPr>
+                      <a:endParaRPr lang="zh-CN" altLang="en-US"/>
+                    </a:p>
+                  </a:txBody>
+                  <a:tcPr marL="12700" marR="12700" marT="12700" vert="horz" anchor="ctr">
+                    <a:lnL>
+                      <a:noFill/>
+                    </a:lnL>
+                    <a:lnR>
+                      <a:noFill/>
+                    </a:lnR>
+                    <a:lnT cap="flat">
+                      <a:noFill/>
+                    </a:lnT>
+                    <a:lnB cap="flat">
+                      <a:noFill/>
+                    </a:lnB>
+                    <a:lnTlToBr>
+                      <a:noFill/>
+                    </a:lnTlToBr>
+                    <a:lnBlToTr>
+                      <a:noFill/>
+                    </a:lnBlToTr>
+                    <a:noFill/>
+                  </a:tcPr>
+                </a:tc>
+                <a:tc>
+                  <a:txBody>
+                    <a:bodyPr/>
+                    <a:p>
+                      <a:pPr indent="0">
+                        <a:buNone/>
+                      </a:pPr>
+                      <a:endParaRPr lang="zh-CN" altLang="en-US"/>
+                    </a:p>
+                  </a:txBody>
+                  <a:tcPr marL="12700" marR="12700" marT="12700" vert="horz" anchor="ctr">
+                    <a:lnL>
+                      <a:noFill/>
+                    </a:lnL>
+                    <a:lnR>
+                      <a:noFill/>
+                    </a:lnR>
+                    <a:lnT cap="flat">
+                      <a:noFill/>
+                    </a:lnT>
+                    <a:lnB cap="flat">
+                      <a:noFill/>
+                    </a:lnB>
+                    <a:lnTlToBr>
+                      <a:noFill/>
+                    </a:lnTlToBr>
+                    <a:lnBlToTr>
+                      <a:noFill/>
+                    </a:lnBlToTr>
+                    <a:noFill/>
+                  </a:tcPr>
+                </a:tc>
+                <a:tc>
+                  <a:txBody>
+                    <a:bodyPr/>
+                    <a:p>
+                      <a:pPr indent="0">
+                        <a:buNone/>
+                      </a:pPr>
+                      <a:endParaRPr lang="zh-CN" altLang="en-US"/>
+                    </a:p>
+                  </a:txBody>
+                  <a:tcPr marL="12700" marR="12700" marT="12700" vert="horz" anchor="ctr">
+                    <a:lnL>
+                      <a:noFill/>
+                    </a:lnL>
+                    <a:lnR>
+                      <a:noFill/>
+                    </a:lnR>
+                    <a:lnT cap="flat">
+                      <a:noFill/>
+                    </a:lnT>
+                    <a:lnB cap="flat">
+                      <a:noFill/>
+                    </a:lnB>
+                    <a:lnTlToBr>
+                      <a:noFill/>
+                    </a:lnTlToBr>
+                    <a:lnBlToTr>
+                      <a:noFill/>
+                    </a:lnBlToTr>
+                    <a:noFill/>
+                  </a:tcPr>
+                </a:tc>
+                <a:tc>
+                  <a:txBody>
+                    <a:bodyPr/>
+                    <a:p>
+                      <a:pPr indent="0">
+                        <a:buNone/>
+                      </a:pPr>
+                      <a:endParaRPr lang="zh-CN" altLang="en-US"/>
+                    </a:p>
+                  </a:txBody>
+                  <a:tcPr marL="12700" marR="12700" marT="12700" vert="horz" anchor="ctr">
+                    <a:lnL>
+                      <a:noFill/>
+                    </a:lnL>
+                    <a:lnR>
+                      <a:noFill/>
+                    </a:lnR>
+                    <a:lnT cap="flat">
+                      <a:noFill/>
+                    </a:lnT>
+                    <a:lnB cap="flat">
+                      <a:noFill/>
+                    </a:lnB>
+                    <a:lnTlToBr>
+                      <a:noFill/>
+                    </a:lnTlToBr>
+                    <a:lnBlToTr>
+                      <a:noFill/>
+                    </a:lnBlToTr>
+                    <a:noFill/>
+                  </a:tcPr>
+                </a:tc>
+                <a:tc>
+                  <a:txBody>
+                    <a:bodyPr/>
+                    <a:p>
+                      <a:pPr indent="0">
+                        <a:buNone/>
+                      </a:pPr>
+                      <a:endParaRPr lang="zh-CN" altLang="en-US"/>
+                    </a:p>
+                  </a:txBody>
+                  <a:tcPr marL="12700" marR="12700" marT="12700" vert="horz" anchor="ctr">
+                    <a:lnL>
+                      <a:noFill/>
+                    </a:lnL>
+                    <a:lnR>
+                      <a:noFill/>
+                    </a:lnR>
+                    <a:lnT cap="flat">
+                      <a:noFill/>
+                    </a:lnT>
+                    <a:lnB cap="flat">
+                      <a:noFill/>
+                    </a:lnB>
+                    <a:lnTlToBr>
+                      <a:noFill/>
+                    </a:lnTlToBr>
+                    <a:lnBlToTr>
+                      <a:noFill/>
+                    </a:lnBlToTr>
+                    <a:noFill/>
+                  </a:tcPr>
+                </a:tc>
+                <a:tc>
+                  <a:txBody>
+                    <a:bodyPr/>
+                    <a:p>
+                      <a:pPr indent="0">
+                        <a:buNone/>
+                      </a:pPr>
+                      <a:endParaRPr lang="zh-CN" altLang="en-US"/>
+                    </a:p>
+                  </a:txBody>
+                  <a:tcPr marL="12700" marR="12700" marT="12700" vert="horz" anchor="ctr">
+                    <a:lnL>
+                      <a:noFill/>
+                    </a:lnL>
+                    <a:lnR>
+                      <a:noFill/>
+                    </a:lnR>
+                    <a:lnT cap="flat">
+                      <a:noFill/>
+                    </a:lnT>
+                    <a:lnB cap="flat">
+                      <a:noFill/>
+                    </a:lnB>
+                    <a:lnTlToBr>
+                      <a:noFill/>
+                    </a:lnTlToBr>
+                    <a:lnBlToTr>
+                      <a:noFill/>
+                    </a:lnBlToTr>
+                    <a:noFill/>
+                  </a:tcPr>
+                </a:tc>
+                <a:tc>
+                  <a:txBody>
+                    <a:bodyPr/>
+                    <a:p>
+                      <a:pPr indent="0">
+                        <a:buNone/>
+                      </a:pPr>
+                      <a:endParaRPr lang="zh-CN" altLang="en-US"/>
+                    </a:p>
+                  </a:txBody>
+                  <a:tcPr marL="12700" marR="12700" marT="12700" vert="horz" anchor="ctr">
+                    <a:lnL>
+                      <a:noFill/>
+                    </a:lnL>
+                    <a:lnR>
+                      <a:noFill/>
+                    </a:lnR>
+                    <a:lnT cap="flat">
+                      <a:noFill/>
+                    </a:lnT>
+                    <a:lnB cap="flat">
+                      <a:noFill/>
+                    </a:lnB>
+                    <a:lnTlToBr>
+                      <a:noFill/>
+                    </a:lnTlToBr>
+                    <a:lnBlToTr>
+                      <a:noFill/>
+                    </a:lnBlToTr>
+                    <a:noFill/>
+                  </a:tcPr>
+                </a:tc>
+                <a:tc>
+                  <a:txBody>
+                    <a:bodyPr/>
+                    <a:p>
+                      <a:pPr indent="0">
+                        <a:buNone/>
+                      </a:pPr>
+                      <a:endParaRPr lang="zh-CN" altLang="en-US"/>
+                    </a:p>
+                  </a:txBody>
+                  <a:tcPr marL="12700" marR="12700" marT="12700" vert="horz" anchor="ctr">
+                    <a:lnL>
+                      <a:noFill/>
+                    </a:lnL>
+                    <a:lnR>
+                      <a:noFill/>
+                    </a:lnR>
+                    <a:lnT cap="flat">
+                      <a:noFill/>
+                    </a:lnT>
+                    <a:lnB cap="flat">
+                      <a:noFill/>
+                    </a:lnB>
+                    <a:lnTlToBr>
+                      <a:noFill/>
+                    </a:lnTlToBr>
+                    <a:lnBlToTr>
+                      <a:noFill/>
+                    </a:lnBlToTr>
+                    <a:noFill/>
+                  </a:tcPr>
+                </a:tc>
+                <a:tc>
+                  <a:txBody>
+                    <a:bodyPr/>
+                    <a:p>
+                      <a:pPr indent="0">
+                        <a:buNone/>
+                      </a:pPr>
+                      <a:endParaRPr lang="zh-CN" altLang="en-US"/>
+                    </a:p>
+                  </a:txBody>
+                  <a:tcPr marL="12700" marR="12700" marT="12700" vert="horz" anchor="ctr">
+                    <a:lnL>
+                      <a:noFill/>
+                    </a:lnL>
+                    <a:lnR cap="flat">
+                      <a:noFill/>
+                    </a:lnR>
+                    <a:lnT cap="flat">
+                      <a:noFill/>
+                    </a:lnT>
+                    <a:lnB cap="flat">
+                      <a:noFill/>
+                    </a:lnB>
+                    <a:lnTlToBr>
+                      <a:noFill/>
+                    </a:lnTlToBr>
+                    <a:lnBlToTr>
+                      <a:noFill/>
+                    </a:lnBlToTr>
+                    <a:noFill/>
+                  </a:tcPr>
+                </a:tc>
+              </a:tr>
+              <a:tr h="177800">
+                <a:tc>
+                  <a:txBody>
+                    <a:bodyPr/>
+                    <a:p>
+                      <a:pPr indent="0">
+                        <a:buNone/>
+                      </a:pPr>
+                      <a:r>
+                        <a:rPr lang="zh-CN" sz="1200" b="0">
+                          <a:solidFill>
+                            <a:srgbClr val="000000"/>
+                          </a:solidFill>
+                          <a:ea typeface="宋体" panose="02010600030101010101" pitchFamily="2" charset="-122"/>
+                        </a:rPr>
+                        <a:t>电元素伤害（lightningDamgage）</a:t>
+                      </a:r>
+                      <a:endParaRPr lang="en-US" altLang="en-US" sz="1200" b="0">
+                        <a:solidFill>
+                          <a:srgbClr val="000000"/>
+                        </a:solidFill>
+                        <a:latin typeface="宋体" panose="02010600030101010101" pitchFamily="2" charset="-122"/>
+                      </a:endParaRPr>
+                    </a:p>
+                  </a:txBody>
+                  <a:tcPr marL="12700" marR="12700" marT="12700" vert="horz" anchor="ctr">
+                    <a:lnL>
+                      <a:noFill/>
+                    </a:lnL>
+                    <a:lnR>
+                      <a:noFill/>
+                    </a:lnR>
+                    <a:lnT cap="flat">
+                      <a:noFill/>
+                    </a:lnT>
+                    <a:lnB cap="flat">
+                      <a:noFill/>
+                    </a:lnB>
+                    <a:lnTlToBr>
+                      <a:noFill/>
+                    </a:lnTlToBr>
+                    <a:lnBlToTr>
+                      <a:noFill/>
+                    </a:lnBlToTr>
+                    <a:noFill/>
+                  </a:tcPr>
+                </a:tc>
+                <a:tc>
+                  <a:txBody>
+                    <a:bodyPr/>
+                    <a:p>
+                      <a:pPr indent="0">
+                        <a:buNone/>
+                      </a:pPr>
+                      <a:endParaRPr lang="zh-CN" altLang="en-US"/>
+                    </a:p>
+                  </a:txBody>
+                  <a:tcPr marL="12700" marR="12700" marT="12700" vert="horz" anchor="ctr">
+                    <a:lnL>
+                      <a:noFill/>
+                    </a:lnL>
+                    <a:lnR>
+                      <a:noFill/>
+                    </a:lnR>
+                    <a:lnT cap="flat">
+                      <a:noFill/>
+                    </a:lnT>
+                    <a:lnB cap="flat">
+                      <a:noFill/>
+                    </a:lnB>
+                    <a:lnTlToBr>
+                      <a:noFill/>
+                    </a:lnTlToBr>
+                    <a:lnBlToTr>
+                      <a:noFill/>
+                    </a:lnBlToTr>
+                    <a:noFill/>
+                  </a:tcPr>
+                </a:tc>
+                <a:tc>
+                  <a:txBody>
+                    <a:bodyPr/>
+                    <a:p>
+                      <a:pPr indent="0">
+                        <a:buNone/>
+                      </a:pPr>
+                      <a:endParaRPr lang="zh-CN" altLang="en-US"/>
+                    </a:p>
+                  </a:txBody>
+                  <a:tcPr marL="12700" marR="12700" marT="12700" vert="horz" anchor="ctr">
+                    <a:lnL>
+                      <a:noFill/>
+                    </a:lnL>
+                    <a:lnR>
+                      <a:noFill/>
+                    </a:lnR>
+                    <a:lnT cap="flat">
+                      <a:noFill/>
+                    </a:lnT>
+                    <a:lnB cap="flat">
+                      <a:noFill/>
+                    </a:lnB>
+                    <a:lnTlToBr>
+                      <a:noFill/>
+                    </a:lnTlToBr>
+                    <a:lnBlToTr>
+                      <a:noFill/>
+                    </a:lnBlToTr>
+                    <a:noFill/>
+                  </a:tcPr>
+                </a:tc>
+                <a:tc>
+                  <a:txBody>
+                    <a:bodyPr/>
+                    <a:p>
+                      <a:pPr indent="0">
+                        <a:buNone/>
+                      </a:pPr>
+                      <a:endParaRPr lang="zh-CN" altLang="en-US"/>
+                    </a:p>
+                  </a:txBody>
+                  <a:tcPr marL="12700" marR="12700" marT="12700" vert="horz" anchor="ctr">
+                    <a:lnL>
+                      <a:noFill/>
+                    </a:lnL>
+                    <a:lnR>
+                      <a:noFill/>
+                    </a:lnR>
+                    <a:lnT cap="flat">
+                      <a:noFill/>
+                    </a:lnT>
+                    <a:lnB cap="flat">
+                      <a:noFill/>
+                    </a:lnB>
+                    <a:lnTlToBr>
+                      <a:noFill/>
+                    </a:lnTlToBr>
+                    <a:lnBlToTr>
+                      <a:noFill/>
+                    </a:lnBlToTr>
+                    <a:noFill/>
+                  </a:tcPr>
+                </a:tc>
+                <a:tc>
+                  <a:txBody>
+                    <a:bodyPr/>
+                    <a:p>
+                      <a:pPr indent="0">
+                        <a:buNone/>
+                      </a:pPr>
+                      <a:endParaRPr lang="zh-CN" altLang="en-US"/>
+                    </a:p>
+                  </a:txBody>
+                  <a:tcPr marL="12700" marR="12700" marT="12700" vert="horz" anchor="ctr">
+                    <a:lnL>
+                      <a:noFill/>
+                    </a:lnL>
+                    <a:lnR>
+                      <a:noFill/>
+                    </a:lnR>
+                    <a:lnT cap="flat">
+                      <a:noFill/>
+                    </a:lnT>
+                    <a:lnB cap="flat">
+                      <a:noFill/>
+                    </a:lnB>
+                    <a:lnTlToBr>
+                      <a:noFill/>
+                    </a:lnTlToBr>
+                    <a:lnBlToTr>
+                      <a:noFill/>
+                    </a:lnBlToTr>
+                    <a:noFill/>
+                  </a:tcPr>
+                </a:tc>
+                <a:tc>
+                  <a:txBody>
+                    <a:bodyPr/>
+                    <a:p>
+                      <a:pPr indent="0">
+                        <a:buNone/>
+                      </a:pPr>
+                      <a:endParaRPr lang="zh-CN" altLang="en-US"/>
+                    </a:p>
+                  </a:txBody>
+                  <a:tcPr marL="12700" marR="12700" marT="12700" vert="horz" anchor="ctr">
+                    <a:lnL>
+                      <a:noFill/>
+                    </a:lnL>
+                    <a:lnR>
+                      <a:noFill/>
+                    </a:lnR>
+                    <a:lnT cap="flat">
+                      <a:noFill/>
+                    </a:lnT>
+                    <a:lnB cap="flat">
+                      <a:noFill/>
+                    </a:lnB>
+                    <a:lnTlToBr>
+                      <a:noFill/>
+                    </a:lnTlToBr>
+                    <a:lnBlToTr>
+                      <a:noFill/>
+                    </a:lnBlToTr>
+                    <a:noFill/>
+                  </a:tcPr>
+                </a:tc>
+                <a:tc>
+                  <a:txBody>
+                    <a:bodyPr/>
+                    <a:p>
+                      <a:pPr indent="0">
+                        <a:buNone/>
+                      </a:pPr>
+                      <a:endParaRPr lang="zh-CN" altLang="en-US"/>
+                    </a:p>
+                  </a:txBody>
+                  <a:tcPr marL="12700" marR="12700" marT="12700" vert="horz" anchor="ctr">
+                    <a:lnL>
+                      <a:noFill/>
+                    </a:lnL>
+                    <a:lnR>
+                      <a:noFill/>
+                    </a:lnR>
+                    <a:lnT cap="flat">
+                      <a:noFill/>
+                    </a:lnT>
+                    <a:lnB cap="flat">
+                      <a:noFill/>
+                    </a:lnB>
+                    <a:lnTlToBr>
+                      <a:noFill/>
+                    </a:lnTlToBr>
+                    <a:lnBlToTr>
+                      <a:noFill/>
+                    </a:lnBlToTr>
+                    <a:noFill/>
+                  </a:tcPr>
+                </a:tc>
+                <a:tc>
+                  <a:txBody>
+                    <a:bodyPr/>
+                    <a:p>
+                      <a:pPr indent="0">
+                        <a:buNone/>
+                      </a:pPr>
+                      <a:endParaRPr lang="zh-CN" altLang="en-US"/>
+                    </a:p>
+                  </a:txBody>
+                  <a:tcPr marL="12700" marR="12700" marT="12700" vert="horz" anchor="ctr">
+                    <a:lnL>
+                      <a:noFill/>
+                    </a:lnL>
+                    <a:lnR>
+                      <a:noFill/>
+                    </a:lnR>
+                    <a:lnT cap="flat">
+                      <a:noFill/>
+                    </a:lnT>
+                    <a:lnB cap="flat">
+                      <a:noFill/>
+                    </a:lnB>
+                    <a:lnTlToBr>
+                      <a:noFill/>
+                    </a:lnTlToBr>
+                    <a:lnBlToTr>
+                      <a:noFill/>
+                    </a:lnBlToTr>
+                    <a:noFill/>
+                  </a:tcPr>
+                </a:tc>
+                <a:tc>
+                  <a:txBody>
+                    <a:bodyPr/>
+                    <a:p>
+                      <a:pPr indent="0">
+                        <a:buNone/>
+                      </a:pPr>
+                      <a:endParaRPr lang="zh-CN" altLang="en-US"/>
+                    </a:p>
+                  </a:txBody>
+                  <a:tcPr marL="12700" marR="12700" marT="12700" vert="horz" anchor="ctr">
+                    <a:lnL>
+                      <a:noFill/>
+                    </a:lnL>
+                    <a:lnR>
+                      <a:noFill/>
+                    </a:lnR>
+                    <a:lnT cap="flat">
+                      <a:noFill/>
+                    </a:lnT>
+                    <a:lnB cap="flat">
+                      <a:noFill/>
+                    </a:lnB>
+                    <a:lnTlToBr>
+                      <a:noFill/>
+                    </a:lnTlToBr>
+                    <a:lnBlToTr>
+                      <a:noFill/>
+                    </a:lnBlToTr>
+                    <a:noFill/>
+                  </a:tcPr>
+                </a:tc>
+                <a:tc>
+                  <a:txBody>
+                    <a:bodyPr/>
+                    <a:p>
+                      <a:pPr indent="0">
+                        <a:buNone/>
+                      </a:pPr>
+                      <a:endParaRPr lang="zh-CN" altLang="en-US"/>
+                    </a:p>
+                  </a:txBody>
+                  <a:tcPr marL="12700" marR="12700" marT="12700" vert="horz" anchor="ctr">
+                    <a:lnL>
+                      <a:noFill/>
+                    </a:lnL>
+                    <a:lnR>
+                      <a:noFill/>
+                    </a:lnR>
+                    <a:lnT cap="flat">
+                      <a:noFill/>
+                    </a:lnT>
+                    <a:lnB cap="flat">
+                      <a:noFill/>
+                    </a:lnB>
+                    <a:lnTlToBr>
+                      <a:noFill/>
+                    </a:lnTlToBr>
+                    <a:lnBlToTr>
+                      <a:noFill/>
+                    </a:lnBlToTr>
+                    <a:noFill/>
+                  </a:tcPr>
+                </a:tc>
+                <a:tc>
+                  <a:txBody>
+                    <a:bodyPr/>
+                    <a:p>
+                      <a:pPr indent="0">
+                        <a:buNone/>
+                      </a:pPr>
+                      <a:endParaRPr lang="zh-CN" altLang="en-US"/>
+                    </a:p>
+                  </a:txBody>
+                  <a:tcPr marL="12700" marR="12700" marT="12700" vert="horz" anchor="ctr">
+                    <a:lnL>
+                      <a:noFill/>
+                    </a:lnL>
+                    <a:lnR>
+                      <a:noFill/>
+                    </a:lnR>
+                    <a:lnT cap="flat">
+                      <a:noFill/>
+                    </a:lnT>
+                    <a:lnB cap="flat">
+                      <a:noFill/>
+                    </a:lnB>
+                    <a:lnTlToBr>
+                      <a:noFill/>
+                    </a:lnTlToBr>
+                    <a:lnBlToTr>
+                      <a:noFill/>
+                    </a:lnBlToTr>
+                    <a:noFill/>
+                  </a:tcPr>
+                </a:tc>
+                <a:tc>
+                  <a:txBody>
+                    <a:bodyPr/>
+                    <a:p>
+                      <a:pPr indent="0">
+                        <a:buNone/>
+                      </a:pPr>
+                      <a:endParaRPr lang="zh-CN" altLang="en-US"/>
+                    </a:p>
+                  </a:txBody>
+                  <a:tcPr marL="12700" marR="12700" marT="12700" vert="horz" anchor="ctr">
+                    <a:lnL>
+                      <a:noFill/>
+                    </a:lnL>
+                    <a:lnR cap="flat">
+                      <a:noFill/>
+                    </a:lnR>
+                    <a:lnT cap="flat">
+                      <a:noFill/>
+                    </a:lnT>
+                    <a:lnB cap="flat">
+                      <a:noFill/>
+                    </a:lnB>
+                    <a:lnTlToBr>
+                      <a:noFill/>
+                    </a:lnTlToBr>
+                    <a:lnBlToTr>
+                      <a:noFill/>
+                    </a:lnBlToTr>
+                    <a:noFill/>
+                  </a:tcPr>
+                </a:tc>
+              </a:tr>
+              <a:tr h="177800">
+                <a:tc>
+                  <a:txBody>
+                    <a:bodyPr/>
+                    <a:p>
+                      <a:pPr indent="0">
+                        <a:buNone/>
+                      </a:pPr>
+                      <a:endParaRPr lang="en-US" altLang="en-US" sz="1200" b="0">
+                        <a:solidFill>
+                          <a:srgbClr val="000000"/>
+                        </a:solidFill>
+                        <a:latin typeface="宋体" panose="02010600030101010101" pitchFamily="2" charset="-122"/>
+                      </a:endParaRPr>
+                    </a:p>
+                  </a:txBody>
+                  <a:tcPr marL="12700" marR="12700" marT="12700" vert="horz" anchor="ctr">
+                    <a:lnL>
+                      <a:noFill/>
+                    </a:lnL>
+                    <a:lnR>
+                      <a:noFill/>
+                    </a:lnR>
+                    <a:lnT cap="flat">
+                      <a:noFill/>
+                    </a:lnT>
+                    <a:lnB cap="flat">
+                      <a:noFill/>
+                    </a:lnB>
+                    <a:lnTlToBr>
+                      <a:noFill/>
+                    </a:lnTlToBr>
+                    <a:lnBlToTr>
+                      <a:noFill/>
+                    </a:lnBlToTr>
+                    <a:noFill/>
+                  </a:tcPr>
+                </a:tc>
+                <a:tc>
+                  <a:txBody>
+                    <a:bodyPr/>
+                    <a:p>
+                      <a:pPr indent="0">
+                        <a:buNone/>
+                      </a:pPr>
+                      <a:endParaRPr lang="zh-CN" altLang="en-US"/>
+                    </a:p>
+                  </a:txBody>
+                  <a:tcPr marL="12700" marR="12700" marT="12700" vert="horz" anchor="ctr">
+                    <a:lnL>
+                      <a:noFill/>
+                    </a:lnL>
+                    <a:lnR>
+                      <a:noFill/>
+                    </a:lnR>
+                    <a:lnT cap="flat">
+                      <a:noFill/>
+                    </a:lnT>
+                    <a:lnB cap="flat">
+                      <a:noFill/>
+                    </a:lnB>
+                    <a:lnTlToBr>
+                      <a:noFill/>
+                    </a:lnTlToBr>
+                    <a:lnBlToTr>
+                      <a:noFill/>
+                    </a:lnBlToTr>
+                    <a:noFill/>
+                  </a:tcPr>
+                </a:tc>
+                <a:tc>
+                  <a:txBody>
+                    <a:bodyPr/>
+                    <a:p>
+                      <a:pPr indent="0">
+                        <a:buNone/>
+                      </a:pPr>
+                      <a:endParaRPr lang="zh-CN" altLang="en-US"/>
+                    </a:p>
+                  </a:txBody>
+                  <a:tcPr marL="12700" marR="12700" marT="12700" vert="horz" anchor="ctr">
+                    <a:lnL>
+                      <a:noFill/>
+                    </a:lnL>
+                    <a:lnR>
+                      <a:noFill/>
+                    </a:lnR>
+                    <a:lnT cap="flat">
+                      <a:noFill/>
+                    </a:lnT>
+                    <a:lnB cap="flat">
+                      <a:noFill/>
+                    </a:lnB>
+                    <a:lnTlToBr>
+                      <a:noFill/>
+                    </a:lnTlToBr>
+                    <a:lnBlToTr>
+                      <a:noFill/>
+                    </a:lnBlToTr>
+                    <a:noFill/>
+                  </a:tcPr>
+                </a:tc>
+                <a:tc>
+                  <a:txBody>
+                    <a:bodyPr/>
+                    <a:p>
+                      <a:pPr indent="0">
+                        <a:buNone/>
+                      </a:pPr>
+                      <a:endParaRPr lang="zh-CN" altLang="en-US"/>
+                    </a:p>
+                  </a:txBody>
+                  <a:tcPr marL="12700" marR="12700" marT="12700" vert="horz" anchor="ctr">
+                    <a:lnL>
+                      <a:noFill/>
+                    </a:lnL>
+                    <a:lnR>
+                      <a:noFill/>
+                    </a:lnR>
+                    <a:lnT cap="flat">
+                      <a:noFill/>
+                    </a:lnT>
+                    <a:lnB cap="flat">
+                      <a:noFill/>
+                    </a:lnB>
+                    <a:lnTlToBr>
+                      <a:noFill/>
+                    </a:lnTlToBr>
+                    <a:lnBlToTr>
+                      <a:noFill/>
+                    </a:lnBlToTr>
+                    <a:noFill/>
+                  </a:tcPr>
+                </a:tc>
+                <a:tc>
+                  <a:txBody>
+                    <a:bodyPr/>
+                    <a:p>
+                      <a:pPr indent="0">
+                        <a:buNone/>
+                      </a:pPr>
+                      <a:endParaRPr lang="zh-CN" altLang="en-US"/>
+                    </a:p>
+                  </a:txBody>
+                  <a:tcPr marL="12700" marR="12700" marT="12700" vert="horz" anchor="ctr">
+                    <a:lnL>
+                      <a:noFill/>
+                    </a:lnL>
+                    <a:lnR>
+                      <a:noFill/>
+                    </a:lnR>
+                    <a:lnT cap="flat">
+                      <a:noFill/>
+                    </a:lnT>
+                    <a:lnB cap="flat">
+                      <a:noFill/>
+                    </a:lnB>
+                    <a:lnTlToBr>
+                      <a:noFill/>
+                    </a:lnTlToBr>
+                    <a:lnBlToTr>
+                      <a:noFill/>
+                    </a:lnBlToTr>
+                    <a:noFill/>
+                  </a:tcPr>
+                </a:tc>
+                <a:tc>
+                  <a:txBody>
+                    <a:bodyPr/>
+                    <a:p>
+                      <a:pPr indent="0">
+                        <a:buNone/>
+                      </a:pPr>
+                      <a:endParaRPr lang="zh-CN" altLang="en-US"/>
+                    </a:p>
+                  </a:txBody>
+                  <a:tcPr marL="12700" marR="12700" marT="12700" vert="horz" anchor="ctr">
+                    <a:lnL>
+                      <a:noFill/>
+                    </a:lnL>
+                    <a:lnR>
+                      <a:noFill/>
+                    </a:lnR>
+                    <a:lnT cap="flat">
+                      <a:noFill/>
+                    </a:lnT>
+                    <a:lnB cap="flat">
+                      <a:noFill/>
+                    </a:lnB>
+                    <a:lnTlToBr>
+                      <a:noFill/>
+                    </a:lnTlToBr>
+                    <a:lnBlToTr>
+                      <a:noFill/>
+                    </a:lnBlToTr>
+                    <a:noFill/>
+                  </a:tcPr>
+                </a:tc>
+                <a:tc>
+                  <a:txBody>
+                    <a:bodyPr/>
+                    <a:p>
+                      <a:pPr indent="0">
+                        <a:buNone/>
+                      </a:pPr>
+                      <a:endParaRPr lang="zh-CN" altLang="en-US"/>
+                    </a:p>
+                  </a:txBody>
+                  <a:tcPr marL="12700" marR="12700" marT="12700" vert="horz" anchor="ctr">
+                    <a:lnL>
+                      <a:noFill/>
+                    </a:lnL>
+                    <a:lnR>
+                      <a:noFill/>
+                    </a:lnR>
+                    <a:lnT cap="flat">
+                      <a:noFill/>
+                    </a:lnT>
+                    <a:lnB cap="flat">
+                      <a:noFill/>
+                    </a:lnB>
+                    <a:lnTlToBr>
+                      <a:noFill/>
+                    </a:lnTlToBr>
+                    <a:lnBlToTr>
+                      <a:noFill/>
+                    </a:lnBlToTr>
+                    <a:noFill/>
+                  </a:tcPr>
+                </a:tc>
+                <a:tc>
+                  <a:txBody>
+                    <a:bodyPr/>
+                    <a:p>
+                      <a:pPr indent="0">
+                        <a:buNone/>
+                      </a:pPr>
+                      <a:endParaRPr lang="zh-CN" altLang="en-US"/>
+                    </a:p>
+                  </a:txBody>
+                  <a:tcPr marL="12700" marR="12700" marT="12700" vert="horz" anchor="ctr">
+                    <a:lnL>
+                      <a:noFill/>
+                    </a:lnL>
+                    <a:lnR>
+                      <a:noFill/>
+                    </a:lnR>
+                    <a:lnT cap="flat">
+                      <a:noFill/>
+                    </a:lnT>
+                    <a:lnB cap="flat">
+                      <a:noFill/>
+                    </a:lnB>
+                    <a:lnTlToBr>
+                      <a:noFill/>
+                    </a:lnTlToBr>
+                    <a:lnBlToTr>
+                      <a:noFill/>
+                    </a:lnBlToTr>
+                    <a:noFill/>
+                  </a:tcPr>
+                </a:tc>
+                <a:tc>
+                  <a:txBody>
+                    <a:bodyPr/>
+                    <a:p>
+                      <a:pPr indent="0">
+                        <a:buNone/>
+                      </a:pPr>
+                      <a:endParaRPr lang="zh-CN" altLang="en-US"/>
+                    </a:p>
+                  </a:txBody>
+                  <a:tcPr marL="12700" marR="12700" marT="12700" vert="horz" anchor="ctr">
+                    <a:lnL>
+                      <a:noFill/>
+                    </a:lnL>
+                    <a:lnR>
+                      <a:noFill/>
+                    </a:lnR>
+                    <a:lnT cap="flat">
+                      <a:noFill/>
+                    </a:lnT>
+                    <a:lnB cap="flat">
+                      <a:noFill/>
+                    </a:lnB>
+                    <a:lnTlToBr>
+                      <a:noFill/>
+                    </a:lnTlToBr>
+                    <a:lnBlToTr>
+                      <a:noFill/>
+                    </a:lnBlToTr>
+                    <a:noFill/>
+                  </a:tcPr>
+                </a:tc>
+                <a:tc>
+                  <a:txBody>
+                    <a:bodyPr/>
+                    <a:p>
+                      <a:pPr indent="0">
+                        <a:buNone/>
+                      </a:pPr>
+                      <a:endParaRPr lang="zh-CN" altLang="en-US"/>
+                    </a:p>
+                  </a:txBody>
+                  <a:tcPr marL="12700" marR="12700" marT="12700" vert="horz" anchor="ctr">
+                    <a:lnL>
+                      <a:noFill/>
+                    </a:lnL>
+                    <a:lnR>
+                      <a:noFill/>
+                    </a:lnR>
+                    <a:lnT cap="flat">
+                      <a:noFill/>
+                    </a:lnT>
+                    <a:lnB cap="flat">
+                      <a:noFill/>
+                    </a:lnB>
+                    <a:lnTlToBr>
+                      <a:noFill/>
+                    </a:lnTlToBr>
+                    <a:lnBlToTr>
+                      <a:noFill/>
+                    </a:lnBlToTr>
+                    <a:noFill/>
+                  </a:tcPr>
+                </a:tc>
+                <a:tc>
+                  <a:txBody>
+                    <a:bodyPr/>
+                    <a:p>
+                      <a:pPr indent="0">
+                        <a:buNone/>
+                      </a:pPr>
+                      <a:endParaRPr lang="zh-CN" altLang="en-US"/>
+                    </a:p>
+                  </a:txBody>
+                  <a:tcPr marL="12700" marR="12700" marT="12700" vert="horz" anchor="ctr">
+                    <a:lnL>
+                      <a:noFill/>
+                    </a:lnL>
+                    <a:lnR>
+                      <a:noFill/>
+                    </a:lnR>
+                    <a:lnT cap="flat">
+                      <a:noFill/>
+                    </a:lnT>
+                    <a:lnB cap="flat">
+                      <a:noFill/>
+                    </a:lnB>
+                    <a:lnTlToBr>
+                      <a:noFill/>
+                    </a:lnTlToBr>
+                    <a:lnBlToTr>
+                      <a:noFill/>
+                    </a:lnBlToTr>
+                    <a:noFill/>
+                  </a:tcPr>
+                </a:tc>
+                <a:tc>
+                  <a:txBody>
+                    <a:bodyPr/>
+                    <a:p>
+                      <a:pPr indent="0">
+                        <a:buNone/>
+                      </a:pPr>
+                      <a:endParaRPr lang="zh-CN" altLang="en-US"/>
+                    </a:p>
+                  </a:txBody>
+                  <a:tcPr marL="12700" marR="12700" marT="12700" vert="horz" anchor="ctr">
+                    <a:lnL>
+                      <a:noFill/>
+                    </a:lnL>
+                    <a:lnR cap="flat">
+                      <a:noFill/>
+                    </a:lnR>
+                    <a:lnT cap="flat">
+                      <a:noFill/>
+                    </a:lnT>
+                    <a:lnB cap="flat">
+                      <a:noFill/>
+                    </a:lnB>
+                    <a:lnTlToBr>
+                      <a:noFill/>
+                    </a:lnTlToBr>
+                    <a:lnBlToTr>
+                      <a:noFill/>
+                    </a:lnBlToTr>
+                    <a:noFill/>
+                  </a:tcPr>
+                </a:tc>
+              </a:tr>
+              <a:tr h="177800">
+                <a:tc>
+                  <a:txBody>
+                    <a:bodyPr/>
+                    <a:p>
+                      <a:pPr indent="0">
+                        <a:buNone/>
+                      </a:pPr>
+                      <a:endParaRPr lang="en-US" altLang="en-US" sz="1200" b="0">
+                        <a:solidFill>
+                          <a:srgbClr val="000000"/>
+                        </a:solidFill>
+                        <a:latin typeface="宋体" panose="02010600030101010101" pitchFamily="2" charset="-122"/>
+                      </a:endParaRPr>
+                    </a:p>
+                  </a:txBody>
+                  <a:tcPr marL="12700" marR="12700" marT="12700" vert="horz" anchor="ctr">
+                    <a:lnL>
+                      <a:noFill/>
+                    </a:lnL>
+                    <a:lnR>
+                      <a:noFill/>
+                    </a:lnR>
+                    <a:lnT cap="flat">
+                      <a:noFill/>
+                    </a:lnT>
+                    <a:lnB cap="flat">
+                      <a:noFill/>
+                    </a:lnB>
+                    <a:lnTlToBr>
+                      <a:noFill/>
+                    </a:lnTlToBr>
+                    <a:lnBlToTr>
+                      <a:noFill/>
+                    </a:lnBlToTr>
+                    <a:noFill/>
+                  </a:tcPr>
+                </a:tc>
+                <a:tc>
+                  <a:txBody>
+                    <a:bodyPr/>
+                    <a:p>
+                      <a:pPr indent="0">
+                        <a:buNone/>
+                      </a:pPr>
+                      <a:endParaRPr lang="zh-CN" altLang="en-US"/>
+                    </a:p>
+                  </a:txBody>
+                  <a:tcPr marL="12700" marR="12700" marT="12700" vert="horz" anchor="ctr">
+                    <a:lnL>
+                      <a:noFill/>
+                    </a:lnL>
+                    <a:lnR>
+                      <a:noFill/>
+                    </a:lnR>
+                    <a:lnT cap="flat">
+                      <a:noFill/>
+                    </a:lnT>
+                    <a:lnB cap="flat">
+                      <a:noFill/>
+                    </a:lnB>
+                    <a:lnTlToBr>
+                      <a:noFill/>
+                    </a:lnTlToBr>
+                    <a:lnBlToTr>
+                      <a:noFill/>
+                    </a:lnBlToTr>
+                    <a:noFill/>
+                  </a:tcPr>
+                </a:tc>
+                <a:tc>
+                  <a:txBody>
+                    <a:bodyPr/>
+                    <a:p>
+                      <a:pPr indent="0">
+                        <a:buNone/>
+                      </a:pPr>
+                      <a:endParaRPr lang="zh-CN" altLang="en-US"/>
+                    </a:p>
+                  </a:txBody>
+                  <a:tcPr marL="12700" marR="12700" marT="12700" vert="horz" anchor="ctr">
+                    <a:lnL>
+                      <a:noFill/>
+                    </a:lnL>
+                    <a:lnR>
+                      <a:noFill/>
+                    </a:lnR>
+                    <a:lnT cap="flat">
+                      <a:noFill/>
+                    </a:lnT>
+                    <a:lnB cap="flat">
+                      <a:noFill/>
+                    </a:lnB>
+                    <a:lnTlToBr>
+                      <a:noFill/>
+                    </a:lnTlToBr>
+                    <a:lnBlToTr>
+                      <a:noFill/>
+                    </a:lnBlToTr>
+                    <a:noFill/>
+                  </a:tcPr>
+                </a:tc>
+                <a:tc>
+                  <a:txBody>
+                    <a:bodyPr/>
+                    <a:p>
+                      <a:pPr indent="0">
+                        <a:buNone/>
+                      </a:pPr>
+                      <a:endParaRPr lang="zh-CN" altLang="en-US"/>
+                    </a:p>
+                  </a:txBody>
+                  <a:tcPr marL="12700" marR="12700" marT="12700" vert="horz" anchor="ctr">
+                    <a:lnL>
+                      <a:noFill/>
+                    </a:lnL>
+                    <a:lnR>
+                      <a:noFill/>
+                    </a:lnR>
+                    <a:lnT cap="flat">
+                      <a:noFill/>
+                    </a:lnT>
+                    <a:lnB cap="flat">
+                      <a:noFill/>
+                    </a:lnB>
+                    <a:lnTlToBr>
+                      <a:noFill/>
+                    </a:lnTlToBr>
+                    <a:lnBlToTr>
+                      <a:noFill/>
+                    </a:lnBlToTr>
+                    <a:noFill/>
+                  </a:tcPr>
+                </a:tc>
+                <a:tc>
+                  <a:txBody>
+                    <a:bodyPr/>
+                    <a:p>
+                      <a:pPr indent="0">
+                        <a:buNone/>
+                      </a:pPr>
+                      <a:endParaRPr lang="zh-CN" altLang="en-US"/>
+                    </a:p>
+                  </a:txBody>
+                  <a:tcPr marL="12700" marR="12700" marT="12700" vert="horz" anchor="ctr">
+                    <a:lnL>
+                      <a:noFill/>
+                    </a:lnL>
+                    <a:lnR>
+                      <a:noFill/>
+                    </a:lnR>
+                    <a:lnT cap="flat">
+                      <a:noFill/>
+                    </a:lnT>
+                    <a:lnB cap="flat">
+                      <a:noFill/>
+                    </a:lnB>
+                    <a:lnTlToBr>
+                      <a:noFill/>
+                    </a:lnTlToBr>
+                    <a:lnBlToTr>
+                      <a:noFill/>
+                    </a:lnBlToTr>
+                    <a:noFill/>
+                  </a:tcPr>
+                </a:tc>
+                <a:tc>
+                  <a:txBody>
+                    <a:bodyPr/>
+                    <a:p>
+                      <a:pPr indent="0">
+                        <a:buNone/>
+                      </a:pPr>
+                      <a:endParaRPr lang="zh-CN" altLang="en-US"/>
+                    </a:p>
+                  </a:txBody>
+                  <a:tcPr marL="12700" marR="12700" marT="12700" vert="horz" anchor="ctr">
+                    <a:lnL>
+                      <a:noFill/>
+                    </a:lnL>
+                    <a:lnR>
+                      <a:noFill/>
+                    </a:lnR>
+                    <a:lnT cap="flat">
+                      <a:noFill/>
+                    </a:lnT>
+                    <a:lnB cap="flat">
+                      <a:noFill/>
+                    </a:lnB>
+                    <a:lnTlToBr>
+                      <a:noFill/>
+                    </a:lnTlToBr>
+                    <a:lnBlToTr>
+                      <a:noFill/>
+                    </a:lnBlToTr>
+                    <a:noFill/>
+                  </a:tcPr>
+                </a:tc>
+                <a:tc>
+                  <a:txBody>
+                    <a:bodyPr/>
+                    <a:p>
+                      <a:pPr indent="0">
+                        <a:buNone/>
+                      </a:pPr>
+                      <a:endParaRPr lang="zh-CN" altLang="en-US"/>
+                    </a:p>
+                  </a:txBody>
+                  <a:tcPr marL="12700" marR="12700" marT="12700" vert="horz" anchor="ctr">
+                    <a:lnL>
+                      <a:noFill/>
+                    </a:lnL>
+                    <a:lnR>
+                      <a:noFill/>
+                    </a:lnR>
+                    <a:lnT cap="flat">
+                      <a:noFill/>
+                    </a:lnT>
+                    <a:lnB cap="flat">
+                      <a:noFill/>
+                    </a:lnB>
+                    <a:lnTlToBr>
+                      <a:noFill/>
+                    </a:lnTlToBr>
+                    <a:lnBlToTr>
+                      <a:noFill/>
+                    </a:lnBlToTr>
+                    <a:noFill/>
+                  </a:tcPr>
+                </a:tc>
+                <a:tc>
+                  <a:txBody>
+                    <a:bodyPr/>
+                    <a:p>
+                      <a:pPr indent="0">
+                        <a:buNone/>
+                      </a:pPr>
+                      <a:endParaRPr lang="zh-CN" altLang="en-US"/>
+                    </a:p>
+                  </a:txBody>
+                  <a:tcPr marL="12700" marR="12700" marT="12700" vert="horz" anchor="ctr">
+                    <a:lnL>
+                      <a:noFill/>
+                    </a:lnL>
+                    <a:lnR>
+                      <a:noFill/>
+                    </a:lnR>
+                    <a:lnT cap="flat">
+                      <a:noFill/>
+                    </a:lnT>
+                    <a:lnB cap="flat">
+                      <a:noFill/>
+                    </a:lnB>
+                    <a:lnTlToBr>
+                      <a:noFill/>
+                    </a:lnTlToBr>
+                    <a:lnBlToTr>
+                      <a:noFill/>
+                    </a:lnBlToTr>
+                    <a:noFill/>
+                  </a:tcPr>
+                </a:tc>
+                <a:tc>
+                  <a:txBody>
+                    <a:bodyPr/>
+                    <a:p>
+                      <a:pPr indent="0">
+                        <a:buNone/>
+                      </a:pPr>
+                      <a:endParaRPr lang="zh-CN" altLang="en-US"/>
+                    </a:p>
+                  </a:txBody>
+                  <a:tcPr marL="12700" marR="12700" marT="12700" vert="horz" anchor="ctr">
+                    <a:lnL>
+                      <a:noFill/>
+                    </a:lnL>
+                    <a:lnR>
+                      <a:noFill/>
+                    </a:lnR>
+                    <a:lnT cap="flat">
+                      <a:noFill/>
+                    </a:lnT>
+                    <a:lnB cap="flat">
+                      <a:noFill/>
+                    </a:lnB>
+                    <a:lnTlToBr>
+                      <a:noFill/>
+                    </a:lnTlToBr>
+                    <a:lnBlToTr>
+                      <a:noFill/>
+                    </a:lnBlToTr>
+                    <a:noFill/>
+                  </a:tcPr>
+                </a:tc>
+                <a:tc>
+                  <a:txBody>
+                    <a:bodyPr/>
+                    <a:p>
+                      <a:pPr indent="0">
+                        <a:buNone/>
+                      </a:pPr>
+                      <a:endParaRPr lang="zh-CN" altLang="en-US"/>
+                    </a:p>
+                  </a:txBody>
+                  <a:tcPr marL="12700" marR="12700" marT="12700" vert="horz" anchor="ctr">
+                    <a:lnL>
+                      <a:noFill/>
+                    </a:lnL>
+                    <a:lnR>
+                      <a:noFill/>
+                    </a:lnR>
+                    <a:lnT cap="flat">
+                      <a:noFill/>
+                    </a:lnT>
+                    <a:lnB cap="flat">
+                      <a:noFill/>
+                    </a:lnB>
+                    <a:lnTlToBr>
+                      <a:noFill/>
+                    </a:lnTlToBr>
+                    <a:lnBlToTr>
+                      <a:noFill/>
+                    </a:lnBlToTr>
+                    <a:noFill/>
+                  </a:tcPr>
+                </a:tc>
+                <a:tc>
+                  <a:txBody>
+                    <a:bodyPr/>
+                    <a:p>
+                      <a:pPr indent="0">
+                        <a:buNone/>
+                      </a:pPr>
+                      <a:endParaRPr lang="zh-CN" altLang="en-US"/>
+                    </a:p>
+                  </a:txBody>
+                  <a:tcPr marL="12700" marR="12700" marT="12700" vert="horz" anchor="ctr">
+                    <a:lnL>
+                      <a:noFill/>
+                    </a:lnL>
+                    <a:lnR>
+                      <a:noFill/>
+                    </a:lnR>
+                    <a:lnT cap="flat">
+                      <a:noFill/>
+                    </a:lnT>
+                    <a:lnB cap="flat">
+                      <a:noFill/>
+                    </a:lnB>
+                    <a:lnTlToBr>
+                      <a:noFill/>
+                    </a:lnTlToBr>
+                    <a:lnBlToTr>
+                      <a:noFill/>
+                    </a:lnBlToTr>
+                    <a:noFill/>
+                  </a:tcPr>
+                </a:tc>
+                <a:tc>
+                  <a:txBody>
+                    <a:bodyPr/>
+                    <a:p>
+                      <a:pPr indent="0">
+                        <a:buNone/>
+                      </a:pPr>
+                      <a:endParaRPr lang="zh-CN" altLang="en-US"/>
+                    </a:p>
+                  </a:txBody>
+                  <a:tcPr marL="12700" marR="12700" marT="12700" vert="horz" anchor="ctr">
+                    <a:lnL>
+                      <a:noFill/>
+                    </a:lnL>
+                    <a:lnR cap="flat">
+                      <a:noFill/>
+                    </a:lnR>
+                    <a:lnT cap="flat">
+                      <a:noFill/>
+                    </a:lnT>
+                    <a:lnB cap="flat">
+                      <a:noFill/>
+                    </a:lnB>
+                    <a:lnTlToBr>
+                      <a:noFill/>
+                    </a:lnTlToBr>
+                    <a:lnBlToTr>
+                      <a:noFill/>
+                    </a:lnBlToTr>
+                    <a:noFill/>
+                  </a:tcPr>
+                </a:tc>
+              </a:tr>
+              <a:tr h="393700">
+                <a:tc>
+                  <a:txBody>
+                    <a:bodyPr/>
+                    <a:p>
+                      <a:pPr indent="0">
+                        <a:buNone/>
+                      </a:pPr>
+                      <a:r>
+                        <a:rPr lang="zh-CN" sz="1200" b="0">
+                          <a:solidFill>
+                            <a:srgbClr val="000000"/>
+                          </a:solidFill>
+                          <a:ea typeface="宋体" panose="02010600030101010101" pitchFamily="2" charset="-122"/>
+                        </a:rPr>
+                        <a:t>伤害计算公式：</a:t>
+                      </a:r>
+                      <a:endParaRPr lang="en-US" altLang="en-US" sz="1200" b="0">
+                        <a:solidFill>
+                          <a:srgbClr val="000000"/>
+                        </a:solidFill>
+                        <a:latin typeface="宋体" panose="02010600030101010101" pitchFamily="2" charset="-122"/>
+                      </a:endParaRPr>
+                    </a:p>
+                  </a:txBody>
+                  <a:tcPr marL="12700" marR="12700" marT="12700" vert="horz" anchor="ctr">
+                    <a:lnL>
+                      <a:noFill/>
+                    </a:lnL>
+                    <a:lnR>
+                      <a:noFill/>
+                    </a:lnR>
+                    <a:lnT cap="flat">
+                      <a:noFill/>
+                    </a:lnT>
+                    <a:lnB cap="flat">
+                      <a:noFill/>
+                    </a:lnB>
+                    <a:lnTlToBr>
+                      <a:noFill/>
+                    </a:lnTlToBr>
+                    <a:lnBlToTr>
+                      <a:noFill/>
+                    </a:lnBlToTr>
+                    <a:noFill/>
+                  </a:tcPr>
+                </a:tc>
+                <a:tc gridSpan="11">
+                  <a:txBody>
+                    <a:bodyPr/>
+                    <a:p>
+                      <a:pPr indent="0" algn="ctr">
+                        <a:buNone/>
+                      </a:pPr>
+                      <a:endParaRPr lang="en-US" altLang="en-US" sz="1200" b="0">
+                        <a:solidFill>
+                          <a:srgbClr val="000000"/>
+                        </a:solidFill>
+                        <a:latin typeface="宋体" panose="02010600030101010101" pitchFamily="2" charset="-122"/>
+                      </a:endParaRPr>
+                    </a:p>
+                  </a:txBody>
+                  <a:tcPr marL="12700" marR="12700" marT="12700" vert="horz" anchor="ctr">
+                    <a:lnL>
+                      <a:noFill/>
+                    </a:lnL>
+                    <a:lnR cap="flat">
+                      <a:noFill/>
+                    </a:lnR>
+                    <a:lnT cap="flat">
+                      <a:noFill/>
+                    </a:lnT>
+                    <a:lnB cap="flat">
+                      <a:noFill/>
+                    </a:lnB>
+                    <a:lnTlToBr>
+                      <a:noFill/>
+                    </a:lnTlToBr>
+                    <a:lnBlToTr>
+                      <a:noFill/>
+                    </a:lnBlToTr>
+                    <a:noFill/>
+                  </a:tcPr>
+                </a:tc>
+                <a:tc hMerge="1">
+                  <a:tcPr>
+                    <a:lnT cap="flat">
+                      <a:noFill/>
+                    </a:lnT>
+                    <a:lnB cap="flat">
+                      <a:noFill/>
+                    </a:lnB>
+                  </a:tcPr>
+                </a:tc>
+                <a:tc hMerge="1">
+                  <a:tcPr>
+                    <a:lnT cap="flat">
+                      <a:noFill/>
+                    </a:lnT>
+                    <a:lnB cap="flat">
+                      <a:noFill/>
+                    </a:lnB>
+                  </a:tcPr>
+                </a:tc>
+                <a:tc hMerge="1">
+                  <a:tcPr>
+                    <a:lnT cap="flat">
+                      <a:noFill/>
+                    </a:lnT>
+                    <a:lnB cap="flat">
+                      <a:noFill/>
+                    </a:lnB>
+                  </a:tcPr>
+                </a:tc>
+                <a:tc hMerge="1">
+                  <a:tcPr>
+                    <a:lnT cap="flat">
+                      <a:noFill/>
+                    </a:lnT>
+                    <a:lnB cap="flat">
+                      <a:noFill/>
+                    </a:lnB>
+                  </a:tcPr>
+                </a:tc>
+                <a:tc hMerge="1">
+                  <a:tcPr>
+                    <a:lnT cap="flat">
+                      <a:noFill/>
+                    </a:lnT>
+                    <a:lnB cap="flat">
+                      <a:noFill/>
+                    </a:lnB>
+                  </a:tcPr>
+                </a:tc>
+                <a:tc hMerge="1">
+                  <a:tcPr>
+                    <a:lnT cap="flat">
+                      <a:noFill/>
+                    </a:lnT>
+                    <a:lnB cap="flat">
+                      <a:noFill/>
+                    </a:lnB>
+                  </a:tcPr>
+                </a:tc>
+                <a:tc hMerge="1">
+                  <a:tcPr>
+                    <a:lnT cap="flat">
+                      <a:noFill/>
+                    </a:lnT>
+                    <a:lnB cap="flat">
+                      <a:noFill/>
+                    </a:lnB>
+                  </a:tcPr>
+                </a:tc>
+                <a:tc hMerge="1">
+                  <a:tcPr>
+                    <a:lnT cap="flat">
+                      <a:noFill/>
+                    </a:lnT>
+                    <a:lnB cap="flat">
+                      <a:noFill/>
+                    </a:lnB>
+                  </a:tcPr>
+                </a:tc>
+                <a:tc hMerge="1">
+                  <a:tcPr>
+                    <a:lnT cap="flat">
+                      <a:noFill/>
+                    </a:lnT>
+                    <a:lnB cap="flat">
+                      <a:noFill/>
+                    </a:lnB>
+                  </a:tcPr>
+                </a:tc>
+                <a:tc hMerge="1">
+                  <a:tcPr>
+                    <a:lnR cap="flat">
+                      <a:noFill/>
+                    </a:lnR>
+                    <a:lnT cap="flat">
+                      <a:noFill/>
+                    </a:lnT>
+                    <a:lnB cap="flat">
+                      <a:noFill/>
+                    </a:lnB>
+                  </a:tcPr>
+                </a:tc>
+              </a:tr>
+            </a:tbl>
+          </a:graphicData>
+        </a:graphic>
+      </p:graphicFrame>
+      <p:pic>
+        <p:nvPicPr>
+          <p:cNvPr id="5" name="图片 4"/>
+          <p:cNvPicPr/>
+          <p:nvPr/>
+        </p:nvPicPr>
+        <p:blipFill>
+          <a:blip r:embed="rId1"/>
+          <a:stretch>
+            <a:fillRect/>
+          </a:stretch>
+        </p:blipFill>
+        <p:spPr>
+          <a:xfrm>
+            <a:off x="1328420" y="5408295"/>
+            <a:ext cx="8086725" cy="219075"/>
+          </a:xfrm>
+          <a:prstGeom prst="rect">
+            <a:avLst/>
+          </a:prstGeom>
+          <a:noFill/>
+          <a:ln w="9525">
+            <a:noFill/>
+          </a:ln>
+        </p:spPr>
+      </p:pic>
+    </p:spTree>
+  </p:cSld>
+  <p:clrMapOvr>
+    <a:masterClrMapping/>
+  </p:clrMapOvr>
+</p:sld>
+</file>
+
+<file path=ppt/slides/slide13.xml><?xml version="1.0" encoding="utf-8"?>
+<p:sld xmlns:a="http://schemas.openxmlformats.org/drawingml/2006/main" xmlns:r="http://schemas.openxmlformats.org/officeDocument/2006/relationships" xmlns:p="http://schemas.openxmlformats.org/presentationml/2006/main">
+  <p:cSld>
+    <p:spTree>
+      <p:nvGrpSpPr>
+        <p:cNvPr id="1" name=""/>
+        <p:cNvGrpSpPr/>
+        <p:nvPr/>
+      </p:nvGrpSpPr>
+      <p:grpSpPr/>
+      <p:graphicFrame>
+        <p:nvGraphicFramePr>
+          <p:cNvPr id="4" name="表格 3"/>
+          <p:cNvGraphicFramePr/>
+          <p:nvPr/>
+        </p:nvGraphicFramePr>
+        <p:xfrm>
+          <a:off x="3956050" y="1981200"/>
+          <a:ext cx="4281170" cy="2133600"/>
+        </p:xfrm>
+        <a:graphic>
+          <a:graphicData uri="http://schemas.openxmlformats.org/drawingml/2006/table">
+            <a:tbl>
+              <a:tblPr firstRow="1" bandRow="1">
+                <a:tableStyleId>{5C22544A-7EE6-4342-B048-85BDC9FD1C3A}</a:tableStyleId>
+              </a:tblPr>
+              <a:tblGrid>
+                <a:gridCol w="2489200"/>
+                <a:gridCol w="1790700"/>
+              </a:tblGrid>
+              <a:tr h="177800">
+                <a:tc>
+                  <a:txBody>
+                    <a:bodyPr/>
+                    <a:p>
+                      <a:pPr indent="0">
+                        <a:buNone/>
+                      </a:pPr>
+                      <a:r>
+                        <a:rPr lang="zh-CN" sz="1200" b="0">
+                          <a:solidFill>
+                            <a:srgbClr val="000000"/>
+                          </a:solidFill>
+                          <a:ea typeface="宋体" panose="02010600030101010101" pitchFamily="2" charset="-122"/>
+                        </a:rPr>
+                        <a:t>玩家可以升级的属性</a:t>
+                      </a:r>
+                      <a:endParaRPr lang="en-US" altLang="en-US" sz="1200" b="0">
+                        <a:solidFill>
+                          <a:srgbClr val="000000"/>
+                        </a:solidFill>
+                        <a:latin typeface="宋体" panose="02010600030101010101" pitchFamily="2" charset="-122"/>
+                      </a:endParaRPr>
+                    </a:p>
+                  </a:txBody>
+                  <a:tcPr marL="12700" marR="12700" marT="12700" vert="horz" anchor="ctr">
+                    <a:lnL>
+                      <a:noFill/>
+                    </a:lnL>
+                    <a:lnR>
+                      <a:noFill/>
+                    </a:lnR>
+                    <a:lnT cap="flat">
+                      <a:noFill/>
+                    </a:lnT>
+                    <a:lnB cap="flat">
+                      <a:noFill/>
+                    </a:lnB>
+                    <a:lnTlToBr>
+                      <a:noFill/>
+                    </a:lnTlToBr>
+                    <a:lnBlToTr>
+                      <a:noFill/>
+                    </a:lnBlToTr>
+                    <a:noFill/>
+                  </a:tcPr>
+                </a:tc>
+                <a:tc>
+                  <a:txBody>
+                    <a:bodyPr/>
+                    <a:p>
+                      <a:pPr indent="0">
+                        <a:buNone/>
+                      </a:pPr>
+                      <a:r>
+                        <a:rPr lang="zh-CN" sz="1200" b="0">
+                          <a:solidFill>
+                            <a:srgbClr val="000000"/>
+                          </a:solidFill>
+                          <a:ea typeface="宋体" panose="02010600030101010101" pitchFamily="2" charset="-122"/>
+                        </a:rPr>
+                        <a:t>备注</a:t>
+                      </a:r>
+                      <a:endParaRPr lang="en-US" altLang="en-US" sz="1200" b="0">
+                        <a:solidFill>
+                          <a:srgbClr val="000000"/>
+                        </a:solidFill>
+                        <a:latin typeface="宋体" panose="02010600030101010101" pitchFamily="2" charset="-122"/>
+                      </a:endParaRPr>
+                    </a:p>
+                  </a:txBody>
+                  <a:tcPr marL="12700" marR="12700" marT="12700" vert="horz" anchor="ctr">
+                    <a:lnL>
+                      <a:noFill/>
+                    </a:lnL>
+                    <a:lnR cap="flat">
+                      <a:noFill/>
+                    </a:lnR>
+                    <a:lnT cap="flat">
+                      <a:noFill/>
+                    </a:lnT>
+                    <a:lnB cap="flat">
+                      <a:noFill/>
+                    </a:lnB>
+                    <a:lnTlToBr>
+                      <a:noFill/>
+                    </a:lnTlToBr>
+                    <a:lnBlToTr>
+                      <a:noFill/>
+                    </a:lnBlToTr>
+                    <a:noFill/>
+                  </a:tcPr>
+                </a:tc>
+              </a:tr>
+              <a:tr h="177800">
+                <a:tc>
+                  <a:txBody>
+                    <a:bodyPr/>
+                    <a:p>
+                      <a:pPr indent="0">
+                        <a:buNone/>
+                      </a:pPr>
+                      <a:r>
+                        <a:rPr lang="zh-CN" sz="1200" b="0">
+                          <a:solidFill>
+                            <a:srgbClr val="000000"/>
+                          </a:solidFill>
+                          <a:ea typeface="宋体" panose="02010600030101010101" pitchFamily="2" charset="-122"/>
+                        </a:rPr>
+                        <a:t>最大容弹量（max_ammo）</a:t>
+                      </a:r>
+                      <a:endParaRPr lang="en-US" altLang="en-US" sz="1200" b="0">
+                        <a:solidFill>
+                          <a:srgbClr val="000000"/>
+                        </a:solidFill>
+                        <a:latin typeface="宋体" panose="02010600030101010101" pitchFamily="2" charset="-122"/>
+                      </a:endParaRPr>
+                    </a:p>
+                  </a:txBody>
+                  <a:tcPr marL="12700" marR="12700" marT="12700" vert="horz" anchor="ctr">
+                    <a:lnL>
+                      <a:noFill/>
+                    </a:lnL>
+                    <a:lnR>
+                      <a:noFill/>
+                    </a:lnR>
+                    <a:lnT cap="flat">
+                      <a:noFill/>
+                    </a:lnT>
+                    <a:lnB cap="flat">
+                      <a:noFill/>
+                    </a:lnB>
+                    <a:lnTlToBr>
+                      <a:noFill/>
+                    </a:lnTlToBr>
+                    <a:lnBlToTr>
+                      <a:noFill/>
+                    </a:lnBlToTr>
+                    <a:noFill/>
+                  </a:tcPr>
+                </a:tc>
+                <a:tc>
+                  <a:txBody>
+                    <a:bodyPr/>
+                    <a:p>
+                      <a:pPr indent="0">
+                        <a:buNone/>
+                      </a:pPr>
+                      <a:r>
+                        <a:rPr lang="zh-CN" sz="1200" b="0">
+                          <a:solidFill>
+                            <a:srgbClr val="000000"/>
+                          </a:solidFill>
+                          <a:ea typeface="宋体" panose="02010600030101010101" pitchFamily="2" charset="-122"/>
+                        </a:rPr>
+                        <a:t>永久</a:t>
+                      </a:r>
+                      <a:endParaRPr lang="en-US" altLang="en-US" sz="1200" b="0">
+                        <a:solidFill>
+                          <a:srgbClr val="000000"/>
+                        </a:solidFill>
+                        <a:latin typeface="宋体" panose="02010600030101010101" pitchFamily="2" charset="-122"/>
+                      </a:endParaRPr>
+                    </a:p>
+                  </a:txBody>
+                  <a:tcPr marL="12700" marR="12700" marT="12700" vert="horz" anchor="ctr">
+                    <a:lnL>
+                      <a:noFill/>
+                    </a:lnL>
+                    <a:lnR cap="flat">
+                      <a:noFill/>
+                    </a:lnR>
+                    <a:lnT cap="flat">
+                      <a:noFill/>
+                    </a:lnT>
+                    <a:lnB cap="flat">
+                      <a:noFill/>
+                    </a:lnB>
+                    <a:lnTlToBr>
+                      <a:noFill/>
+                    </a:lnTlToBr>
+                    <a:lnBlToTr>
+                      <a:noFill/>
+                    </a:lnBlToTr>
+                    <a:noFill/>
+                  </a:tcPr>
+                </a:tc>
+              </a:tr>
+              <a:tr h="241300">
+                <a:tc>
+                  <a:txBody>
+                    <a:bodyPr/>
+                    <a:p>
+                      <a:pPr indent="0">
+                        <a:buNone/>
+                      </a:pPr>
+                      <a:r>
+                        <a:rPr lang="zh-CN" sz="1200" b="0">
+                          <a:solidFill>
+                            <a:srgbClr val="000000"/>
+                          </a:solidFill>
+                          <a:ea typeface="宋体" panose="02010600030101010101" pitchFamily="2" charset="-122"/>
+                        </a:rPr>
+                        <a:t>最大生命值（max_health）</a:t>
+                      </a:r>
+                      <a:endParaRPr lang="en-US" altLang="en-US" sz="1200" b="0">
+                        <a:solidFill>
+                          <a:srgbClr val="000000"/>
+                        </a:solidFill>
+                        <a:latin typeface="宋体" panose="02010600030101010101" pitchFamily="2" charset="-122"/>
+                      </a:endParaRPr>
+                    </a:p>
+                  </a:txBody>
+                  <a:tcPr marL="12700" marR="12700" marT="12700" vert="horz" anchor="ctr">
+                    <a:lnL>
+                      <a:noFill/>
+                    </a:lnL>
+                    <a:lnR>
+                      <a:noFill/>
+                    </a:lnR>
+                    <a:lnT cap="flat">
+                      <a:noFill/>
+                    </a:lnT>
+                    <a:lnB cap="flat">
+                      <a:noFill/>
+                    </a:lnB>
+                    <a:lnTlToBr>
+                      <a:noFill/>
+                    </a:lnTlToBr>
+                    <a:lnBlToTr>
+                      <a:noFill/>
+                    </a:lnBlToTr>
+                    <a:noFill/>
+                  </a:tcPr>
+                </a:tc>
+                <a:tc>
+                  <a:txBody>
+                    <a:bodyPr/>
+                    <a:p>
+                      <a:pPr indent="0">
+                        <a:buNone/>
+                      </a:pPr>
+                      <a:r>
+                        <a:rPr lang="zh-CN" sz="1200" b="0">
+                          <a:solidFill>
+                            <a:srgbClr val="000000"/>
+                          </a:solidFill>
+                          <a:ea typeface="宋体" panose="02010600030101010101" pitchFamily="2" charset="-122"/>
+                        </a:rPr>
+                        <a:t>插槽</a:t>
+                      </a:r>
+                      <a:endParaRPr lang="en-US" altLang="en-US" sz="1200" b="0">
+                        <a:solidFill>
+                          <a:srgbClr val="000000"/>
+                        </a:solidFill>
+                        <a:latin typeface="宋体" panose="02010600030101010101" pitchFamily="2" charset="-122"/>
+                      </a:endParaRPr>
+                    </a:p>
+                  </a:txBody>
+                  <a:tcPr marL="12700" marR="12700" marT="12700" vert="horz" anchor="ctr">
+                    <a:lnL>
+                      <a:noFill/>
+                    </a:lnL>
+                    <a:lnR cap="flat">
+                      <a:noFill/>
+                    </a:lnR>
+                    <a:lnT cap="flat">
+                      <a:noFill/>
+                    </a:lnT>
+                    <a:lnB cap="flat">
+                      <a:noFill/>
+                    </a:lnB>
+                    <a:lnTlToBr>
+                      <a:noFill/>
+                    </a:lnTlToBr>
+                    <a:lnBlToTr>
+                      <a:noFill/>
+                    </a:lnBlToTr>
+                    <a:noFill/>
+                  </a:tcPr>
+                </a:tc>
+              </a:tr>
+              <a:tr h="177800">
+                <a:tc>
+                  <a:txBody>
+                    <a:bodyPr/>
+                    <a:p>
+                      <a:pPr indent="0">
+                        <a:buNone/>
+                      </a:pPr>
+                      <a:r>
+                        <a:rPr lang="zh-CN" sz="1200" b="0">
+                          <a:solidFill>
+                            <a:srgbClr val="000000"/>
+                          </a:solidFill>
+                          <a:ea typeface="宋体" panose="02010600030101010101" pitchFamily="2" charset="-122"/>
+                        </a:rPr>
+                        <a:t>射速（fireRate）</a:t>
+                      </a:r>
+                      <a:endParaRPr lang="en-US" altLang="en-US" sz="1200" b="0">
+                        <a:solidFill>
+                          <a:srgbClr val="000000"/>
+                        </a:solidFill>
+                        <a:latin typeface="宋体" panose="02010600030101010101" pitchFamily="2" charset="-122"/>
+                      </a:endParaRPr>
+                    </a:p>
+                  </a:txBody>
+                  <a:tcPr marL="12700" marR="12700" marT="12700" vert="horz" anchor="ctr">
+                    <a:lnL>
+                      <a:noFill/>
+                    </a:lnL>
+                    <a:lnR>
+                      <a:noFill/>
+                    </a:lnR>
+                    <a:lnT cap="flat">
+                      <a:noFill/>
+                    </a:lnT>
+                    <a:lnB cap="flat">
+                      <a:noFill/>
+                    </a:lnB>
+                    <a:lnTlToBr>
+                      <a:noFill/>
+                    </a:lnTlToBr>
+                    <a:lnBlToTr>
+                      <a:noFill/>
+                    </a:lnBlToTr>
+                    <a:noFill/>
+                  </a:tcPr>
+                </a:tc>
+                <a:tc>
+                  <a:txBody>
+                    <a:bodyPr/>
+                    <a:p>
+                      <a:pPr indent="0">
+                        <a:buNone/>
+                      </a:pPr>
+                      <a:r>
+                        <a:rPr lang="zh-CN" sz="1200" b="0">
+                          <a:solidFill>
+                            <a:srgbClr val="000000"/>
+                          </a:solidFill>
+                          <a:ea typeface="宋体" panose="02010600030101010101" pitchFamily="2" charset="-122"/>
+                        </a:rPr>
+                        <a:t>插槽</a:t>
+                      </a:r>
+                      <a:endParaRPr lang="en-US" altLang="en-US" sz="1200" b="0">
+                        <a:solidFill>
+                          <a:srgbClr val="000000"/>
+                        </a:solidFill>
+                        <a:latin typeface="宋体" panose="02010600030101010101" pitchFamily="2" charset="-122"/>
+                      </a:endParaRPr>
+                    </a:p>
+                  </a:txBody>
+                  <a:tcPr marL="12700" marR="12700" marT="12700" vert="horz" anchor="ctr">
+                    <a:lnL>
+                      <a:noFill/>
+                    </a:lnL>
+                    <a:lnR cap="flat">
+                      <a:noFill/>
+                    </a:lnR>
+                    <a:lnT cap="flat">
+                      <a:noFill/>
+                    </a:lnT>
+                    <a:lnB cap="flat">
+                      <a:noFill/>
+                    </a:lnB>
+                    <a:lnTlToBr>
+                      <a:noFill/>
+                    </a:lnTlToBr>
+                    <a:lnBlToTr>
+                      <a:noFill/>
+                    </a:lnBlToTr>
+                    <a:noFill/>
+                  </a:tcPr>
+                </a:tc>
+              </a:tr>
+              <a:tr h="177800">
+                <a:tc>
+                  <a:txBody>
+                    <a:bodyPr/>
+                    <a:p>
+                      <a:pPr indent="0">
+                        <a:buNone/>
+                      </a:pPr>
+                      <a:r>
+                        <a:rPr lang="zh-CN" sz="1200" b="0">
+                          <a:solidFill>
+                            <a:srgbClr val="000000"/>
+                          </a:solidFill>
+                          <a:ea typeface="宋体" panose="02010600030101010101" pitchFamily="2" charset="-122"/>
+                        </a:rPr>
+                        <a:t>火元素伤害（fireDamage)</a:t>
+                      </a:r>
+                      <a:endParaRPr lang="en-US" altLang="en-US" sz="1200" b="0">
+                        <a:solidFill>
+                          <a:srgbClr val="000000"/>
+                        </a:solidFill>
+                        <a:latin typeface="宋体" panose="02010600030101010101" pitchFamily="2" charset="-122"/>
+                      </a:endParaRPr>
+                    </a:p>
+                  </a:txBody>
+                  <a:tcPr marL="12700" marR="12700" marT="12700" vert="horz" anchor="ctr">
+                    <a:lnL>
+                      <a:noFill/>
+                    </a:lnL>
+                    <a:lnR>
+                      <a:noFill/>
+                    </a:lnR>
+                    <a:lnT cap="flat">
+                      <a:noFill/>
+                    </a:lnT>
+                    <a:lnB cap="flat">
+                      <a:noFill/>
+                    </a:lnB>
+                    <a:lnTlToBr>
+                      <a:noFill/>
+                    </a:lnTlToBr>
+                    <a:lnBlToTr>
+                      <a:noFill/>
+                    </a:lnBlToTr>
+                    <a:noFill/>
+                  </a:tcPr>
+                </a:tc>
+                <a:tc>
+                  <a:txBody>
+                    <a:bodyPr/>
+                    <a:p>
+                      <a:pPr indent="0">
+                        <a:buNone/>
+                      </a:pPr>
+                      <a:r>
+                        <a:rPr lang="zh-CN" sz="1200" b="0">
+                          <a:solidFill>
+                            <a:srgbClr val="000000"/>
+                          </a:solidFill>
+                          <a:ea typeface="宋体" panose="02010600030101010101" pitchFamily="2" charset="-122"/>
+                        </a:rPr>
+                        <a:t>插槽</a:t>
+                      </a:r>
+                      <a:endParaRPr lang="en-US" altLang="en-US" sz="1200" b="0">
+                        <a:solidFill>
+                          <a:srgbClr val="000000"/>
+                        </a:solidFill>
+                        <a:latin typeface="宋体" panose="02010600030101010101" pitchFamily="2" charset="-122"/>
+                      </a:endParaRPr>
+                    </a:p>
+                  </a:txBody>
+                  <a:tcPr marL="12700" marR="12700" marT="12700" vert="horz" anchor="ctr">
+                    <a:lnL>
+                      <a:noFill/>
+                    </a:lnL>
+                    <a:lnR cap="flat">
+                      <a:noFill/>
+                    </a:lnR>
+                    <a:lnT cap="flat">
+                      <a:noFill/>
+                    </a:lnT>
+                    <a:lnB cap="flat">
+                      <a:noFill/>
+                    </a:lnB>
+                    <a:lnTlToBr>
+                      <a:noFill/>
+                    </a:lnTlToBr>
+                    <a:lnBlToTr>
+                      <a:noFill/>
+                    </a:lnBlToTr>
+                    <a:noFill/>
+                  </a:tcPr>
+                </a:tc>
+              </a:tr>
+              <a:tr h="177800">
+                <a:tc>
+                  <a:txBody>
+                    <a:bodyPr/>
+                    <a:p>
+                      <a:pPr indent="0">
+                        <a:buNone/>
+                      </a:pPr>
+                      <a:r>
+                        <a:rPr lang="zh-CN" sz="1200" b="0">
+                          <a:solidFill>
+                            <a:srgbClr val="000000"/>
+                          </a:solidFill>
+                          <a:ea typeface="宋体" panose="02010600030101010101" pitchFamily="2" charset="-122"/>
+                        </a:rPr>
+                        <a:t>水元素伤害（waterDamage）</a:t>
+                      </a:r>
+                      <a:endParaRPr lang="en-US" altLang="en-US" sz="1200" b="0">
+                        <a:solidFill>
+                          <a:srgbClr val="000000"/>
+                        </a:solidFill>
+                        <a:latin typeface="宋体" panose="02010600030101010101" pitchFamily="2" charset="-122"/>
+                      </a:endParaRPr>
+                    </a:p>
+                  </a:txBody>
+                  <a:tcPr marL="12700" marR="12700" marT="12700" vert="horz" anchor="ctr">
+                    <a:lnL>
+                      <a:noFill/>
+                    </a:lnL>
+                    <a:lnR>
+                      <a:noFill/>
+                    </a:lnR>
+                    <a:lnT cap="flat">
+                      <a:noFill/>
+                    </a:lnT>
+                    <a:lnB cap="flat">
+                      <a:noFill/>
+                    </a:lnB>
+                    <a:lnTlToBr>
+                      <a:noFill/>
+                    </a:lnTlToBr>
+                    <a:lnBlToTr>
+                      <a:noFill/>
+                    </a:lnBlToTr>
+                    <a:noFill/>
+                  </a:tcPr>
+                </a:tc>
+                <a:tc>
+                  <a:txBody>
+                    <a:bodyPr/>
+                    <a:p>
+                      <a:pPr indent="0">
+                        <a:buNone/>
+                      </a:pPr>
+                      <a:r>
+                        <a:rPr lang="zh-CN" sz="1200" b="0">
+                          <a:solidFill>
+                            <a:srgbClr val="000000"/>
+                          </a:solidFill>
+                          <a:ea typeface="宋体" panose="02010600030101010101" pitchFamily="2" charset="-122"/>
+                        </a:rPr>
+                        <a:t>插槽</a:t>
+                      </a:r>
+                      <a:endParaRPr lang="en-US" altLang="en-US" sz="1200" b="0">
+                        <a:solidFill>
+                          <a:srgbClr val="000000"/>
+                        </a:solidFill>
+                        <a:latin typeface="宋体" panose="02010600030101010101" pitchFamily="2" charset="-122"/>
+                      </a:endParaRPr>
+                    </a:p>
+                  </a:txBody>
+                  <a:tcPr marL="12700" marR="12700" marT="12700" vert="horz" anchor="ctr">
+                    <a:lnL>
+                      <a:noFill/>
+                    </a:lnL>
+                    <a:lnR cap="flat">
+                      <a:noFill/>
+                    </a:lnR>
+                    <a:lnT cap="flat">
+                      <a:noFill/>
+                    </a:lnT>
+                    <a:lnB cap="flat">
+                      <a:noFill/>
+                    </a:lnB>
+                    <a:lnTlToBr>
+                      <a:noFill/>
+                    </a:lnTlToBr>
+                    <a:lnBlToTr>
+                      <a:noFill/>
+                    </a:lnBlToTr>
+                    <a:noFill/>
+                  </a:tcPr>
+                </a:tc>
+              </a:tr>
+              <a:tr h="177800">
+                <a:tc>
+                  <a:txBody>
+                    <a:bodyPr/>
+                    <a:p>
+                      <a:pPr indent="0">
+                        <a:buNone/>
+                      </a:pPr>
+                      <a:r>
+                        <a:rPr lang="zh-CN" sz="1200" b="0">
+                          <a:solidFill>
+                            <a:srgbClr val="000000"/>
+                          </a:solidFill>
+                          <a:ea typeface="宋体" panose="02010600030101010101" pitchFamily="2" charset="-122"/>
+                        </a:rPr>
+                        <a:t>电元素伤害（lightningDamgage）</a:t>
+                      </a:r>
+                      <a:endParaRPr lang="en-US" altLang="en-US" sz="1200" b="0">
+                        <a:solidFill>
+                          <a:srgbClr val="000000"/>
+                        </a:solidFill>
+                        <a:latin typeface="宋体" panose="02010600030101010101" pitchFamily="2" charset="-122"/>
+                      </a:endParaRPr>
+                    </a:p>
+                  </a:txBody>
+                  <a:tcPr marL="12700" marR="12700" marT="12700" vert="horz" anchor="ctr">
+                    <a:lnL>
+                      <a:noFill/>
+                    </a:lnL>
+                    <a:lnR>
+                      <a:noFill/>
+                    </a:lnR>
+                    <a:lnT cap="flat">
+                      <a:noFill/>
+                    </a:lnT>
+                    <a:lnB cap="flat">
+                      <a:noFill/>
+                    </a:lnB>
+                    <a:lnTlToBr>
+                      <a:noFill/>
+                    </a:lnTlToBr>
+                    <a:lnBlToTr>
+                      <a:noFill/>
+                    </a:lnBlToTr>
+                    <a:noFill/>
+                  </a:tcPr>
+                </a:tc>
+                <a:tc>
+                  <a:txBody>
+                    <a:bodyPr/>
+                    <a:p>
+                      <a:pPr indent="0">
+                        <a:buNone/>
+                      </a:pPr>
+                      <a:r>
+                        <a:rPr lang="zh-CN" sz="1200" b="0">
+                          <a:solidFill>
+                            <a:srgbClr val="000000"/>
+                          </a:solidFill>
+                          <a:ea typeface="宋体" panose="02010600030101010101" pitchFamily="2" charset="-122"/>
+                        </a:rPr>
+                        <a:t>插槽</a:t>
+                      </a:r>
+                      <a:endParaRPr lang="en-US" altLang="en-US" sz="1200" b="0">
+                        <a:solidFill>
+                          <a:srgbClr val="000000"/>
+                        </a:solidFill>
+                        <a:latin typeface="宋体" panose="02010600030101010101" pitchFamily="2" charset="-122"/>
+                      </a:endParaRPr>
+                    </a:p>
+                  </a:txBody>
+                  <a:tcPr marL="12700" marR="12700" marT="12700" vert="horz" anchor="ctr">
+                    <a:lnL>
+                      <a:noFill/>
+                    </a:lnL>
+                    <a:lnR cap="flat">
+                      <a:noFill/>
+                    </a:lnR>
+                    <a:lnT cap="flat">
+                      <a:noFill/>
+                    </a:lnT>
+                    <a:lnB cap="flat">
+                      <a:noFill/>
+                    </a:lnB>
+                    <a:lnTlToBr>
+                      <a:noFill/>
+                    </a:lnTlToBr>
+                    <a:lnBlToTr>
+                      <a:noFill/>
+                    </a:lnBlToTr>
+                    <a:noFill/>
+                  </a:tcPr>
+                </a:tc>
+              </a:tr>
+              <a:tr h="177800">
+                <a:tc>
+                  <a:txBody>
+                    <a:bodyPr/>
+                    <a:p>
+                      <a:pPr indent="0">
+                        <a:buNone/>
+                      </a:pPr>
+                      <a:r>
+                        <a:rPr lang="zh-CN" sz="1200" b="0">
+                          <a:solidFill>
+                            <a:srgbClr val="000000"/>
+                          </a:solidFill>
+                          <a:ea typeface="宋体" panose="02010600030101010101" pitchFamily="2" charset="-122"/>
+                        </a:rPr>
+                        <a:t>物理攻击力（atk）</a:t>
+                      </a:r>
+                      <a:endParaRPr lang="en-US" altLang="en-US" sz="1200" b="0">
+                        <a:solidFill>
+                          <a:srgbClr val="000000"/>
+                        </a:solidFill>
+                        <a:latin typeface="宋体" panose="02010600030101010101" pitchFamily="2" charset="-122"/>
+                      </a:endParaRPr>
+                    </a:p>
+                  </a:txBody>
+                  <a:tcPr marL="12700" marR="12700" marT="12700" vert="horz" anchor="ctr">
+                    <a:lnL>
+                      <a:noFill/>
+                    </a:lnL>
+                    <a:lnR>
+                      <a:noFill/>
+                    </a:lnR>
+                    <a:lnT cap="flat">
+                      <a:noFill/>
+                    </a:lnT>
+                    <a:lnB cap="flat">
+                      <a:noFill/>
+                    </a:lnB>
+                    <a:lnTlToBr>
+                      <a:noFill/>
+                    </a:lnTlToBr>
+                    <a:lnBlToTr>
+                      <a:noFill/>
+                    </a:lnBlToTr>
+                    <a:noFill/>
+                  </a:tcPr>
+                </a:tc>
+                <a:tc>
+                  <a:txBody>
+                    <a:bodyPr/>
+                    <a:p>
+                      <a:pPr indent="0">
+                        <a:buNone/>
+                      </a:pPr>
+                      <a:r>
+                        <a:rPr lang="zh-CN" sz="1200" b="0">
+                          <a:solidFill>
+                            <a:srgbClr val="000000"/>
+                          </a:solidFill>
+                          <a:ea typeface="宋体" panose="02010600030101010101" pitchFamily="2" charset="-122"/>
+                        </a:rPr>
+                        <a:t>插槽</a:t>
+                      </a:r>
+                      <a:endParaRPr lang="en-US" altLang="en-US" sz="1200" b="0">
+                        <a:solidFill>
+                          <a:srgbClr val="000000"/>
+                        </a:solidFill>
+                        <a:latin typeface="宋体" panose="02010600030101010101" pitchFamily="2" charset="-122"/>
+                      </a:endParaRPr>
+                    </a:p>
+                  </a:txBody>
+                  <a:tcPr marL="12700" marR="12700" marT="12700" vert="horz" anchor="ctr">
+                    <a:lnL>
+                      <a:noFill/>
+                    </a:lnL>
+                    <a:lnR cap="flat">
+                      <a:noFill/>
+                    </a:lnR>
+                    <a:lnT cap="flat">
+                      <a:noFill/>
+                    </a:lnT>
+                    <a:lnB cap="flat">
+                      <a:noFill/>
+                    </a:lnB>
+                    <a:lnTlToBr>
+                      <a:noFill/>
+                    </a:lnTlToBr>
+                    <a:lnBlToTr>
+                      <a:noFill/>
+                    </a:lnBlToTr>
+                    <a:noFill/>
+                  </a:tcPr>
+                </a:tc>
+              </a:tr>
+              <a:tr h="177800">
+                <a:tc>
+                  <a:txBody>
+                    <a:bodyPr/>
+                    <a:p>
+                      <a:pPr indent="0">
+                        <a:buNone/>
+                      </a:pPr>
+                      <a:r>
+                        <a:rPr lang="zh-CN" sz="1200" b="0">
+                          <a:solidFill>
+                            <a:srgbClr val="000000"/>
+                          </a:solidFill>
+                          <a:ea typeface="宋体" panose="02010600030101010101" pitchFamily="2" charset="-122"/>
+                        </a:rPr>
+                        <a:t>火抗性%（antiFire）</a:t>
+                      </a:r>
+                      <a:endParaRPr lang="en-US" altLang="en-US" sz="1200" b="0">
+                        <a:solidFill>
+                          <a:srgbClr val="000000"/>
+                        </a:solidFill>
+                        <a:latin typeface="宋体" panose="02010600030101010101" pitchFamily="2" charset="-122"/>
+                      </a:endParaRPr>
+                    </a:p>
+                  </a:txBody>
+                  <a:tcPr marL="12700" marR="12700" marT="12700" vert="horz" anchor="ctr">
+                    <a:lnL>
+                      <a:noFill/>
+                    </a:lnL>
+                    <a:lnR>
+                      <a:noFill/>
+                    </a:lnR>
+                    <a:lnT cap="flat">
+                      <a:noFill/>
+                    </a:lnT>
+                    <a:lnB cap="flat">
+                      <a:noFill/>
+                    </a:lnB>
+                    <a:lnTlToBr>
+                      <a:noFill/>
+                    </a:lnTlToBr>
+                    <a:lnBlToTr>
+                      <a:noFill/>
+                    </a:lnBlToTr>
+                    <a:noFill/>
+                  </a:tcPr>
+                </a:tc>
+                <a:tc>
+                  <a:txBody>
+                    <a:bodyPr/>
+                    <a:p>
+                      <a:pPr indent="0">
+                        <a:buNone/>
+                      </a:pPr>
+                      <a:r>
+                        <a:rPr lang="zh-CN" sz="1200" b="0">
+                          <a:solidFill>
+                            <a:srgbClr val="000000"/>
+                          </a:solidFill>
+                          <a:ea typeface="宋体" panose="02010600030101010101" pitchFamily="2" charset="-122"/>
+                        </a:rPr>
+                        <a:t>插槽</a:t>
+                      </a:r>
+                      <a:endParaRPr lang="en-US" altLang="en-US" sz="1200" b="0">
+                        <a:solidFill>
+                          <a:srgbClr val="000000"/>
+                        </a:solidFill>
+                        <a:latin typeface="宋体" panose="02010600030101010101" pitchFamily="2" charset="-122"/>
+                      </a:endParaRPr>
+                    </a:p>
+                  </a:txBody>
+                  <a:tcPr marL="12700" marR="12700" marT="12700" vert="horz" anchor="ctr">
+                    <a:lnL>
+                      <a:noFill/>
+                    </a:lnL>
+                    <a:lnR cap="flat">
+                      <a:noFill/>
+                    </a:lnR>
+                    <a:lnT cap="flat">
+                      <a:noFill/>
+                    </a:lnT>
+                    <a:lnB cap="flat">
+                      <a:noFill/>
+                    </a:lnB>
+                    <a:lnTlToBr>
+                      <a:noFill/>
+                    </a:lnTlToBr>
+                    <a:lnBlToTr>
+                      <a:noFill/>
+                    </a:lnBlToTr>
+                    <a:noFill/>
+                  </a:tcPr>
+                </a:tc>
+              </a:tr>
+              <a:tr h="177800">
+                <a:tc>
+                  <a:txBody>
+                    <a:bodyPr/>
+                    <a:p>
+                      <a:pPr indent="0">
+                        <a:buNone/>
+                      </a:pPr>
+                      <a:r>
+                        <a:rPr lang="zh-CN" sz="1200" b="0">
+                          <a:solidFill>
+                            <a:srgbClr val="000000"/>
+                          </a:solidFill>
+                          <a:ea typeface="宋体" panose="02010600030101010101" pitchFamily="2" charset="-122"/>
+                        </a:rPr>
+                        <a:t>电抗性%（antiLightning）</a:t>
+                      </a:r>
+                      <a:endParaRPr lang="en-US" altLang="en-US" sz="1200" b="0">
+                        <a:solidFill>
+                          <a:srgbClr val="000000"/>
+                        </a:solidFill>
+                        <a:latin typeface="宋体" panose="02010600030101010101" pitchFamily="2" charset="-122"/>
+                      </a:endParaRPr>
+                    </a:p>
+                  </a:txBody>
+                  <a:tcPr marL="12700" marR="12700" marT="12700" vert="horz" anchor="ctr">
+                    <a:lnL>
+                      <a:noFill/>
+                    </a:lnL>
+                    <a:lnR>
+                      <a:noFill/>
+                    </a:lnR>
+                    <a:lnT cap="flat">
+                      <a:noFill/>
+                    </a:lnT>
+                    <a:lnB cap="flat">
+                      <a:noFill/>
+                    </a:lnB>
+                    <a:lnTlToBr>
+                      <a:noFill/>
+                    </a:lnTlToBr>
+                    <a:lnBlToTr>
+                      <a:noFill/>
+                    </a:lnBlToTr>
+                    <a:noFill/>
+                  </a:tcPr>
+                </a:tc>
+                <a:tc>
+                  <a:txBody>
+                    <a:bodyPr/>
+                    <a:p>
+                      <a:pPr indent="0">
+                        <a:buNone/>
+                      </a:pPr>
+                      <a:r>
+                        <a:rPr lang="zh-CN" sz="1200" b="0">
+                          <a:solidFill>
+                            <a:srgbClr val="000000"/>
+                          </a:solidFill>
+                          <a:ea typeface="宋体" panose="02010600030101010101" pitchFamily="2" charset="-122"/>
+                        </a:rPr>
+                        <a:t>插槽</a:t>
+                      </a:r>
+                      <a:endParaRPr lang="en-US" altLang="en-US" sz="1200" b="0">
+                        <a:solidFill>
+                          <a:srgbClr val="000000"/>
+                        </a:solidFill>
+                        <a:latin typeface="宋体" panose="02010600030101010101" pitchFamily="2" charset="-122"/>
+                      </a:endParaRPr>
+                    </a:p>
+                  </a:txBody>
+                  <a:tcPr marL="12700" marR="12700" marT="12700" vert="horz" anchor="ctr">
+                    <a:lnL>
+                      <a:noFill/>
+                    </a:lnL>
+                    <a:lnR cap="flat">
+                      <a:noFill/>
+                    </a:lnR>
+                    <a:lnT cap="flat">
+                      <a:noFill/>
+                    </a:lnT>
+                    <a:lnB cap="flat">
+                      <a:noFill/>
+                    </a:lnB>
+                    <a:lnTlToBr>
+                      <a:noFill/>
+                    </a:lnTlToBr>
+                    <a:lnBlToTr>
+                      <a:noFill/>
+                    </a:lnBlToTr>
+                    <a:noFill/>
+                  </a:tcPr>
+                </a:tc>
+              </a:tr>
+              <a:tr h="241300">
+                <a:tc>
+                  <a:txBody>
+                    <a:bodyPr/>
+                    <a:p>
+                      <a:pPr indent="0">
+                        <a:buNone/>
+                      </a:pPr>
+                      <a:r>
+                        <a:rPr lang="zh-CN" sz="1200" b="0">
+                          <a:solidFill>
+                            <a:srgbClr val="000000"/>
+                          </a:solidFill>
+                          <a:ea typeface="宋体" panose="02010600030101010101" pitchFamily="2" charset="-122"/>
+                        </a:rPr>
+                        <a:t>水抗性%(antiWater)</a:t>
+                      </a:r>
+                      <a:endParaRPr lang="en-US" altLang="en-US" sz="1200" b="0">
+                        <a:solidFill>
+                          <a:srgbClr val="000000"/>
+                        </a:solidFill>
+                        <a:latin typeface="宋体" panose="02010600030101010101" pitchFamily="2" charset="-122"/>
+                      </a:endParaRPr>
+                    </a:p>
+                  </a:txBody>
+                  <a:tcPr marL="12700" marR="12700" marT="12700" vert="horz" anchor="ctr">
+                    <a:lnL>
+                      <a:noFill/>
+                    </a:lnL>
+                    <a:lnR>
+                      <a:noFill/>
+                    </a:lnR>
+                    <a:lnT cap="flat">
+                      <a:noFill/>
+                    </a:lnT>
+                    <a:lnB cap="flat">
+                      <a:noFill/>
+                    </a:lnB>
+                    <a:lnTlToBr>
+                      <a:noFill/>
+                    </a:lnTlToBr>
+                    <a:lnBlToTr>
+                      <a:noFill/>
+                    </a:lnBlToTr>
+                    <a:noFill/>
+                  </a:tcPr>
+                </a:tc>
+                <a:tc>
+                  <a:txBody>
+                    <a:bodyPr/>
+                    <a:p>
+                      <a:pPr indent="0">
+                        <a:buNone/>
+                      </a:pPr>
+                      <a:r>
+                        <a:rPr lang="zh-CN" sz="1200" b="0">
+                          <a:solidFill>
+                            <a:srgbClr val="000000"/>
+                          </a:solidFill>
+                          <a:ea typeface="宋体" panose="02010600030101010101" pitchFamily="2" charset="-122"/>
+                        </a:rPr>
+                        <a:t>插槽</a:t>
+                      </a:r>
+                      <a:endParaRPr lang="en-US" altLang="en-US" sz="1200" b="0">
+                        <a:solidFill>
+                          <a:srgbClr val="000000"/>
+                        </a:solidFill>
+                        <a:latin typeface="宋体" panose="02010600030101010101" pitchFamily="2" charset="-122"/>
+                      </a:endParaRPr>
+                    </a:p>
+                  </a:txBody>
+                  <a:tcPr marL="12700" marR="12700" marT="12700" vert="horz" anchor="ctr">
+                    <a:lnL>
+                      <a:noFill/>
+                    </a:lnL>
+                    <a:lnR cap="flat">
+                      <a:noFill/>
+                    </a:lnR>
+                    <a:lnT cap="flat">
+                      <a:noFill/>
+                    </a:lnT>
+                    <a:lnB cap="flat">
+                      <a:noFill/>
+                    </a:lnB>
+                    <a:lnTlToBr>
+                      <a:noFill/>
+                    </a:lnTlToBr>
+                    <a:lnBlToTr>
+                      <a:noFill/>
+                    </a:lnBlToTr>
+                    <a:noFill/>
+                  </a:tcPr>
+                </a:tc>
+              </a:tr>
+              <a:tr h="177800">
+                <a:tc>
+                  <a:txBody>
+                    <a:bodyPr/>
+                    <a:p>
+                      <a:pPr indent="0">
+                        <a:buNone/>
+                      </a:pPr>
+                      <a:r>
+                        <a:rPr lang="zh-CN" sz="1200" b="0">
+                          <a:solidFill>
+                            <a:srgbClr val="000000"/>
+                          </a:solidFill>
+                          <a:ea typeface="宋体" panose="02010600030101010101" pitchFamily="2" charset="-122"/>
+                        </a:rPr>
+                        <a:t>物理防御力（def）</a:t>
+                      </a:r>
+                      <a:endParaRPr lang="en-US" altLang="en-US" sz="1200" b="0">
+                        <a:solidFill>
+                          <a:srgbClr val="000000"/>
+                        </a:solidFill>
+                        <a:latin typeface="宋体" panose="02010600030101010101" pitchFamily="2" charset="-122"/>
+                      </a:endParaRPr>
+                    </a:p>
+                  </a:txBody>
+                  <a:tcPr marL="12700" marR="12700" marT="12700" vert="horz" anchor="ctr">
+                    <a:lnL>
+                      <a:noFill/>
+                    </a:lnL>
+                    <a:lnR>
+                      <a:noFill/>
+                    </a:lnR>
+                    <a:lnT cap="flat">
+                      <a:noFill/>
+                    </a:lnT>
+                    <a:lnB cap="flat">
+                      <a:noFill/>
+                    </a:lnB>
+                    <a:lnTlToBr>
+                      <a:noFill/>
+                    </a:lnTlToBr>
+                    <a:lnBlToTr>
+                      <a:noFill/>
+                    </a:lnBlToTr>
+                    <a:noFill/>
+                  </a:tcPr>
+                </a:tc>
+                <a:tc>
+                  <a:txBody>
+                    <a:bodyPr/>
+                    <a:p>
+                      <a:pPr indent="0">
+                        <a:buNone/>
+                      </a:pPr>
+                      <a:r>
+                        <a:rPr lang="zh-CN" sz="1200" b="0">
+                          <a:solidFill>
+                            <a:srgbClr val="000000"/>
+                          </a:solidFill>
+                          <a:ea typeface="宋体" panose="02010600030101010101" pitchFamily="2" charset="-122"/>
+                        </a:rPr>
+                        <a:t>插槽</a:t>
+                      </a:r>
+                      <a:endParaRPr lang="en-US" altLang="en-US" sz="1200" b="0">
+                        <a:solidFill>
+                          <a:srgbClr val="000000"/>
+                        </a:solidFill>
+                        <a:latin typeface="宋体" panose="02010600030101010101" pitchFamily="2" charset="-122"/>
+                      </a:endParaRPr>
+                    </a:p>
+                  </a:txBody>
+                  <a:tcPr marL="12700" marR="12700" marT="12700" vert="horz" anchor="ctr">
+                    <a:lnL>
+                      <a:noFill/>
+                    </a:lnL>
+                    <a:lnR cap="flat">
+                      <a:noFill/>
+                    </a:lnR>
+                    <a:lnT cap="flat">
+                      <a:noFill/>
+                    </a:lnT>
+                    <a:lnB cap="flat">
+                      <a:noFill/>
+                    </a:lnB>
+                    <a:lnTlToBr>
+                      <a:noFill/>
+                    </a:lnTlToBr>
+                    <a:lnBlToTr>
+                      <a:noFill/>
+                    </a:lnBlToTr>
+                    <a:noFill/>
+                  </a:tcPr>
+                </a:tc>
+              </a:tr>
+            </a:tbl>
+          </a:graphicData>
+        </a:graphic>
+      </p:graphicFrame>
     </p:spTree>
   </p:cSld>
   <p:clrMapOvr>

--- a/Assets/游戏设计文档/详细设计方案/详细游戏设计说明书.pptx
+++ b/Assets/游戏设计文档/详细设计方案/详细游戏设计说明书.pptx
@@ -125,18 +125,18 @@
         <p14:section name="默认节" id="{9ee35a09-c1c2-445d-9555-f61af16a36e3}">
           <p14:sldIdLst>
             <p14:sldId id="264"/>
-            <p14:sldId id="261"/>
             <p14:sldId id="262"/>
+            <p14:sldId id="265"/>
             <p14:sldId id="266"/>
+            <p14:sldId id="259"/>
+            <p14:sldId id="260"/>
             <p14:sldId id="263"/>
             <p14:sldId id="267"/>
             <p14:sldId id="273"/>
             <p14:sldId id="275"/>
             <p14:sldId id="274"/>
             <p14:sldId id="276"/>
-            <p14:sldId id="260"/>
-            <p14:sldId id="265"/>
-            <p14:sldId id="259"/>
+            <p14:sldId id="261"/>
           </p14:sldIdLst>
         </p14:section>
       </p14:sectionLst>
@@ -9038,7 +9038,7 @@
         </p:nvGraphicFramePr>
         <p:xfrm>
           <a:off x="3956050" y="1981200"/>
-          <a:ext cx="4281170" cy="2133600"/>
+          <a:ext cx="4281170" cy="2260600"/>
         </p:xfrm>
         <a:graphic>
           <a:graphicData uri="http://schemas.openxmlformats.org/drawingml/2006/table">
